--- a/Movie Ticket Booking System.pptx
+++ b/Movie Ticket Booking System.pptx
@@ -5,18 +5,19 @@
     <p:sldMasterId id="2147483954" r:id="rId1"/>
   </p:sldMasterIdLst>
   <p:notesMasterIdLst>
-    <p:notesMasterId r:id="rId8"/>
+    <p:notesMasterId r:id="rId9"/>
   </p:notesMasterIdLst>
   <p:handoutMasterIdLst>
-    <p:handoutMasterId r:id="rId9"/>
+    <p:handoutMasterId r:id="rId10"/>
   </p:handoutMasterIdLst>
   <p:sldIdLst>
     <p:sldId id="268" r:id="rId2"/>
     <p:sldId id="270" r:id="rId3"/>
     <p:sldId id="273" r:id="rId4"/>
-    <p:sldId id="280" r:id="rId5"/>
-    <p:sldId id="277" r:id="rId6"/>
-    <p:sldId id="279" r:id="rId7"/>
+    <p:sldId id="281" r:id="rId5"/>
+    <p:sldId id="280" r:id="rId6"/>
+    <p:sldId id="277" r:id="rId7"/>
+    <p:sldId id="279" r:id="rId8"/>
   </p:sldIdLst>
   <p:sldSz cx="12188825" cy="6858000"/>
   <p:notesSz cx="6858000" cy="9144000"/>
@@ -249,7 +250,7 @@
           <a:p>
             <a:fld id="{BEA74EB7-856E-45FD-83F0-5F7C6F3E4372}" type="datetimeFigureOut">
               <a:rPr lang="en-US"/>
-              <a:t>2/28/2021</a:t>
+              <a:t>3/2/2021</a:t>
             </a:fld>
             <a:endParaRPr dirty="0"/>
           </a:p>
@@ -414,7 +415,7 @@
           <a:p>
             <a:fld id="{C61B0E40-8125-41F8-BB6C-139D8D531A4F}" type="datetimeFigureOut">
               <a:rPr lang="en-US"/>
-              <a:t>2/28/2021</a:t>
+              <a:t>3/2/2021</a:t>
             </a:fld>
             <a:endParaRPr dirty="0"/>
           </a:p>
@@ -993,7 +994,7 @@
           <a:p>
             <a:fld id="{BF105DB2-FD3E-441D-8B7E-7AE83ECE27B3}" type="slidenum">
               <a:rPr lang="en-US" smtClean="0"/>
-              <a:t>5</a:t>
+              <a:t>6</a:t>
             </a:fld>
             <a:endParaRPr lang="en-US" dirty="0"/>
           </a:p>
@@ -1069,7 +1070,7 @@
           <a:noFill/>
           <a:extLst>
             <a:ext uri="{909E8E84-426E-40dd-AFC4-6F175D3DCCD1}">
-              <a14:hiddenFill xmlns:a14="http://schemas.microsoft.com/office/drawing/2010/main" xmlns="">
+              <a14:hiddenFill xmlns="" xmlns:a14="http://schemas.microsoft.com/office/drawing/2010/main">
                 <a:solidFill>
                   <a:srgbClr val="FFFFFF"/>
                 </a:solidFill>
@@ -1128,7 +1129,7 @@
             </a:ln>
             <a:extLst>
               <a:ext uri="{91240B29-F687-4f45-9708-019B960494DF}">
-                <a14:hiddenLine xmlns:a14="http://schemas.microsoft.com/office/drawing/2010/main" xmlns="" w="9525">
+                <a14:hiddenLine xmlns="" xmlns:a14="http://schemas.microsoft.com/office/drawing/2010/main" w="9525">
                   <a:solidFill>
                     <a:srgbClr val="000000"/>
                   </a:solidFill>
@@ -1218,7 +1219,7 @@
             </a:ln>
             <a:extLst>
               <a:ext uri="{91240B29-F687-4f45-9708-019B960494DF}">
-                <a14:hiddenLine xmlns:a14="http://schemas.microsoft.com/office/drawing/2010/main" xmlns="" w="9525">
+                <a14:hiddenLine xmlns="" xmlns:a14="http://schemas.microsoft.com/office/drawing/2010/main" w="9525">
                   <a:solidFill>
                     <a:srgbClr val="000000"/>
                   </a:solidFill>
@@ -1308,7 +1309,7 @@
             </a:ln>
             <a:extLst>
               <a:ext uri="{91240B29-F687-4f45-9708-019B960494DF}">
-                <a14:hiddenLine xmlns:a14="http://schemas.microsoft.com/office/drawing/2010/main" xmlns="" w="9525">
+                <a14:hiddenLine xmlns="" xmlns:a14="http://schemas.microsoft.com/office/drawing/2010/main" w="9525">
                   <a:solidFill>
                     <a:srgbClr val="000000"/>
                   </a:solidFill>
@@ -1342,7 +1343,7 @@
             </a:ln>
             <a:extLst>
               <a:ext uri="{91240B29-F687-4f45-9708-019B960494DF}">
-                <a14:hiddenLine xmlns:a14="http://schemas.microsoft.com/office/drawing/2010/main" xmlns="" w="9525">
+                <a14:hiddenLine xmlns="" xmlns:a14="http://schemas.microsoft.com/office/drawing/2010/main" w="9525">
                   <a:solidFill>
                     <a:srgbClr val="000000"/>
                   </a:solidFill>
@@ -1432,7 +1433,7 @@
             </a:ln>
             <a:extLst>
               <a:ext uri="{91240B29-F687-4f45-9708-019B960494DF}">
-                <a14:hiddenLine xmlns:a14="http://schemas.microsoft.com/office/drawing/2010/main" xmlns="" w="9525">
+                <a14:hiddenLine xmlns="" xmlns:a14="http://schemas.microsoft.com/office/drawing/2010/main" w="9525">
                   <a:solidFill>
                     <a:srgbClr val="000000"/>
                   </a:solidFill>
@@ -1494,7 +1495,7 @@
             </a:ln>
             <a:extLst>
               <a:ext uri="{91240B29-F687-4f45-9708-019B960494DF}">
-                <a14:hiddenLine xmlns:a14="http://schemas.microsoft.com/office/drawing/2010/main" xmlns="" w="9525">
+                <a14:hiddenLine xmlns="" xmlns:a14="http://schemas.microsoft.com/office/drawing/2010/main" w="9525">
                   <a:solidFill>
                     <a:srgbClr val="000000"/>
                   </a:solidFill>
@@ -1556,7 +1557,7 @@
             </a:ln>
             <a:extLst>
               <a:ext uri="{91240B29-F687-4f45-9708-019B960494DF}">
-                <a14:hiddenLine xmlns:a14="http://schemas.microsoft.com/office/drawing/2010/main" xmlns="" w="9525">
+                <a14:hiddenLine xmlns="" xmlns:a14="http://schemas.microsoft.com/office/drawing/2010/main" w="9525">
                   <a:solidFill>
                     <a:srgbClr val="000000"/>
                   </a:solidFill>
@@ -1646,7 +1647,7 @@
             </a:ln>
             <a:extLst>
               <a:ext uri="{91240B29-F687-4f45-9708-019B960494DF}">
-                <a14:hiddenLine xmlns:a14="http://schemas.microsoft.com/office/drawing/2010/main" xmlns="" w="9525">
+                <a14:hiddenLine xmlns="" xmlns:a14="http://schemas.microsoft.com/office/drawing/2010/main" w="9525">
                   <a:solidFill>
                     <a:srgbClr val="000000"/>
                   </a:solidFill>
@@ -1708,7 +1709,7 @@
             </a:ln>
             <a:extLst>
               <a:ext uri="{91240B29-F687-4f45-9708-019B960494DF}">
-                <a14:hiddenLine xmlns:a14="http://schemas.microsoft.com/office/drawing/2010/main" xmlns="" w="9525">
+                <a14:hiddenLine xmlns="" xmlns:a14="http://schemas.microsoft.com/office/drawing/2010/main" w="9525">
                   <a:solidFill>
                     <a:srgbClr val="000000"/>
                   </a:solidFill>
@@ -1770,7 +1771,7 @@
             </a:ln>
             <a:extLst>
               <a:ext uri="{91240B29-F687-4f45-9708-019B960494DF}">
-                <a14:hiddenLine xmlns:a14="http://schemas.microsoft.com/office/drawing/2010/main" xmlns="" w="9525">
+                <a14:hiddenLine xmlns="" xmlns:a14="http://schemas.microsoft.com/office/drawing/2010/main" w="9525">
                   <a:solidFill>
                     <a:srgbClr val="000000"/>
                   </a:solidFill>
@@ -1860,7 +1861,7 @@
             </a:ln>
             <a:extLst>
               <a:ext uri="{91240B29-F687-4f45-9708-019B960494DF}">
-                <a14:hiddenLine xmlns:a14="http://schemas.microsoft.com/office/drawing/2010/main" xmlns="" w="9525">
+                <a14:hiddenLine xmlns="" xmlns:a14="http://schemas.microsoft.com/office/drawing/2010/main" w="9525">
                   <a:solidFill>
                     <a:srgbClr val="000000"/>
                   </a:solidFill>
@@ -1950,7 +1951,7 @@
             </a:ln>
             <a:extLst>
               <a:ext uri="{91240B29-F687-4f45-9708-019B960494DF}">
-                <a14:hiddenLine xmlns:a14="http://schemas.microsoft.com/office/drawing/2010/main" xmlns="" w="9525">
+                <a14:hiddenLine xmlns="" xmlns:a14="http://schemas.microsoft.com/office/drawing/2010/main" w="9525">
                   <a:solidFill>
                     <a:srgbClr val="000000"/>
                   </a:solidFill>
@@ -2012,7 +2013,7 @@
             </a:ln>
             <a:extLst>
               <a:ext uri="{91240B29-F687-4f45-9708-019B960494DF}">
-                <a14:hiddenLine xmlns:a14="http://schemas.microsoft.com/office/drawing/2010/main" xmlns="" w="9525">
+                <a14:hiddenLine xmlns="" xmlns:a14="http://schemas.microsoft.com/office/drawing/2010/main" w="9525">
                   <a:solidFill>
                     <a:srgbClr val="000000"/>
                   </a:solidFill>
@@ -2122,7 +2123,7 @@
             </a:ln>
             <a:extLst>
               <a:ext uri="{91240B29-F687-4f45-9708-019B960494DF}">
-                <a14:hiddenLine xmlns:a14="http://schemas.microsoft.com/office/drawing/2010/main" xmlns="" w="9525">
+                <a14:hiddenLine xmlns="" xmlns:a14="http://schemas.microsoft.com/office/drawing/2010/main" w="9525">
                   <a:solidFill>
                     <a:srgbClr val="000000"/>
                   </a:solidFill>
@@ -2184,7 +2185,7 @@
             </a:ln>
             <a:extLst>
               <a:ext uri="{91240B29-F687-4f45-9708-019B960494DF}">
-                <a14:hiddenLine xmlns:a14="http://schemas.microsoft.com/office/drawing/2010/main" xmlns="" w="9525">
+                <a14:hiddenLine xmlns="" xmlns:a14="http://schemas.microsoft.com/office/drawing/2010/main" w="9525">
                   <a:solidFill>
                     <a:srgbClr val="000000"/>
                   </a:solidFill>
@@ -2274,7 +2275,7 @@
             </a:ln>
             <a:extLst>
               <a:ext uri="{91240B29-F687-4f45-9708-019B960494DF}">
-                <a14:hiddenLine xmlns:a14="http://schemas.microsoft.com/office/drawing/2010/main" xmlns="" w="9525">
+                <a14:hiddenLine xmlns="" xmlns:a14="http://schemas.microsoft.com/office/drawing/2010/main" w="9525">
                   <a:solidFill>
                     <a:srgbClr val="000000"/>
                   </a:solidFill>
@@ -2364,7 +2365,7 @@
             </a:ln>
             <a:extLst>
               <a:ext uri="{91240B29-F687-4f45-9708-019B960494DF}">
-                <a14:hiddenLine xmlns:a14="http://schemas.microsoft.com/office/drawing/2010/main" xmlns="" w="9525">
+                <a14:hiddenLine xmlns="" xmlns:a14="http://schemas.microsoft.com/office/drawing/2010/main" w="9525">
                   <a:solidFill>
                     <a:srgbClr val="000000"/>
                   </a:solidFill>
@@ -2426,7 +2427,7 @@
             </a:ln>
             <a:extLst>
               <a:ext uri="{91240B29-F687-4f45-9708-019B960494DF}">
-                <a14:hiddenLine xmlns:a14="http://schemas.microsoft.com/office/drawing/2010/main" xmlns="" w="9525">
+                <a14:hiddenLine xmlns="" xmlns:a14="http://schemas.microsoft.com/office/drawing/2010/main" w="9525">
                   <a:solidFill>
                     <a:srgbClr val="000000"/>
                   </a:solidFill>
@@ -2516,7 +2517,7 @@
             </a:ln>
             <a:extLst>
               <a:ext uri="{91240B29-F687-4f45-9708-019B960494DF}">
-                <a14:hiddenLine xmlns:a14="http://schemas.microsoft.com/office/drawing/2010/main" xmlns="" w="9525">
+                <a14:hiddenLine xmlns="" xmlns:a14="http://schemas.microsoft.com/office/drawing/2010/main" w="9525">
                   <a:solidFill>
                     <a:srgbClr val="000000"/>
                   </a:solidFill>
@@ -2606,7 +2607,7 @@
             </a:ln>
             <a:extLst>
               <a:ext uri="{91240B29-F687-4f45-9708-019B960494DF}">
-                <a14:hiddenLine xmlns:a14="http://schemas.microsoft.com/office/drawing/2010/main" xmlns="" w="9525">
+                <a14:hiddenLine xmlns="" xmlns:a14="http://schemas.microsoft.com/office/drawing/2010/main" w="9525">
                   <a:solidFill>
                     <a:srgbClr val="000000"/>
                   </a:solidFill>
@@ -2662,7 +2663,7 @@
             </a:ln>
             <a:extLst>
               <a:ext uri="{91240B29-F687-4f45-9708-019B960494DF}">
-                <a14:hiddenLine xmlns:a14="http://schemas.microsoft.com/office/drawing/2010/main" xmlns="" w="9525">
+                <a14:hiddenLine xmlns="" xmlns:a14="http://schemas.microsoft.com/office/drawing/2010/main" w="9525">
                   <a:solidFill>
                     <a:srgbClr val="000000"/>
                   </a:solidFill>
@@ -2752,7 +2753,7 @@
             </a:ln>
             <a:extLst>
               <a:ext uri="{91240B29-F687-4f45-9708-019B960494DF}">
-                <a14:hiddenLine xmlns:a14="http://schemas.microsoft.com/office/drawing/2010/main" xmlns="" w="9525">
+                <a14:hiddenLine xmlns="" xmlns:a14="http://schemas.microsoft.com/office/drawing/2010/main" w="9525">
                   <a:solidFill>
                     <a:srgbClr val="000000"/>
                   </a:solidFill>
@@ -2808,7 +2809,7 @@
             </a:ln>
             <a:extLst>
               <a:ext uri="{91240B29-F687-4f45-9708-019B960494DF}">
-                <a14:hiddenLine xmlns:a14="http://schemas.microsoft.com/office/drawing/2010/main" xmlns="" w="9525">
+                <a14:hiddenLine xmlns="" xmlns:a14="http://schemas.microsoft.com/office/drawing/2010/main" w="9525">
                   <a:solidFill>
                     <a:srgbClr val="000000"/>
                   </a:solidFill>
@@ -2898,7 +2899,7 @@
             </a:ln>
             <a:extLst>
               <a:ext uri="{91240B29-F687-4f45-9708-019B960494DF}">
-                <a14:hiddenLine xmlns:a14="http://schemas.microsoft.com/office/drawing/2010/main" xmlns="" w="9525">
+                <a14:hiddenLine xmlns="" xmlns:a14="http://schemas.microsoft.com/office/drawing/2010/main" w="9525">
                   <a:solidFill>
                     <a:srgbClr val="000000"/>
                   </a:solidFill>
@@ -2966,7 +2967,7 @@
             </a:ln>
             <a:extLst>
               <a:ext uri="{91240B29-F687-4f45-9708-019B960494DF}">
-                <a14:hiddenLine xmlns:a14="http://schemas.microsoft.com/office/drawing/2010/main" xmlns="" w="9525">
+                <a14:hiddenLine xmlns="" xmlns:a14="http://schemas.microsoft.com/office/drawing/2010/main" w="9525">
                   <a:solidFill>
                     <a:srgbClr val="000000"/>
                   </a:solidFill>
@@ -3056,7 +3057,7 @@
             </a:ln>
             <a:extLst>
               <a:ext uri="{91240B29-F687-4f45-9708-019B960494DF}">
-                <a14:hiddenLine xmlns:a14="http://schemas.microsoft.com/office/drawing/2010/main" xmlns="" w="9525">
+                <a14:hiddenLine xmlns="" xmlns:a14="http://schemas.microsoft.com/office/drawing/2010/main" w="9525">
                   <a:solidFill>
                     <a:srgbClr val="000000"/>
                   </a:solidFill>
@@ -3124,7 +3125,7 @@
             </a:ln>
             <a:extLst>
               <a:ext uri="{91240B29-F687-4f45-9708-019B960494DF}">
-                <a14:hiddenLine xmlns:a14="http://schemas.microsoft.com/office/drawing/2010/main" xmlns="" w="9525">
+                <a14:hiddenLine xmlns="" xmlns:a14="http://schemas.microsoft.com/office/drawing/2010/main" w="9525">
                   <a:solidFill>
                     <a:srgbClr val="000000"/>
                   </a:solidFill>
@@ -3214,7 +3215,7 @@
             </a:ln>
             <a:extLst>
               <a:ext uri="{91240B29-F687-4f45-9708-019B960494DF}">
-                <a14:hiddenLine xmlns:a14="http://schemas.microsoft.com/office/drawing/2010/main" xmlns="" w="9525">
+                <a14:hiddenLine xmlns="" xmlns:a14="http://schemas.microsoft.com/office/drawing/2010/main" w="9525">
                   <a:solidFill>
                     <a:srgbClr val="000000"/>
                   </a:solidFill>
@@ -3248,7 +3249,7 @@
             </a:ln>
             <a:extLst>
               <a:ext uri="{91240B29-F687-4f45-9708-019B960494DF}">
-                <a14:hiddenLine xmlns:a14="http://schemas.microsoft.com/office/drawing/2010/main" xmlns="" w="9525">
+                <a14:hiddenLine xmlns="" xmlns:a14="http://schemas.microsoft.com/office/drawing/2010/main" w="9525">
                   <a:solidFill>
                     <a:srgbClr val="000000"/>
                   </a:solidFill>
@@ -3338,7 +3339,7 @@
             </a:ln>
             <a:extLst>
               <a:ext uri="{91240B29-F687-4f45-9708-019B960494DF}">
-                <a14:hiddenLine xmlns:a14="http://schemas.microsoft.com/office/drawing/2010/main" xmlns="" w="9525">
+                <a14:hiddenLine xmlns="" xmlns:a14="http://schemas.microsoft.com/office/drawing/2010/main" w="9525">
                   <a:solidFill>
                     <a:srgbClr val="000000"/>
                   </a:solidFill>
@@ -3400,7 +3401,7 @@
             </a:ln>
             <a:extLst>
               <a:ext uri="{91240B29-F687-4f45-9708-019B960494DF}">
-                <a14:hiddenLine xmlns:a14="http://schemas.microsoft.com/office/drawing/2010/main" xmlns="" w="9525">
+                <a14:hiddenLine xmlns="" xmlns:a14="http://schemas.microsoft.com/office/drawing/2010/main" w="9525">
                   <a:solidFill>
                     <a:srgbClr val="000000"/>
                   </a:solidFill>
@@ -3462,7 +3463,7 @@
             </a:ln>
             <a:extLst>
               <a:ext uri="{91240B29-F687-4f45-9708-019B960494DF}">
-                <a14:hiddenLine xmlns:a14="http://schemas.microsoft.com/office/drawing/2010/main" xmlns="" w="9525">
+                <a14:hiddenLine xmlns="" xmlns:a14="http://schemas.microsoft.com/office/drawing/2010/main" w="9525">
                   <a:solidFill>
                     <a:srgbClr val="000000"/>
                   </a:solidFill>
@@ -3552,7 +3553,7 @@
             </a:ln>
             <a:extLst>
               <a:ext uri="{91240B29-F687-4f45-9708-019B960494DF}">
-                <a14:hiddenLine xmlns:a14="http://schemas.microsoft.com/office/drawing/2010/main" xmlns="" w="9525">
+                <a14:hiddenLine xmlns="" xmlns:a14="http://schemas.microsoft.com/office/drawing/2010/main" w="9525">
                   <a:solidFill>
                     <a:srgbClr val="000000"/>
                   </a:solidFill>
@@ -3620,7 +3621,7 @@
             </a:ln>
             <a:extLst>
               <a:ext uri="{91240B29-F687-4f45-9708-019B960494DF}">
-                <a14:hiddenLine xmlns:a14="http://schemas.microsoft.com/office/drawing/2010/main" xmlns="" w="9525">
+                <a14:hiddenLine xmlns="" xmlns:a14="http://schemas.microsoft.com/office/drawing/2010/main" w="9525">
                   <a:solidFill>
                     <a:srgbClr val="000000"/>
                   </a:solidFill>
@@ -3682,7 +3683,7 @@
             </a:ln>
             <a:extLst>
               <a:ext uri="{91240B29-F687-4f45-9708-019B960494DF}">
-                <a14:hiddenLine xmlns:a14="http://schemas.microsoft.com/office/drawing/2010/main" xmlns="" w="9525">
+                <a14:hiddenLine xmlns="" xmlns:a14="http://schemas.microsoft.com/office/drawing/2010/main" w="9525">
                   <a:solidFill>
                     <a:srgbClr val="000000"/>
                   </a:solidFill>
@@ -3772,7 +3773,7 @@
             </a:ln>
             <a:extLst>
               <a:ext uri="{91240B29-F687-4f45-9708-019B960494DF}">
-                <a14:hiddenLine xmlns:a14="http://schemas.microsoft.com/office/drawing/2010/main" xmlns="" w="9525">
+                <a14:hiddenLine xmlns="" xmlns:a14="http://schemas.microsoft.com/office/drawing/2010/main" w="9525">
                   <a:solidFill>
                     <a:srgbClr val="000000"/>
                   </a:solidFill>
@@ -3834,7 +3835,7 @@
             </a:ln>
             <a:extLst>
               <a:ext uri="{91240B29-F687-4f45-9708-019B960494DF}">
-                <a14:hiddenLine xmlns:a14="http://schemas.microsoft.com/office/drawing/2010/main" xmlns="" w="9525">
+                <a14:hiddenLine xmlns="" xmlns:a14="http://schemas.microsoft.com/office/drawing/2010/main" w="9525">
                   <a:solidFill>
                     <a:srgbClr val="000000"/>
                   </a:solidFill>
@@ -3924,7 +3925,7 @@
             </a:ln>
             <a:extLst>
               <a:ext uri="{91240B29-F687-4f45-9708-019B960494DF}">
-                <a14:hiddenLine xmlns:a14="http://schemas.microsoft.com/office/drawing/2010/main" xmlns="" w="9525">
+                <a14:hiddenLine xmlns="" xmlns:a14="http://schemas.microsoft.com/office/drawing/2010/main" w="9525">
                   <a:solidFill>
                     <a:srgbClr val="000000"/>
                   </a:solidFill>
@@ -3986,7 +3987,7 @@
             </a:ln>
             <a:extLst>
               <a:ext uri="{91240B29-F687-4f45-9708-019B960494DF}">
-                <a14:hiddenLine xmlns:a14="http://schemas.microsoft.com/office/drawing/2010/main" xmlns="" w="9525">
+                <a14:hiddenLine xmlns="" xmlns:a14="http://schemas.microsoft.com/office/drawing/2010/main" w="9525">
                   <a:solidFill>
                     <a:srgbClr val="000000"/>
                   </a:solidFill>
@@ -4076,7 +4077,7 @@
             </a:ln>
             <a:extLst>
               <a:ext uri="{91240B29-F687-4f45-9708-019B960494DF}">
-                <a14:hiddenLine xmlns:a14="http://schemas.microsoft.com/office/drawing/2010/main" xmlns="" w="9525">
+                <a14:hiddenLine xmlns="" xmlns:a14="http://schemas.microsoft.com/office/drawing/2010/main" w="9525">
                   <a:solidFill>
                     <a:srgbClr val="000000"/>
                   </a:solidFill>
@@ -4110,7 +4111,7 @@
             </a:ln>
             <a:extLst>
               <a:ext uri="{91240B29-F687-4f45-9708-019B960494DF}">
-                <a14:hiddenLine xmlns:a14="http://schemas.microsoft.com/office/drawing/2010/main" xmlns="" w="9525">
+                <a14:hiddenLine xmlns="" xmlns:a14="http://schemas.microsoft.com/office/drawing/2010/main" w="9525">
                   <a:solidFill>
                     <a:srgbClr val="000000"/>
                   </a:solidFill>
@@ -4175,7 +4176,7 @@
             </a:ln>
             <a:extLst>
               <a:ext uri="{91240B29-F687-4f45-9708-019B960494DF}">
-                <a14:hiddenLine xmlns:a14="http://schemas.microsoft.com/office/drawing/2010/main" xmlns="" w="9525">
+                <a14:hiddenLine xmlns="" xmlns:a14="http://schemas.microsoft.com/office/drawing/2010/main" w="9525">
                   <a:solidFill>
                     <a:srgbClr val="000000"/>
                   </a:solidFill>
@@ -4265,7 +4266,7 @@
             </a:ln>
             <a:extLst>
               <a:ext uri="{91240B29-F687-4f45-9708-019B960494DF}">
-                <a14:hiddenLine xmlns:a14="http://schemas.microsoft.com/office/drawing/2010/main" xmlns="" w="9525">
+                <a14:hiddenLine xmlns="" xmlns:a14="http://schemas.microsoft.com/office/drawing/2010/main" w="9525">
                   <a:solidFill>
                     <a:srgbClr val="000000"/>
                   </a:solidFill>
@@ -4327,7 +4328,7 @@
             </a:ln>
             <a:extLst>
               <a:ext uri="{91240B29-F687-4f45-9708-019B960494DF}">
-                <a14:hiddenLine xmlns:a14="http://schemas.microsoft.com/office/drawing/2010/main" xmlns="" w="9525">
+                <a14:hiddenLine xmlns="" xmlns:a14="http://schemas.microsoft.com/office/drawing/2010/main" w="9525">
                   <a:solidFill>
                     <a:srgbClr val="000000"/>
                   </a:solidFill>
@@ -4417,7 +4418,7 @@
             </a:ln>
             <a:extLst>
               <a:ext uri="{91240B29-F687-4f45-9708-019B960494DF}">
-                <a14:hiddenLine xmlns:a14="http://schemas.microsoft.com/office/drawing/2010/main" xmlns="" w="9525">
+                <a14:hiddenLine xmlns="" xmlns:a14="http://schemas.microsoft.com/office/drawing/2010/main" w="9525">
                   <a:solidFill>
                     <a:srgbClr val="000000"/>
                   </a:solidFill>
@@ -4507,7 +4508,7 @@
             </a:ln>
             <a:extLst>
               <a:ext uri="{91240B29-F687-4f45-9708-019B960494DF}">
-                <a14:hiddenLine xmlns:a14="http://schemas.microsoft.com/office/drawing/2010/main" xmlns="" w="9525">
+                <a14:hiddenLine xmlns="" xmlns:a14="http://schemas.microsoft.com/office/drawing/2010/main" w="9525">
                   <a:solidFill>
                     <a:srgbClr val="000000"/>
                   </a:solidFill>
@@ -4572,7 +4573,7 @@
             </a:ln>
             <a:extLst>
               <a:ext uri="{91240B29-F687-4f45-9708-019B960494DF}">
-                <a14:hiddenLine xmlns:a14="http://schemas.microsoft.com/office/drawing/2010/main" xmlns="" w="9525">
+                <a14:hiddenLine xmlns="" xmlns:a14="http://schemas.microsoft.com/office/drawing/2010/main" w="9525">
                   <a:solidFill>
                     <a:srgbClr val="000000"/>
                   </a:solidFill>
@@ -4634,7 +4635,7 @@
             </a:ln>
             <a:extLst>
               <a:ext uri="{91240B29-F687-4f45-9708-019B960494DF}">
-                <a14:hiddenLine xmlns:a14="http://schemas.microsoft.com/office/drawing/2010/main" xmlns="" w="9525">
+                <a14:hiddenLine xmlns="" xmlns:a14="http://schemas.microsoft.com/office/drawing/2010/main" w="9525">
                   <a:solidFill>
                     <a:srgbClr val="000000"/>
                   </a:solidFill>
@@ -4724,7 +4725,7 @@
             </a:ln>
             <a:extLst>
               <a:ext uri="{91240B29-F687-4f45-9708-019B960494DF}">
-                <a14:hiddenLine xmlns:a14="http://schemas.microsoft.com/office/drawing/2010/main" xmlns="" w="9525">
+                <a14:hiddenLine xmlns="" xmlns:a14="http://schemas.microsoft.com/office/drawing/2010/main" w="9525">
                   <a:solidFill>
                     <a:srgbClr val="000000"/>
                   </a:solidFill>
@@ -4814,7 +4815,7 @@
             </a:ln>
             <a:extLst>
               <a:ext uri="{91240B29-F687-4f45-9708-019B960494DF}">
-                <a14:hiddenLine xmlns:a14="http://schemas.microsoft.com/office/drawing/2010/main" xmlns="" w="9525">
+                <a14:hiddenLine xmlns="" xmlns:a14="http://schemas.microsoft.com/office/drawing/2010/main" w="9525">
                   <a:solidFill>
                     <a:srgbClr val="000000"/>
                   </a:solidFill>
@@ -4876,7 +4877,7 @@
             </a:ln>
             <a:extLst>
               <a:ext uri="{91240B29-F687-4f45-9708-019B960494DF}">
-                <a14:hiddenLine xmlns:a14="http://schemas.microsoft.com/office/drawing/2010/main" xmlns="" w="9525">
+                <a14:hiddenLine xmlns="" xmlns:a14="http://schemas.microsoft.com/office/drawing/2010/main" w="9525">
                   <a:solidFill>
                     <a:srgbClr val="000000"/>
                   </a:solidFill>
@@ -4996,7 +4997,7 @@
             </a:ln>
             <a:extLst>
               <a:ext uri="{91240B29-F687-4f45-9708-019B960494DF}">
-                <a14:hiddenLine xmlns:a14="http://schemas.microsoft.com/office/drawing/2010/main" xmlns="" w="9525">
+                <a14:hiddenLine xmlns="" xmlns:a14="http://schemas.microsoft.com/office/drawing/2010/main" w="9525">
                   <a:solidFill>
                     <a:srgbClr val="000000"/>
                   </a:solidFill>
@@ -5064,7 +5065,7 @@
             </a:ln>
             <a:extLst>
               <a:ext uri="{91240B29-F687-4f45-9708-019B960494DF}">
-                <a14:hiddenLine xmlns:a14="http://schemas.microsoft.com/office/drawing/2010/main" xmlns="" w="9525">
+                <a14:hiddenLine xmlns="" xmlns:a14="http://schemas.microsoft.com/office/drawing/2010/main" w="9525">
                   <a:solidFill>
                     <a:srgbClr val="000000"/>
                   </a:solidFill>
@@ -5154,7 +5155,7 @@
             </a:ln>
             <a:extLst>
               <a:ext uri="{91240B29-F687-4f45-9708-019B960494DF}">
-                <a14:hiddenLine xmlns:a14="http://schemas.microsoft.com/office/drawing/2010/main" xmlns="" w="9525">
+                <a14:hiddenLine xmlns="" xmlns:a14="http://schemas.microsoft.com/office/drawing/2010/main" w="9525">
                   <a:solidFill>
                     <a:srgbClr val="000000"/>
                   </a:solidFill>
@@ -5294,7 +5295,7 @@
           <a:p>
             <a:fld id="{333B76B7-5811-4114-8A95-998148FFD529}" type="datetime1">
               <a:rPr lang="en-US" smtClean="0"/>
-              <a:t>2/28/2021</a:t>
+              <a:t>3/2/2021</a:t>
             </a:fld>
             <a:endParaRPr lang="en-US" dirty="0"/>
           </a:p>
@@ -5586,7 +5587,7 @@
             <a:fld id="{5C6E67D0-0200-42BE-A0B2-78C70FBBB312}" type="datetime1">
               <a:rPr lang="en-US" smtClean="0"/>
               <a:pPr/>
-              <a:t>2/28/2021</a:t>
+              <a:t>3/2/2021</a:t>
             </a:fld>
             <a:endParaRPr lang="en-US" dirty="0"/>
           </a:p>
@@ -5796,7 +5797,7 @@
             <a:fld id="{5C6E67D0-0200-42BE-A0B2-78C70FBBB312}" type="datetime1">
               <a:rPr lang="en-US" smtClean="0"/>
               <a:pPr/>
-              <a:t>2/28/2021</a:t>
+              <a:t>3/2/2021</a:t>
             </a:fld>
             <a:endParaRPr lang="en-US" dirty="0"/>
           </a:p>
@@ -6073,7 +6074,7 @@
             <a:fld id="{5C6E67D0-0200-42BE-A0B2-78C70FBBB312}" type="datetime1">
               <a:rPr lang="en-US" smtClean="0"/>
               <a:pPr/>
-              <a:t>2/28/2021</a:t>
+              <a:t>3/2/2021</a:t>
             </a:fld>
             <a:endParaRPr lang="en-US" dirty="0"/>
           </a:p>
@@ -6521,7 +6522,7 @@
             <a:fld id="{5C6E67D0-0200-42BE-A0B2-78C70FBBB312}" type="datetime1">
               <a:rPr lang="en-US" smtClean="0"/>
               <a:pPr/>
-              <a:t>2/28/2021</a:t>
+              <a:t>3/2/2021</a:t>
             </a:fld>
             <a:endParaRPr lang="en-US" dirty="0"/>
           </a:p>
@@ -7081,7 +7082,7 @@
             <a:fld id="{5C6E67D0-0200-42BE-A0B2-78C70FBBB312}" type="datetime1">
               <a:rPr lang="en-US" smtClean="0"/>
               <a:pPr/>
-              <a:t>2/28/2021</a:t>
+              <a:t>3/2/2021</a:t>
             </a:fld>
             <a:endParaRPr lang="en-US" dirty="0"/>
           </a:p>
@@ -7815,7 +7816,7 @@
             <a:fld id="{5C6E67D0-0200-42BE-A0B2-78C70FBBB312}" type="datetime1">
               <a:rPr lang="en-US" smtClean="0"/>
               <a:pPr/>
-              <a:t>2/28/2021</a:t>
+              <a:t>3/2/2021</a:t>
             </a:fld>
             <a:endParaRPr lang="en-US" dirty="0"/>
           </a:p>
@@ -7998,7 +7999,7 @@
           <a:p>
             <a:fld id="{175C077A-EF7A-41AA-8976-110EB7416C60}" type="datetime1">
               <a:rPr lang="en-US" smtClean="0"/>
-              <a:t>2/28/2021</a:t>
+              <a:t>3/2/2021</a:t>
             </a:fld>
             <a:endParaRPr lang="en-US" dirty="0"/>
           </a:p>
@@ -8202,7 +8203,7 @@
           <a:p>
             <a:fld id="{CFF5912B-6681-4BDF-AE10-F59636249FF3}" type="datetime1">
               <a:rPr lang="en-US" smtClean="0"/>
-              <a:t>2/28/2021</a:t>
+              <a:t>3/2/2021</a:t>
             </a:fld>
             <a:endParaRPr lang="en-US" dirty="0"/>
           </a:p>
@@ -8424,7 +8425,7 @@
           <a:p>
             <a:fld id="{905C8E22-D0BA-4CB4-9C32-B27533199514}" type="datetime1">
               <a:rPr lang="en-US" smtClean="0"/>
-              <a:t>2/28/2021</a:t>
+              <a:t>3/2/2021</a:t>
             </a:fld>
             <a:endParaRPr dirty="0"/>
           </a:p>
@@ -8588,7 +8589,7 @@
           <a:p>
             <a:fld id="{FC2180A9-7A83-412D-A8AC-5AF60A8AA507}" type="datetime1">
               <a:rPr lang="en-US" smtClean="0"/>
-              <a:t>2/28/2021</a:t>
+              <a:t>3/2/2021</a:t>
             </a:fld>
             <a:endParaRPr lang="en-US" dirty="0"/>
           </a:p>
@@ -8862,7 +8863,7 @@
           <a:p>
             <a:fld id="{6A563DF0-FDDF-4143-9D8C-6AF41892E174}" type="datetime1">
               <a:rPr lang="en-US" smtClean="0"/>
-              <a:t>2/28/2021</a:t>
+              <a:t>3/2/2021</a:t>
             </a:fld>
             <a:endParaRPr lang="en-US" dirty="0"/>
           </a:p>
@@ -9118,7 +9119,7 @@
           <a:p>
             <a:fld id="{38BB83F9-4677-4C31-8407-7919061A580B}" type="datetime1">
               <a:rPr lang="en-US" smtClean="0"/>
-              <a:t>2/28/2021</a:t>
+              <a:t>3/2/2021</a:t>
             </a:fld>
             <a:endParaRPr lang="en-US" dirty="0"/>
           </a:p>
@@ -9523,7 +9524,7 @@
           <a:p>
             <a:fld id="{C33939A6-3450-434F-A872-BEE63F7EB093}" type="datetime1">
               <a:rPr lang="en-US" smtClean="0"/>
-              <a:t>2/28/2021</a:t>
+              <a:t>3/2/2021</a:t>
             </a:fld>
             <a:endParaRPr lang="en-US" dirty="0"/>
           </a:p>
@@ -9665,7 +9666,7 @@
           <a:p>
             <a:fld id="{E3BABB1C-FA00-4171-BA31-4C5E719472F3}" type="datetime1">
               <a:rPr lang="en-US" smtClean="0"/>
-              <a:t>2/28/2021</a:t>
+              <a:t>3/2/2021</a:t>
             </a:fld>
             <a:endParaRPr lang="en-US" dirty="0"/>
           </a:p>
@@ -9784,7 +9785,7 @@
           <a:p>
             <a:fld id="{D76C8610-5B57-4C6B-BF9F-F5397A1F60B8}" type="datetime1">
               <a:rPr lang="en-US" smtClean="0"/>
-              <a:t>2/28/2021</a:t>
+              <a:t>3/2/2021</a:t>
             </a:fld>
             <a:endParaRPr lang="en-US" dirty="0"/>
           </a:p>
@@ -10207,7 +10208,7 @@
           <a:p>
             <a:fld id="{BADBF3DD-8B6D-46AA-BCA9-242D4EF63DDF}" type="datetime1">
               <a:rPr lang="en-US" smtClean="0"/>
-              <a:t>2/28/2021</a:t>
+              <a:t>3/2/2021</a:t>
             </a:fld>
             <a:endParaRPr lang="en-US" dirty="0"/>
           </a:p>
@@ -10511,7 +10512,7 @@
           <a:p>
             <a:fld id="{23C41AE9-3D4A-4A08-B03D-DC6D2ADF5464}" type="datetime1">
               <a:rPr lang="en-US" smtClean="0"/>
-              <a:t>2/28/2021</a:t>
+              <a:t>3/2/2021</a:t>
             </a:fld>
             <a:endParaRPr lang="en-US" dirty="0"/>
           </a:p>
@@ -10658,7 +10659,7 @@
           <a:noFill/>
           <a:extLst>
             <a:ext uri="{909E8E84-426E-40dd-AFC4-6F175D3DCCD1}">
-              <a14:hiddenFill xmlns:a14="http://schemas.microsoft.com/office/drawing/2010/main" xmlns="">
+              <a14:hiddenFill xmlns="" xmlns:a14="http://schemas.microsoft.com/office/drawing/2010/main">
                 <a:solidFill>
                   <a:srgbClr val="FFFFFF"/>
                 </a:solidFill>
@@ -10732,7 +10733,7 @@
               </a:ln>
               <a:extLst>
                 <a:ext uri="{91240B29-F687-4f45-9708-019B960494DF}">
-                  <a14:hiddenLine xmlns:a14="http://schemas.microsoft.com/office/drawing/2010/main" xmlns="" w="9525">
+                  <a14:hiddenLine xmlns="" xmlns:a14="http://schemas.microsoft.com/office/drawing/2010/main" w="9525">
                     <a:solidFill>
                       <a:srgbClr val="000000"/>
                     </a:solidFill>
@@ -10822,7 +10823,7 @@
               </a:ln>
               <a:extLst>
                 <a:ext uri="{91240B29-F687-4f45-9708-019B960494DF}">
-                  <a14:hiddenLine xmlns:a14="http://schemas.microsoft.com/office/drawing/2010/main" xmlns="" w="9525">
+                  <a14:hiddenLine xmlns="" xmlns:a14="http://schemas.microsoft.com/office/drawing/2010/main" w="9525">
                     <a:solidFill>
                       <a:srgbClr val="000000"/>
                     </a:solidFill>
@@ -10912,7 +10913,7 @@
               </a:ln>
               <a:extLst>
                 <a:ext uri="{91240B29-F687-4f45-9708-019B960494DF}">
-                  <a14:hiddenLine xmlns:a14="http://schemas.microsoft.com/office/drawing/2010/main" xmlns="" w="9525">
+                  <a14:hiddenLine xmlns="" xmlns:a14="http://schemas.microsoft.com/office/drawing/2010/main" w="9525">
                     <a:solidFill>
                       <a:srgbClr val="000000"/>
                     </a:solidFill>
@@ -10974,7 +10975,7 @@
               </a:ln>
               <a:extLst>
                 <a:ext uri="{91240B29-F687-4f45-9708-019B960494DF}">
-                  <a14:hiddenLine xmlns:a14="http://schemas.microsoft.com/office/drawing/2010/main" xmlns="" w="9525">
+                  <a14:hiddenLine xmlns="" xmlns:a14="http://schemas.microsoft.com/office/drawing/2010/main" w="9525">
                     <a:solidFill>
                       <a:srgbClr val="000000"/>
                     </a:solidFill>
@@ -11064,7 +11065,7 @@
               </a:ln>
               <a:extLst>
                 <a:ext uri="{91240B29-F687-4f45-9708-019B960494DF}">
-                  <a14:hiddenLine xmlns:a14="http://schemas.microsoft.com/office/drawing/2010/main" xmlns="" w="9525">
+                  <a14:hiddenLine xmlns="" xmlns:a14="http://schemas.microsoft.com/office/drawing/2010/main" w="9525">
                     <a:solidFill>
                       <a:srgbClr val="000000"/>
                     </a:solidFill>
@@ -11126,7 +11127,7 @@
               </a:ln>
               <a:extLst>
                 <a:ext uri="{91240B29-F687-4f45-9708-019B960494DF}">
-                  <a14:hiddenLine xmlns:a14="http://schemas.microsoft.com/office/drawing/2010/main" xmlns="" w="9525">
+                  <a14:hiddenLine xmlns="" xmlns:a14="http://schemas.microsoft.com/office/drawing/2010/main" w="9525">
                     <a:solidFill>
                       <a:srgbClr val="000000"/>
                     </a:solidFill>
@@ -11188,7 +11189,7 @@
               </a:ln>
               <a:extLst>
                 <a:ext uri="{91240B29-F687-4f45-9708-019B960494DF}">
-                  <a14:hiddenLine xmlns:a14="http://schemas.microsoft.com/office/drawing/2010/main" xmlns="" w="9525">
+                  <a14:hiddenLine xmlns="" xmlns:a14="http://schemas.microsoft.com/office/drawing/2010/main" w="9525">
                     <a:solidFill>
                       <a:srgbClr val="000000"/>
                     </a:solidFill>
@@ -11278,7 +11279,7 @@
               </a:ln>
               <a:extLst>
                 <a:ext uri="{91240B29-F687-4f45-9708-019B960494DF}">
-                  <a14:hiddenLine xmlns:a14="http://schemas.microsoft.com/office/drawing/2010/main" xmlns="" w="9525">
+                  <a14:hiddenLine xmlns="" xmlns:a14="http://schemas.microsoft.com/office/drawing/2010/main" w="9525">
                     <a:solidFill>
                       <a:srgbClr val="000000"/>
                     </a:solidFill>
@@ -11368,7 +11369,7 @@
               </a:ln>
               <a:extLst>
                 <a:ext uri="{91240B29-F687-4f45-9708-019B960494DF}">
-                  <a14:hiddenLine xmlns:a14="http://schemas.microsoft.com/office/drawing/2010/main" xmlns="" w="9525">
+                  <a14:hiddenLine xmlns="" xmlns:a14="http://schemas.microsoft.com/office/drawing/2010/main" w="9525">
                     <a:solidFill>
                       <a:srgbClr val="000000"/>
                     </a:solidFill>
@@ -11430,7 +11431,7 @@
               </a:ln>
               <a:extLst>
                 <a:ext uri="{91240B29-F687-4f45-9708-019B960494DF}">
-                  <a14:hiddenLine xmlns:a14="http://schemas.microsoft.com/office/drawing/2010/main" xmlns="" w="9525">
+                  <a14:hiddenLine xmlns="" xmlns:a14="http://schemas.microsoft.com/office/drawing/2010/main" w="9525">
                     <a:solidFill>
                       <a:srgbClr val="000000"/>
                     </a:solidFill>
@@ -11540,7 +11541,7 @@
               </a:ln>
               <a:extLst>
                 <a:ext uri="{91240B29-F687-4f45-9708-019B960494DF}">
-                  <a14:hiddenLine xmlns:a14="http://schemas.microsoft.com/office/drawing/2010/main" xmlns="" w="9525">
+                  <a14:hiddenLine xmlns="" xmlns:a14="http://schemas.microsoft.com/office/drawing/2010/main" w="9525">
                     <a:solidFill>
                       <a:srgbClr val="000000"/>
                     </a:solidFill>
@@ -11624,7 +11625,7 @@
               </a:ln>
               <a:extLst>
                 <a:ext uri="{91240B29-F687-4f45-9708-019B960494DF}">
-                  <a14:hiddenLine xmlns:a14="http://schemas.microsoft.com/office/drawing/2010/main" xmlns="" w="9525">
+                  <a14:hiddenLine xmlns="" xmlns:a14="http://schemas.microsoft.com/office/drawing/2010/main" w="9525">
                     <a:solidFill>
                       <a:srgbClr val="000000"/>
                     </a:solidFill>
@@ -11686,7 +11687,7 @@
               </a:ln>
               <a:extLst>
                 <a:ext uri="{91240B29-F687-4f45-9708-019B960494DF}">
-                  <a14:hiddenLine xmlns:a14="http://schemas.microsoft.com/office/drawing/2010/main" xmlns="" w="9525">
+                  <a14:hiddenLine xmlns="" xmlns:a14="http://schemas.microsoft.com/office/drawing/2010/main" w="9525">
                     <a:solidFill>
                       <a:srgbClr val="000000"/>
                     </a:solidFill>
@@ -11748,7 +11749,7 @@
               </a:ln>
               <a:extLst>
                 <a:ext uri="{91240B29-F687-4f45-9708-019B960494DF}">
-                  <a14:hiddenLine xmlns:a14="http://schemas.microsoft.com/office/drawing/2010/main" xmlns="" w="9525">
+                  <a14:hiddenLine xmlns="" xmlns:a14="http://schemas.microsoft.com/office/drawing/2010/main" w="9525">
                     <a:solidFill>
                       <a:srgbClr val="000000"/>
                     </a:solidFill>
@@ -11838,7 +11839,7 @@
               </a:ln>
               <a:extLst>
                 <a:ext uri="{91240B29-F687-4f45-9708-019B960494DF}">
-                  <a14:hiddenLine xmlns:a14="http://schemas.microsoft.com/office/drawing/2010/main" xmlns="" w="9525">
+                  <a14:hiddenLine xmlns="" xmlns:a14="http://schemas.microsoft.com/office/drawing/2010/main" w="9525">
                     <a:solidFill>
                       <a:srgbClr val="000000"/>
                     </a:solidFill>
@@ -11872,7 +11873,7 @@
               </a:ln>
               <a:extLst>
                 <a:ext uri="{91240B29-F687-4f45-9708-019B960494DF}">
-                  <a14:hiddenLine xmlns:a14="http://schemas.microsoft.com/office/drawing/2010/main" xmlns="" w="9525">
+                  <a14:hiddenLine xmlns="" xmlns:a14="http://schemas.microsoft.com/office/drawing/2010/main" w="9525">
                     <a:solidFill>
                       <a:srgbClr val="000000"/>
                     </a:solidFill>
@@ -11937,7 +11938,7 @@
               </a:ln>
               <a:extLst>
                 <a:ext uri="{91240B29-F687-4f45-9708-019B960494DF}">
-                  <a14:hiddenLine xmlns:a14="http://schemas.microsoft.com/office/drawing/2010/main" xmlns="" w="9525">
+                  <a14:hiddenLine xmlns="" xmlns:a14="http://schemas.microsoft.com/office/drawing/2010/main" w="9525">
                     <a:solidFill>
                       <a:srgbClr val="000000"/>
                     </a:solidFill>
@@ -12027,7 +12028,7 @@
               </a:ln>
               <a:extLst>
                 <a:ext uri="{91240B29-F687-4f45-9708-019B960494DF}">
-                  <a14:hiddenLine xmlns:a14="http://schemas.microsoft.com/office/drawing/2010/main" xmlns="" w="9525">
+                  <a14:hiddenLine xmlns="" xmlns:a14="http://schemas.microsoft.com/office/drawing/2010/main" w="9525">
                     <a:solidFill>
                       <a:srgbClr val="000000"/>
                     </a:solidFill>
@@ -12089,7 +12090,7 @@
               </a:ln>
               <a:extLst>
                 <a:ext uri="{91240B29-F687-4f45-9708-019B960494DF}">
-                  <a14:hiddenLine xmlns:a14="http://schemas.microsoft.com/office/drawing/2010/main" xmlns="" w="9525">
+                  <a14:hiddenLine xmlns="" xmlns:a14="http://schemas.microsoft.com/office/drawing/2010/main" w="9525">
                     <a:solidFill>
                       <a:srgbClr val="000000"/>
                     </a:solidFill>
@@ -12179,7 +12180,7 @@
               </a:ln>
               <a:extLst>
                 <a:ext uri="{91240B29-F687-4f45-9708-019B960494DF}">
-                  <a14:hiddenLine xmlns:a14="http://schemas.microsoft.com/office/drawing/2010/main" xmlns="" w="9525">
+                  <a14:hiddenLine xmlns="" xmlns:a14="http://schemas.microsoft.com/office/drawing/2010/main" w="9525">
                     <a:solidFill>
                       <a:srgbClr val="000000"/>
                     </a:solidFill>
@@ -12244,7 +12245,7 @@
               </a:ln>
               <a:extLst>
                 <a:ext uri="{91240B29-F687-4f45-9708-019B960494DF}">
-                  <a14:hiddenLine xmlns:a14="http://schemas.microsoft.com/office/drawing/2010/main" xmlns="" w="9525">
+                  <a14:hiddenLine xmlns="" xmlns:a14="http://schemas.microsoft.com/office/drawing/2010/main" w="9525">
                     <a:solidFill>
                       <a:srgbClr val="000000"/>
                     </a:solidFill>
@@ -12306,7 +12307,7 @@
               </a:ln>
               <a:extLst>
                 <a:ext uri="{91240B29-F687-4f45-9708-019B960494DF}">
-                  <a14:hiddenLine xmlns:a14="http://schemas.microsoft.com/office/drawing/2010/main" xmlns="" w="9525">
+                  <a14:hiddenLine xmlns="" xmlns:a14="http://schemas.microsoft.com/office/drawing/2010/main" w="9525">
                     <a:solidFill>
                       <a:srgbClr val="000000"/>
                     </a:solidFill>
@@ -12396,7 +12397,7 @@
               </a:ln>
               <a:extLst>
                 <a:ext uri="{91240B29-F687-4f45-9708-019B960494DF}">
-                  <a14:hiddenLine xmlns:a14="http://schemas.microsoft.com/office/drawing/2010/main" xmlns="" w="9525">
+                  <a14:hiddenLine xmlns="" xmlns:a14="http://schemas.microsoft.com/office/drawing/2010/main" w="9525">
                     <a:solidFill>
                       <a:srgbClr val="000000"/>
                     </a:solidFill>
@@ -12486,7 +12487,7 @@
               </a:ln>
               <a:extLst>
                 <a:ext uri="{91240B29-F687-4f45-9708-019B960494DF}">
-                  <a14:hiddenLine xmlns:a14="http://schemas.microsoft.com/office/drawing/2010/main" xmlns="" w="9525">
+                  <a14:hiddenLine xmlns="" xmlns:a14="http://schemas.microsoft.com/office/drawing/2010/main" w="9525">
                     <a:solidFill>
                       <a:srgbClr val="000000"/>
                     </a:solidFill>
@@ -12551,7 +12552,7 @@
               </a:ln>
               <a:extLst>
                 <a:ext uri="{91240B29-F687-4f45-9708-019B960494DF}">
-                  <a14:hiddenLine xmlns:a14="http://schemas.microsoft.com/office/drawing/2010/main" xmlns="" w="9525">
+                  <a14:hiddenLine xmlns="" xmlns:a14="http://schemas.microsoft.com/office/drawing/2010/main" w="9525">
                     <a:solidFill>
                       <a:srgbClr val="000000"/>
                     </a:solidFill>
@@ -12671,7 +12672,7 @@
               </a:ln>
               <a:extLst>
                 <a:ext uri="{91240B29-F687-4f45-9708-019B960494DF}">
-                  <a14:hiddenLine xmlns:a14="http://schemas.microsoft.com/office/drawing/2010/main" xmlns="" w="9525">
+                  <a14:hiddenLine xmlns="" xmlns:a14="http://schemas.microsoft.com/office/drawing/2010/main" w="9525">
                     <a:solidFill>
                       <a:srgbClr val="000000"/>
                     </a:solidFill>
@@ -12752,7 +12753,7 @@
               </a:ln>
               <a:extLst>
                 <a:ext uri="{91240B29-F687-4f45-9708-019B960494DF}">
-                  <a14:hiddenLine xmlns:a14="http://schemas.microsoft.com/office/drawing/2010/main" xmlns="" w="9525">
+                  <a14:hiddenLine xmlns="" xmlns:a14="http://schemas.microsoft.com/office/drawing/2010/main" w="9525">
                     <a:solidFill>
                       <a:srgbClr val="000000"/>
                     </a:solidFill>
@@ -12867,7 +12868,7 @@
               </a:ln>
               <a:extLst>
                 <a:ext uri="{91240B29-F687-4f45-9708-019B960494DF}">
-                  <a14:hiddenLine xmlns:a14="http://schemas.microsoft.com/office/drawing/2010/main" xmlns="" w="9525">
+                  <a14:hiddenLine xmlns="" xmlns:a14="http://schemas.microsoft.com/office/drawing/2010/main" w="9525">
                     <a:solidFill>
                       <a:srgbClr val="000000"/>
                     </a:solidFill>
@@ -12957,7 +12958,7 @@
               </a:ln>
               <a:extLst>
                 <a:ext uri="{91240B29-F687-4f45-9708-019B960494DF}">
-                  <a14:hiddenLine xmlns:a14="http://schemas.microsoft.com/office/drawing/2010/main" xmlns="" w="9525">
+                  <a14:hiddenLine xmlns="" xmlns:a14="http://schemas.microsoft.com/office/drawing/2010/main" w="9525">
                     <a:solidFill>
                       <a:srgbClr val="000000"/>
                     </a:solidFill>
@@ -13022,7 +13023,7 @@
               </a:ln>
               <a:extLst>
                 <a:ext uri="{91240B29-F687-4f45-9708-019B960494DF}">
-                  <a14:hiddenLine xmlns:a14="http://schemas.microsoft.com/office/drawing/2010/main" xmlns="" w="9525">
+                  <a14:hiddenLine xmlns="" xmlns:a14="http://schemas.microsoft.com/office/drawing/2010/main" w="9525">
                     <a:solidFill>
                       <a:srgbClr val="000000"/>
                     </a:solidFill>
@@ -13112,7 +13113,7 @@
               </a:ln>
               <a:extLst>
                 <a:ext uri="{91240B29-F687-4f45-9708-019B960494DF}">
-                  <a14:hiddenLine xmlns:a14="http://schemas.microsoft.com/office/drawing/2010/main" xmlns="" w="9525">
+                  <a14:hiddenLine xmlns="" xmlns:a14="http://schemas.microsoft.com/office/drawing/2010/main" w="9525">
                     <a:solidFill>
                       <a:srgbClr val="000000"/>
                     </a:solidFill>
@@ -13180,7 +13181,7 @@
               </a:ln>
               <a:extLst>
                 <a:ext uri="{91240B29-F687-4f45-9708-019B960494DF}">
-                  <a14:hiddenLine xmlns:a14="http://schemas.microsoft.com/office/drawing/2010/main" xmlns="" w="9525">
+                  <a14:hiddenLine xmlns="" xmlns:a14="http://schemas.microsoft.com/office/drawing/2010/main" w="9525">
                     <a:solidFill>
                       <a:srgbClr val="000000"/>
                     </a:solidFill>
@@ -13270,7 +13271,7 @@
               </a:ln>
               <a:extLst>
                 <a:ext uri="{91240B29-F687-4f45-9708-019B960494DF}">
-                  <a14:hiddenLine xmlns:a14="http://schemas.microsoft.com/office/drawing/2010/main" xmlns="" w="9525">
+                  <a14:hiddenLine xmlns="" xmlns:a14="http://schemas.microsoft.com/office/drawing/2010/main" w="9525">
                     <a:solidFill>
                       <a:srgbClr val="000000"/>
                     </a:solidFill>
@@ -13338,7 +13339,7 @@
               </a:ln>
               <a:extLst>
                 <a:ext uri="{91240B29-F687-4f45-9708-019B960494DF}">
-                  <a14:hiddenLine xmlns:a14="http://schemas.microsoft.com/office/drawing/2010/main" xmlns="" w="9525">
+                  <a14:hiddenLine xmlns="" xmlns:a14="http://schemas.microsoft.com/office/drawing/2010/main" w="9525">
                     <a:solidFill>
                       <a:srgbClr val="000000"/>
                     </a:solidFill>
@@ -13428,7 +13429,7 @@
               </a:ln>
               <a:extLst>
                 <a:ext uri="{91240B29-F687-4f45-9708-019B960494DF}">
-                  <a14:hiddenLine xmlns:a14="http://schemas.microsoft.com/office/drawing/2010/main" xmlns="" w="9525">
+                  <a14:hiddenLine xmlns="" xmlns:a14="http://schemas.microsoft.com/office/drawing/2010/main" w="9525">
                     <a:solidFill>
                       <a:srgbClr val="000000"/>
                     </a:solidFill>
@@ -13462,7 +13463,7 @@
               </a:ln>
               <a:extLst>
                 <a:ext uri="{91240B29-F687-4f45-9708-019B960494DF}">
-                  <a14:hiddenLine xmlns:a14="http://schemas.microsoft.com/office/drawing/2010/main" xmlns="" w="9525">
+                  <a14:hiddenLine xmlns="" xmlns:a14="http://schemas.microsoft.com/office/drawing/2010/main" w="9525">
                     <a:solidFill>
                       <a:srgbClr val="000000"/>
                     </a:solidFill>
@@ -13603,7 +13604,7 @@
             <a:fld id="{5C6E67D0-0200-42BE-A0B2-78C70FBBB312}" type="datetime1">
               <a:rPr lang="en-US" smtClean="0"/>
               <a:pPr/>
-              <a:t>2/28/2021</a:t>
+              <a:t>3/2/2021</a:t>
             </a:fld>
             <a:endParaRPr lang="en-US" dirty="0"/>
           </a:p>
@@ -14457,6 +14458,300 @@
         </p:nvSpPr>
         <p:spPr>
           <a:xfrm>
+            <a:off x="4192240" y="692696"/>
+            <a:ext cx="3801168" cy="722250"/>
+          </a:xfrm>
+        </p:spPr>
+        <p:txBody>
+          <a:bodyPr/>
+          <a:lstStyle/>
+          <a:p>
+            <a:r>
+              <a:rPr lang="en-US" dirty="0" smtClean="0"/>
+              <a:t>Database design</a:t>
+            </a:r>
+            <a:endParaRPr lang="en-IN" dirty="0"/>
+          </a:p>
+        </p:txBody>
+      </p:sp>
+      <p:sp>
+        <p:nvSpPr>
+          <p:cNvPr id="3" name="Content Placeholder 2"/>
+          <p:cNvSpPr>
+            <a:spLocks noGrp="1"/>
+          </p:cNvSpPr>
+          <p:nvPr>
+            <p:ph idx="1"/>
+          </p:nvPr>
+        </p:nvSpPr>
+        <p:spPr>
+          <a:xfrm>
+            <a:off x="981844" y="1484784"/>
+            <a:ext cx="9903419" cy="3541714"/>
+          </a:xfrm>
+        </p:spPr>
+        <p:txBody>
+          <a:bodyPr/>
+          <a:lstStyle/>
+          <a:p>
+            <a:pPr marL="0" indent="0">
+              <a:buNone/>
+            </a:pPr>
+            <a:r>
+              <a:rPr lang="en-US" dirty="0"/>
+              <a:t>The database consists of </a:t>
+            </a:r>
+            <a:r>
+              <a:rPr lang="en-US" dirty="0" smtClean="0"/>
+              <a:t>3 tables which are as follows:-</a:t>
+            </a:r>
+            <a:endParaRPr lang="en-IN" dirty="0"/>
+          </a:p>
+        </p:txBody>
+      </p:sp>
+      <p:graphicFrame>
+        <p:nvGraphicFramePr>
+          <p:cNvPr id="4" name="Table 3"/>
+          <p:cNvGraphicFramePr>
+            <a:graphicFrameLocks noGrp="1"/>
+          </p:cNvGraphicFramePr>
+          <p:nvPr>
+            <p:extLst>
+              <p:ext uri="{D42A27DB-BD31-4B8C-83A1-F6EECF244321}">
+                <p14:modId xmlns:p14="http://schemas.microsoft.com/office/powerpoint/2010/main" val="3156296065"/>
+              </p:ext>
+            </p:extLst>
+          </p:nvPr>
+        </p:nvGraphicFramePr>
+        <p:xfrm>
+          <a:off x="2029882" y="2420888"/>
+          <a:ext cx="8125884" cy="2021332"/>
+        </p:xfrm>
+        <a:graphic>
+          <a:graphicData uri="http://schemas.openxmlformats.org/drawingml/2006/table">
+            <a:tbl>
+              <a:tblPr firstRow="1" bandRow="1">
+                <a:tableStyleId>{7E9639D4-E3E2-4D34-9284-5A2195B3D0D7}</a:tableStyleId>
+              </a:tblPr>
+              <a:tblGrid>
+                <a:gridCol w="3384376"/>
+                <a:gridCol w="4741508"/>
+              </a:tblGrid>
+              <a:tr h="370840">
+                <a:tc>
+                  <a:txBody>
+                    <a:bodyPr/>
+                    <a:lstStyle/>
+                    <a:p>
+                      <a:r>
+                        <a:rPr lang="en-US" dirty="0" smtClean="0"/>
+                        <a:t>Table Name</a:t>
+                      </a:r>
+                      <a:endParaRPr lang="en-IN" dirty="0"/>
+                    </a:p>
+                  </a:txBody>
+                  <a:tcPr/>
+                </a:tc>
+                <a:tc>
+                  <a:txBody>
+                    <a:bodyPr/>
+                    <a:lstStyle/>
+                    <a:p>
+                      <a:r>
+                        <a:rPr lang="en-US" dirty="0" smtClean="0"/>
+                        <a:t>Description</a:t>
+                      </a:r>
+                      <a:endParaRPr lang="en-IN" dirty="0"/>
+                    </a:p>
+                  </a:txBody>
+                  <a:tcPr/>
+                </a:tc>
+              </a:tr>
+              <a:tr h="370840">
+                <a:tc>
+                  <a:txBody>
+                    <a:bodyPr/>
+                    <a:lstStyle/>
+                    <a:p>
+                      <a:r>
+                        <a:rPr lang="en-US" dirty="0" err="1" smtClean="0"/>
+                        <a:t>User_Data</a:t>
+                      </a:r>
+                      <a:endParaRPr lang="en-IN" dirty="0"/>
+                    </a:p>
+                  </a:txBody>
+                  <a:tcPr/>
+                </a:tc>
+                <a:tc>
+                  <a:txBody>
+                    <a:bodyPr/>
+                    <a:lstStyle/>
+                    <a:p>
+                      <a:r>
+                        <a:rPr lang="en-US" dirty="0" smtClean="0"/>
+                        <a:t>It stores the</a:t>
+                      </a:r>
+                      <a:r>
+                        <a:rPr lang="en-US" baseline="0" dirty="0" smtClean="0"/>
+                        <a:t> login details of Admin as-well-as User</a:t>
+                      </a:r>
+                      <a:endParaRPr lang="en-IN" dirty="0"/>
+                    </a:p>
+                  </a:txBody>
+                  <a:tcPr/>
+                </a:tc>
+              </a:tr>
+              <a:tr h="370840">
+                <a:tc>
+                  <a:txBody>
+                    <a:bodyPr/>
+                    <a:lstStyle/>
+                    <a:p>
+                      <a:r>
+                        <a:rPr lang="en-US" dirty="0" smtClean="0"/>
+                        <a:t>Theatre</a:t>
+                      </a:r>
+                      <a:endParaRPr lang="en-IN" dirty="0"/>
+                    </a:p>
+                  </a:txBody>
+                  <a:tcPr/>
+                </a:tc>
+                <a:tc>
+                  <a:txBody>
+                    <a:bodyPr/>
+                    <a:lstStyle/>
+                    <a:p>
+                      <a:pPr marL="0" marR="0" lvl="0" indent="0" algn="l" defTabSz="914126" rtl="0" eaLnBrk="1" fontAlgn="auto" latinLnBrk="0" hangingPunct="1">
+                        <a:lnSpc>
+                          <a:spcPct val="100000"/>
+                        </a:lnSpc>
+                        <a:spcBef>
+                          <a:spcPts val="0"/>
+                        </a:spcBef>
+                        <a:spcAft>
+                          <a:spcPts val="0"/>
+                        </a:spcAft>
+                        <a:buClrTx/>
+                        <a:buSzTx/>
+                        <a:buFontTx/>
+                        <a:buNone/>
+                        <a:tabLst/>
+                        <a:defRPr/>
+                      </a:pPr>
+                      <a:r>
+                        <a:rPr lang="en-US" dirty="0" smtClean="0"/>
+                        <a:t>It consist</a:t>
+                      </a:r>
+                      <a:r>
+                        <a:rPr lang="en-US" baseline="0" dirty="0" smtClean="0"/>
+                        <a:t> of the record of all the Theatres (Multiplex and Cineplex both) in a city</a:t>
+                      </a:r>
+                      <a:endParaRPr lang="en-IN" dirty="0"/>
+                    </a:p>
+                  </a:txBody>
+                  <a:tcPr/>
+                </a:tc>
+              </a:tr>
+              <a:tr h="370840">
+                <a:tc>
+                  <a:txBody>
+                    <a:bodyPr/>
+                    <a:lstStyle/>
+                    <a:p>
+                      <a:r>
+                        <a:rPr lang="en-US" dirty="0" smtClean="0"/>
+                        <a:t>Movie</a:t>
+                      </a:r>
+                      <a:endParaRPr lang="en-IN" dirty="0"/>
+                    </a:p>
+                  </a:txBody>
+                  <a:tcPr/>
+                </a:tc>
+                <a:tc>
+                  <a:txBody>
+                    <a:bodyPr/>
+                    <a:lstStyle/>
+                    <a:p>
+                      <a:r>
+                        <a:rPr lang="en-US" dirty="0" smtClean="0"/>
+                        <a:t>It consist of currently running Movies and </a:t>
+                      </a:r>
+                      <a:r>
+                        <a:rPr lang="en-US" smtClean="0"/>
+                        <a:t>shows</a:t>
+                      </a:r>
+                      <a:r>
+                        <a:rPr lang="en-US" baseline="0" smtClean="0"/>
+                        <a:t> in a </a:t>
+                      </a:r>
+                      <a:r>
+                        <a:rPr lang="en-US" baseline="0" dirty="0" smtClean="0"/>
+                        <a:t>particular theatre in a city</a:t>
+                      </a:r>
+                      <a:endParaRPr lang="en-IN" dirty="0"/>
+                    </a:p>
+                  </a:txBody>
+                  <a:tcPr/>
+                </a:tc>
+              </a:tr>
+            </a:tbl>
+          </a:graphicData>
+        </a:graphic>
+      </p:graphicFrame>
+    </p:spTree>
+    <p:extLst>
+      <p:ext uri="{BB962C8B-B14F-4D97-AF65-F5344CB8AC3E}">
+        <p14:creationId xmlns:p14="http://schemas.microsoft.com/office/powerpoint/2010/main" val="2822587498"/>
+      </p:ext>
+    </p:extLst>
+  </p:cSld>
+  <p:clrMapOvr>
+    <a:masterClrMapping/>
+  </p:clrMapOvr>
+  <mc:AlternateContent xmlns:mc="http://schemas.openxmlformats.org/markup-compatibility/2006" xmlns:p14="http://schemas.microsoft.com/office/powerpoint/2010/main">
+    <mc:Choice Requires="p14">
+      <p:transition spd="med" p14:dur="700">
+        <p:fade/>
+      </p:transition>
+    </mc:Choice>
+    <mc:Fallback xmlns="">
+      <p:transition spd="med">
+        <p:fade/>
+      </p:transition>
+    </mc:Fallback>
+  </mc:AlternateContent>
+</p:sld>
+</file>
+
+<file path=ppt/slides/slide5.xml><?xml version="1.0" encoding="utf-8"?>
+<p:sld xmlns:a="http://schemas.openxmlformats.org/drawingml/2006/main" xmlns:r="http://schemas.openxmlformats.org/officeDocument/2006/relationships" xmlns:p="http://schemas.openxmlformats.org/presentationml/2006/main">
+  <p:cSld>
+    <p:spTree>
+      <p:nvGrpSpPr>
+        <p:cNvPr id="1" name=""/>
+        <p:cNvGrpSpPr/>
+        <p:nvPr/>
+      </p:nvGrpSpPr>
+      <p:grpSpPr>
+        <a:xfrm>
+          <a:off x="0" y="0"/>
+          <a:ext cx="0" cy="0"/>
+          <a:chOff x="0" y="0"/>
+          <a:chExt cx="0" cy="0"/>
+        </a:xfrm>
+      </p:grpSpPr>
+      <p:sp>
+        <p:nvSpPr>
+          <p:cNvPr id="2" name="Title 1"/>
+          <p:cNvSpPr>
+            <a:spLocks noGrp="1"/>
+          </p:cNvSpPr>
+          <p:nvPr>
+            <p:ph type="title"/>
+          </p:nvPr>
+        </p:nvSpPr>
+        <p:spPr>
+          <a:xfrm>
             <a:off x="1141116" y="618518"/>
             <a:ext cx="9903418" cy="722250"/>
           </a:xfrm>
@@ -14578,7 +14873,7 @@
 </p:sld>
 </file>
 
-<file path=ppt/slides/slide5.xml><?xml version="1.0" encoding="utf-8"?>
+<file path=ppt/slides/slide6.xml><?xml version="1.0" encoding="utf-8"?>
 <p:sld xmlns:a="http://schemas.openxmlformats.org/drawingml/2006/main" xmlns:r="http://schemas.openxmlformats.org/officeDocument/2006/relationships" xmlns:p="http://schemas.openxmlformats.org/presentationml/2006/main">
   <p:cSld>
     <p:spTree>
@@ -14716,7 +15011,7 @@
 </p:sld>
 </file>
 
-<file path=ppt/slides/slide6.xml><?xml version="1.0" encoding="utf-8"?>
+<file path=ppt/slides/slide7.xml><?xml version="1.0" encoding="utf-8"?>
 <p:sld xmlns:a="http://schemas.openxmlformats.org/drawingml/2006/main" xmlns:r="http://schemas.openxmlformats.org/officeDocument/2006/relationships" xmlns:p="http://schemas.openxmlformats.org/presentationml/2006/main">
   <p:cSld>
     <p:spTree>

--- a/Movie Ticket Booking System.pptx
+++ b/Movie Ticket Booking System.pptx
@@ -5,19 +5,24 @@
     <p:sldMasterId id="2147483954" r:id="rId1"/>
   </p:sldMasterIdLst>
   <p:notesMasterIdLst>
-    <p:notesMasterId r:id="rId9"/>
+    <p:notesMasterId r:id="rId14"/>
   </p:notesMasterIdLst>
   <p:handoutMasterIdLst>
-    <p:handoutMasterId r:id="rId10"/>
+    <p:handoutMasterId r:id="rId15"/>
   </p:handoutMasterIdLst>
   <p:sldIdLst>
     <p:sldId id="268" r:id="rId2"/>
     <p:sldId id="270" r:id="rId3"/>
-    <p:sldId id="273" r:id="rId4"/>
-    <p:sldId id="281" r:id="rId5"/>
-    <p:sldId id="280" r:id="rId6"/>
-    <p:sldId id="277" r:id="rId7"/>
-    <p:sldId id="279" r:id="rId8"/>
+    <p:sldId id="281" r:id="rId4"/>
+    <p:sldId id="280" r:id="rId5"/>
+    <p:sldId id="277" r:id="rId6"/>
+    <p:sldId id="279" r:id="rId7"/>
+    <p:sldId id="283" r:id="rId8"/>
+    <p:sldId id="284" r:id="rId9"/>
+    <p:sldId id="286" r:id="rId10"/>
+    <p:sldId id="285" r:id="rId11"/>
+    <p:sldId id="273" r:id="rId12"/>
+    <p:sldId id="282" r:id="rId13"/>
   </p:sldIdLst>
   <p:sldSz cx="12188825" cy="6858000"/>
   <p:notesSz cx="6858000" cy="9144000"/>
@@ -250,7 +255,7 @@
           <a:p>
             <a:fld id="{BEA74EB7-856E-45FD-83F0-5F7C6F3E4372}" type="datetimeFigureOut">
               <a:rPr lang="en-US"/>
-              <a:t>3/2/2021</a:t>
+              <a:t>3/3/2021</a:t>
             </a:fld>
             <a:endParaRPr dirty="0"/>
           </a:p>
@@ -415,7 +420,7 @@
           <a:p>
             <a:fld id="{C61B0E40-8125-41F8-BB6C-139D8D531A4F}" type="datetimeFigureOut">
               <a:rPr lang="en-US"/>
-              <a:t>3/2/2021</a:t>
+              <a:t>3/3/2021</a:t>
             </a:fld>
             <a:endParaRPr dirty="0"/>
           </a:p>
@@ -910,7 +915,7 @@
           <a:p>
             <a:fld id="{BF105DB2-FD3E-441D-8B7E-7AE83ECE27B3}" type="slidenum">
               <a:rPr lang="en-US" smtClean="0"/>
-              <a:t>3</a:t>
+              <a:t>5</a:t>
             </a:fld>
             <a:endParaRPr lang="en-US" dirty="0"/>
           </a:p>
@@ -919,7 +924,7 @@
     </p:spTree>
     <p:extLst>
       <p:ext uri="{BB962C8B-B14F-4D97-AF65-F5344CB8AC3E}">
-        <p14:creationId xmlns:p14="http://schemas.microsoft.com/office/powerpoint/2010/main" val="1400489487"/>
+        <p14:creationId xmlns:p14="http://schemas.microsoft.com/office/powerpoint/2010/main" val="1581744821"/>
       </p:ext>
     </p:extLst>
   </p:cSld>
@@ -994,7 +999,7 @@
           <a:p>
             <a:fld id="{BF105DB2-FD3E-441D-8B7E-7AE83ECE27B3}" type="slidenum">
               <a:rPr lang="en-US" smtClean="0"/>
-              <a:t>6</a:t>
+              <a:t>11</a:t>
             </a:fld>
             <a:endParaRPr lang="en-US" dirty="0"/>
           </a:p>
@@ -1003,7 +1008,7 @@
     </p:spTree>
     <p:extLst>
       <p:ext uri="{BB962C8B-B14F-4D97-AF65-F5344CB8AC3E}">
-        <p14:creationId xmlns:p14="http://schemas.microsoft.com/office/powerpoint/2010/main" val="1581744821"/>
+        <p14:creationId xmlns:p14="http://schemas.microsoft.com/office/powerpoint/2010/main" val="1400489487"/>
       </p:ext>
     </p:extLst>
   </p:cSld>
@@ -5295,7 +5300,7 @@
           <a:p>
             <a:fld id="{333B76B7-5811-4114-8A95-998148FFD529}" type="datetime1">
               <a:rPr lang="en-US" smtClean="0"/>
-              <a:t>3/2/2021</a:t>
+              <a:t>3/3/2021</a:t>
             </a:fld>
             <a:endParaRPr lang="en-US" dirty="0"/>
           </a:p>
@@ -5587,7 +5592,7 @@
             <a:fld id="{5C6E67D0-0200-42BE-A0B2-78C70FBBB312}" type="datetime1">
               <a:rPr lang="en-US" smtClean="0"/>
               <a:pPr/>
-              <a:t>3/2/2021</a:t>
+              <a:t>3/3/2021</a:t>
             </a:fld>
             <a:endParaRPr lang="en-US" dirty="0"/>
           </a:p>
@@ -5797,7 +5802,7 @@
             <a:fld id="{5C6E67D0-0200-42BE-A0B2-78C70FBBB312}" type="datetime1">
               <a:rPr lang="en-US" smtClean="0"/>
               <a:pPr/>
-              <a:t>3/2/2021</a:t>
+              <a:t>3/3/2021</a:t>
             </a:fld>
             <a:endParaRPr lang="en-US" dirty="0"/>
           </a:p>
@@ -6074,7 +6079,7 @@
             <a:fld id="{5C6E67D0-0200-42BE-A0B2-78C70FBBB312}" type="datetime1">
               <a:rPr lang="en-US" smtClean="0"/>
               <a:pPr/>
-              <a:t>3/2/2021</a:t>
+              <a:t>3/3/2021</a:t>
             </a:fld>
             <a:endParaRPr lang="en-US" dirty="0"/>
           </a:p>
@@ -6522,7 +6527,7 @@
             <a:fld id="{5C6E67D0-0200-42BE-A0B2-78C70FBBB312}" type="datetime1">
               <a:rPr lang="en-US" smtClean="0"/>
               <a:pPr/>
-              <a:t>3/2/2021</a:t>
+              <a:t>3/3/2021</a:t>
             </a:fld>
             <a:endParaRPr lang="en-US" dirty="0"/>
           </a:p>
@@ -7082,7 +7087,7 @@
             <a:fld id="{5C6E67D0-0200-42BE-A0B2-78C70FBBB312}" type="datetime1">
               <a:rPr lang="en-US" smtClean="0"/>
               <a:pPr/>
-              <a:t>3/2/2021</a:t>
+              <a:t>3/3/2021</a:t>
             </a:fld>
             <a:endParaRPr lang="en-US" dirty="0"/>
           </a:p>
@@ -7816,7 +7821,7 @@
             <a:fld id="{5C6E67D0-0200-42BE-A0B2-78C70FBBB312}" type="datetime1">
               <a:rPr lang="en-US" smtClean="0"/>
               <a:pPr/>
-              <a:t>3/2/2021</a:t>
+              <a:t>3/3/2021</a:t>
             </a:fld>
             <a:endParaRPr lang="en-US" dirty="0"/>
           </a:p>
@@ -7999,7 +8004,7 @@
           <a:p>
             <a:fld id="{175C077A-EF7A-41AA-8976-110EB7416C60}" type="datetime1">
               <a:rPr lang="en-US" smtClean="0"/>
-              <a:t>3/2/2021</a:t>
+              <a:t>3/3/2021</a:t>
             </a:fld>
             <a:endParaRPr lang="en-US" dirty="0"/>
           </a:p>
@@ -8203,7 +8208,7 @@
           <a:p>
             <a:fld id="{CFF5912B-6681-4BDF-AE10-F59636249FF3}" type="datetime1">
               <a:rPr lang="en-US" smtClean="0"/>
-              <a:t>3/2/2021</a:t>
+              <a:t>3/3/2021</a:t>
             </a:fld>
             <a:endParaRPr lang="en-US" dirty="0"/>
           </a:p>
@@ -8425,7 +8430,7 @@
           <a:p>
             <a:fld id="{905C8E22-D0BA-4CB4-9C32-B27533199514}" type="datetime1">
               <a:rPr lang="en-US" smtClean="0"/>
-              <a:t>3/2/2021</a:t>
+              <a:t>3/3/2021</a:t>
             </a:fld>
             <a:endParaRPr dirty="0"/>
           </a:p>
@@ -8589,7 +8594,7 @@
           <a:p>
             <a:fld id="{FC2180A9-7A83-412D-A8AC-5AF60A8AA507}" type="datetime1">
               <a:rPr lang="en-US" smtClean="0"/>
-              <a:t>3/2/2021</a:t>
+              <a:t>3/3/2021</a:t>
             </a:fld>
             <a:endParaRPr lang="en-US" dirty="0"/>
           </a:p>
@@ -8863,7 +8868,7 @@
           <a:p>
             <a:fld id="{6A563DF0-FDDF-4143-9D8C-6AF41892E174}" type="datetime1">
               <a:rPr lang="en-US" smtClean="0"/>
-              <a:t>3/2/2021</a:t>
+              <a:t>3/3/2021</a:t>
             </a:fld>
             <a:endParaRPr lang="en-US" dirty="0"/>
           </a:p>
@@ -9119,7 +9124,7 @@
           <a:p>
             <a:fld id="{38BB83F9-4677-4C31-8407-7919061A580B}" type="datetime1">
               <a:rPr lang="en-US" smtClean="0"/>
-              <a:t>3/2/2021</a:t>
+              <a:t>3/3/2021</a:t>
             </a:fld>
             <a:endParaRPr lang="en-US" dirty="0"/>
           </a:p>
@@ -9524,7 +9529,7 @@
           <a:p>
             <a:fld id="{C33939A6-3450-434F-A872-BEE63F7EB093}" type="datetime1">
               <a:rPr lang="en-US" smtClean="0"/>
-              <a:t>3/2/2021</a:t>
+              <a:t>3/3/2021</a:t>
             </a:fld>
             <a:endParaRPr lang="en-US" dirty="0"/>
           </a:p>
@@ -9666,7 +9671,7 @@
           <a:p>
             <a:fld id="{E3BABB1C-FA00-4171-BA31-4C5E719472F3}" type="datetime1">
               <a:rPr lang="en-US" smtClean="0"/>
-              <a:t>3/2/2021</a:t>
+              <a:t>3/3/2021</a:t>
             </a:fld>
             <a:endParaRPr lang="en-US" dirty="0"/>
           </a:p>
@@ -9785,7 +9790,7 @@
           <a:p>
             <a:fld id="{D76C8610-5B57-4C6B-BF9F-F5397A1F60B8}" type="datetime1">
               <a:rPr lang="en-US" smtClean="0"/>
-              <a:t>3/2/2021</a:t>
+              <a:t>3/3/2021</a:t>
             </a:fld>
             <a:endParaRPr lang="en-US" dirty="0"/>
           </a:p>
@@ -10208,7 +10213,7 @@
           <a:p>
             <a:fld id="{BADBF3DD-8B6D-46AA-BCA9-242D4EF63DDF}" type="datetime1">
               <a:rPr lang="en-US" smtClean="0"/>
-              <a:t>3/2/2021</a:t>
+              <a:t>3/3/2021</a:t>
             </a:fld>
             <a:endParaRPr lang="en-US" dirty="0"/>
           </a:p>
@@ -10512,7 +10517,7 @@
           <a:p>
             <a:fld id="{23C41AE9-3D4A-4A08-B03D-DC6D2ADF5464}" type="datetime1">
               <a:rPr lang="en-US" smtClean="0"/>
-              <a:t>3/2/2021</a:t>
+              <a:t>3/3/2021</a:t>
             </a:fld>
             <a:endParaRPr lang="en-US" dirty="0"/>
           </a:p>
@@ -13604,7 +13609,7 @@
             <a:fld id="{5C6E67D0-0200-42BE-A0B2-78C70FBBB312}" type="datetime1">
               <a:rPr lang="en-US" smtClean="0"/>
               <a:pPr/>
-              <a:t>3/2/2021</a:t>
+              <a:t>3/3/2021</a:t>
             </a:fld>
             <a:endParaRPr lang="en-US" dirty="0"/>
           </a:p>
@@ -14126,6 +14131,423 @@
 </p:sld>
 </file>
 
+<file path=ppt/slides/slide10.xml><?xml version="1.0" encoding="utf-8"?>
+<p:sld xmlns:a="http://schemas.openxmlformats.org/drawingml/2006/main" xmlns:r="http://schemas.openxmlformats.org/officeDocument/2006/relationships" xmlns:p="http://schemas.openxmlformats.org/presentationml/2006/main">
+  <p:cSld>
+    <p:spTree>
+      <p:nvGrpSpPr>
+        <p:cNvPr id="1" name=""/>
+        <p:cNvGrpSpPr/>
+        <p:nvPr/>
+      </p:nvGrpSpPr>
+      <p:grpSpPr>
+        <a:xfrm>
+          <a:off x="0" y="0"/>
+          <a:ext cx="0" cy="0"/>
+          <a:chOff x="0" y="0"/>
+          <a:chExt cx="0" cy="0"/>
+        </a:xfrm>
+      </p:grpSpPr>
+      <p:sp>
+        <p:nvSpPr>
+          <p:cNvPr id="2" name="Title 1"/>
+          <p:cNvSpPr>
+            <a:spLocks noGrp="1"/>
+          </p:cNvSpPr>
+          <p:nvPr>
+            <p:ph type="title"/>
+          </p:nvPr>
+        </p:nvSpPr>
+        <p:spPr>
+          <a:xfrm>
+            <a:off x="3719580" y="620688"/>
+            <a:ext cx="4746488" cy="722250"/>
+          </a:xfrm>
+        </p:spPr>
+        <p:txBody>
+          <a:bodyPr>
+            <a:normAutofit fontScale="90000"/>
+          </a:bodyPr>
+          <a:lstStyle/>
+          <a:p>
+            <a:r>
+              <a:rPr lang="en-US" dirty="0" smtClean="0"/>
+              <a:t>Registered user module</a:t>
+            </a:r>
+            <a:endParaRPr lang="en-IN" dirty="0"/>
+          </a:p>
+        </p:txBody>
+      </p:sp>
+      <p:sp>
+        <p:nvSpPr>
+          <p:cNvPr id="3" name="Content Placeholder 2"/>
+          <p:cNvSpPr>
+            <a:spLocks noGrp="1"/>
+          </p:cNvSpPr>
+          <p:nvPr>
+            <p:ph idx="1"/>
+          </p:nvPr>
+        </p:nvSpPr>
+        <p:spPr>
+          <a:xfrm>
+            <a:off x="1141114" y="1700808"/>
+            <a:ext cx="9903419" cy="4392488"/>
+          </a:xfrm>
+        </p:spPr>
+        <p:txBody>
+          <a:bodyPr/>
+          <a:lstStyle/>
+          <a:p>
+            <a:pPr marL="0" indent="0">
+              <a:buNone/>
+            </a:pPr>
+            <a:r>
+              <a:rPr lang="en-US" dirty="0"/>
+              <a:t>This module comes in act when there is a user trying to book a movie or searching its details, </a:t>
+            </a:r>
+            <a:r>
+              <a:rPr lang="en-US" dirty="0" smtClean="0"/>
+              <a:t>but after login himself on this system. By login or registering he is going to get some of the offers which are follows as:-</a:t>
+            </a:r>
+          </a:p>
+          <a:p>
+            <a:r>
+              <a:rPr lang="en-US" dirty="0" smtClean="0"/>
+              <a:t>Get 15% discount on tickets on booking for the third time on this system.</a:t>
+            </a:r>
+          </a:p>
+          <a:p>
+            <a:r>
+              <a:rPr lang="en-US" dirty="0" smtClean="0"/>
+              <a:t>Buy two Get one ticket free on Sundays.</a:t>
+            </a:r>
+          </a:p>
+          <a:p>
+            <a:r>
+              <a:rPr lang="en-US" dirty="0" smtClean="0"/>
+              <a:t>Send Gift Cards to another Person.</a:t>
+            </a:r>
+          </a:p>
+          <a:p>
+            <a:r>
+              <a:rPr lang="en-US" dirty="0" smtClean="0"/>
+              <a:t>Get additional 10% discount on tickets on booking food and beverages also.</a:t>
+            </a:r>
+          </a:p>
+          <a:p>
+            <a:r>
+              <a:rPr lang="en-US" dirty="0" smtClean="0"/>
+              <a:t>Visa Cards , Credit Cards, and online wallet offers.</a:t>
+            </a:r>
+          </a:p>
+          <a:p>
+            <a:endParaRPr lang="en-IN" dirty="0"/>
+          </a:p>
+        </p:txBody>
+      </p:sp>
+    </p:spTree>
+    <p:extLst>
+      <p:ext uri="{BB962C8B-B14F-4D97-AF65-F5344CB8AC3E}">
+        <p14:creationId xmlns:p14="http://schemas.microsoft.com/office/powerpoint/2010/main" val="2622603667"/>
+      </p:ext>
+    </p:extLst>
+  </p:cSld>
+  <p:clrMapOvr>
+    <a:masterClrMapping/>
+  </p:clrMapOvr>
+  <mc:AlternateContent xmlns:mc="http://schemas.openxmlformats.org/markup-compatibility/2006" xmlns:p14="http://schemas.microsoft.com/office/powerpoint/2010/main">
+    <mc:Choice Requires="p14">
+      <p:transition spd="med" p14:dur="700">
+        <p:fade/>
+      </p:transition>
+    </mc:Choice>
+    <mc:Fallback xmlns="">
+      <p:transition spd="med">
+        <p:fade/>
+      </p:transition>
+    </mc:Fallback>
+  </mc:AlternateContent>
+</p:sld>
+</file>
+
+<file path=ppt/slides/slide11.xml><?xml version="1.0" encoding="utf-8"?>
+<p:sld xmlns:a="http://schemas.openxmlformats.org/drawingml/2006/main" xmlns:r="http://schemas.openxmlformats.org/officeDocument/2006/relationships" xmlns:p="http://schemas.openxmlformats.org/presentationml/2006/main">
+  <p:cSld>
+    <p:spTree>
+      <p:nvGrpSpPr>
+        <p:cNvPr id="1" name=""/>
+        <p:cNvGrpSpPr/>
+        <p:nvPr/>
+      </p:nvGrpSpPr>
+      <p:grpSpPr>
+        <a:xfrm>
+          <a:off x="0" y="0"/>
+          <a:ext cx="0" cy="0"/>
+          <a:chOff x="0" y="0"/>
+          <a:chExt cx="0" cy="0"/>
+        </a:xfrm>
+      </p:grpSpPr>
+      <p:sp>
+        <p:nvSpPr>
+          <p:cNvPr id="3" name="Title 2"/>
+          <p:cNvSpPr>
+            <a:spLocks noGrp="1"/>
+          </p:cNvSpPr>
+          <p:nvPr>
+            <p:ph type="title"/>
+          </p:nvPr>
+        </p:nvSpPr>
+        <p:spPr/>
+        <p:txBody>
+          <a:bodyPr/>
+          <a:lstStyle/>
+          <a:p>
+            <a:r>
+              <a:rPr lang="en-US" dirty="0" smtClean="0"/>
+              <a:t>Hardware and Software Required</a:t>
+            </a:r>
+            <a:endParaRPr lang="en-US" dirty="0"/>
+          </a:p>
+        </p:txBody>
+      </p:sp>
+      <p:sp>
+        <p:nvSpPr>
+          <p:cNvPr id="4" name="Content Placeholder 3"/>
+          <p:cNvSpPr>
+            <a:spLocks noGrp="1"/>
+          </p:cNvSpPr>
+          <p:nvPr>
+            <p:ph sz="half" idx="1"/>
+          </p:nvPr>
+        </p:nvSpPr>
+        <p:spPr/>
+        <p:txBody>
+          <a:bodyPr/>
+          <a:lstStyle/>
+          <a:p>
+            <a:pPr marL="0" indent="0">
+              <a:buNone/>
+            </a:pPr>
+            <a:r>
+              <a:rPr lang="en-US" dirty="0" smtClean="0"/>
+              <a:t>Hardware:-</a:t>
+            </a:r>
+          </a:p>
+          <a:p>
+            <a:pPr>
+              <a:buFont typeface="Wingdings" panose="05000000000000000000" pitchFamily="2" charset="2"/>
+              <a:buChar char="Ø"/>
+            </a:pPr>
+            <a:r>
+              <a:rPr lang="en-US" dirty="0" smtClean="0"/>
+              <a:t>CPU – Any Dual Core Processor</a:t>
+            </a:r>
+          </a:p>
+          <a:p>
+            <a:pPr>
+              <a:buFont typeface="Wingdings" panose="05000000000000000000" pitchFamily="2" charset="2"/>
+              <a:buChar char="Ø"/>
+            </a:pPr>
+            <a:r>
+              <a:rPr lang="en-US" dirty="0" smtClean="0"/>
+              <a:t>RAM – 512 Mb</a:t>
+            </a:r>
+          </a:p>
+          <a:p>
+            <a:pPr>
+              <a:buFont typeface="Wingdings" panose="05000000000000000000" pitchFamily="2" charset="2"/>
+              <a:buChar char="Ø"/>
+            </a:pPr>
+            <a:r>
+              <a:rPr lang="en-US" dirty="0" smtClean="0"/>
+              <a:t>Storage –</a:t>
+            </a:r>
+          </a:p>
+          <a:p>
+            <a:pPr>
+              <a:buFont typeface="Wingdings" panose="05000000000000000000" pitchFamily="2" charset="2"/>
+              <a:buChar char="Ø"/>
+            </a:pPr>
+            <a:r>
+              <a:rPr lang="en-US" dirty="0" smtClean="0"/>
+              <a:t>OS – Windows XP/vista/7/8/10</a:t>
+            </a:r>
+            <a:endParaRPr lang="en-IN" dirty="0"/>
+          </a:p>
+        </p:txBody>
+      </p:sp>
+      <p:sp>
+        <p:nvSpPr>
+          <p:cNvPr id="5" name="Content Placeholder 4"/>
+          <p:cNvSpPr>
+            <a:spLocks noGrp="1"/>
+          </p:cNvSpPr>
+          <p:nvPr>
+            <p:ph sz="half" idx="2"/>
+          </p:nvPr>
+        </p:nvSpPr>
+        <p:spPr/>
+        <p:txBody>
+          <a:bodyPr/>
+          <a:lstStyle/>
+          <a:p>
+            <a:pPr marL="0" indent="0">
+              <a:buNone/>
+            </a:pPr>
+            <a:r>
+              <a:rPr lang="en-US" dirty="0" smtClean="0"/>
+              <a:t>Software:-</a:t>
+            </a:r>
+          </a:p>
+          <a:p>
+            <a:pPr>
+              <a:buFont typeface="Wingdings" panose="05000000000000000000" pitchFamily="2" charset="2"/>
+              <a:buChar char="Ø"/>
+            </a:pPr>
+            <a:r>
+              <a:rPr lang="en-US" dirty="0" smtClean="0"/>
+              <a:t>Python 3.5 or higher</a:t>
+            </a:r>
+          </a:p>
+          <a:p>
+            <a:pPr>
+              <a:buFont typeface="Wingdings" panose="05000000000000000000" pitchFamily="2" charset="2"/>
+              <a:buChar char="Ø"/>
+            </a:pPr>
+            <a:r>
+              <a:rPr lang="en-US" dirty="0" smtClean="0"/>
+              <a:t>MySQL Server</a:t>
+            </a:r>
+          </a:p>
+          <a:p>
+            <a:pPr>
+              <a:buFont typeface="Wingdings" panose="05000000000000000000" pitchFamily="2" charset="2"/>
+              <a:buChar char="Ø"/>
+            </a:pPr>
+            <a:r>
+              <a:rPr lang="en-US" dirty="0" smtClean="0"/>
+              <a:t>Pymysql Module</a:t>
+            </a:r>
+            <a:endParaRPr lang="en-IN" dirty="0"/>
+          </a:p>
+        </p:txBody>
+      </p:sp>
+    </p:spTree>
+    <p:extLst>
+      <p:ext uri="{BB962C8B-B14F-4D97-AF65-F5344CB8AC3E}">
+        <p14:creationId xmlns:p14="http://schemas.microsoft.com/office/powerpoint/2010/main" val="3519010733"/>
+      </p:ext>
+    </p:extLst>
+  </p:cSld>
+  <p:clrMapOvr>
+    <a:masterClrMapping/>
+  </p:clrMapOvr>
+  <mc:AlternateContent xmlns:mc="http://schemas.openxmlformats.org/markup-compatibility/2006" xmlns:p14="http://schemas.microsoft.com/office/powerpoint/2010/main">
+    <mc:Choice Requires="p14">
+      <p:transition spd="med" p14:dur="700">
+        <p:fade/>
+      </p:transition>
+    </mc:Choice>
+    <mc:Fallback xmlns="">
+      <p:transition spd="med">
+        <p:fade/>
+      </p:transition>
+    </mc:Fallback>
+  </mc:AlternateContent>
+</p:sld>
+</file>
+
+<file path=ppt/slides/slide12.xml><?xml version="1.0" encoding="utf-8"?>
+<p:sld xmlns:a="http://schemas.openxmlformats.org/drawingml/2006/main" xmlns:r="http://schemas.openxmlformats.org/officeDocument/2006/relationships" xmlns:p="http://schemas.openxmlformats.org/presentationml/2006/main">
+  <p:cSld>
+    <p:spTree>
+      <p:nvGrpSpPr>
+        <p:cNvPr id="1" name=""/>
+        <p:cNvGrpSpPr/>
+        <p:nvPr/>
+      </p:nvGrpSpPr>
+      <p:grpSpPr>
+        <a:xfrm>
+          <a:off x="0" y="0"/>
+          <a:ext cx="0" cy="0"/>
+          <a:chOff x="0" y="0"/>
+          <a:chExt cx="0" cy="0"/>
+        </a:xfrm>
+      </p:grpSpPr>
+      <p:sp>
+        <p:nvSpPr>
+          <p:cNvPr id="2" name="Title 1"/>
+          <p:cNvSpPr>
+            <a:spLocks noGrp="1"/>
+          </p:cNvSpPr>
+          <p:nvPr>
+            <p:ph type="title"/>
+          </p:nvPr>
+        </p:nvSpPr>
+        <p:spPr>
+          <a:xfrm>
+            <a:off x="4876316" y="692696"/>
+            <a:ext cx="2433016" cy="650242"/>
+          </a:xfrm>
+        </p:spPr>
+        <p:txBody>
+          <a:bodyPr>
+            <a:normAutofit fontScale="90000"/>
+          </a:bodyPr>
+          <a:lstStyle/>
+          <a:p>
+            <a:r>
+              <a:rPr lang="en-IN" dirty="0" smtClean="0"/>
+              <a:t>References </a:t>
+            </a:r>
+            <a:endParaRPr lang="en-IN" dirty="0"/>
+          </a:p>
+        </p:txBody>
+      </p:sp>
+      <p:sp>
+        <p:nvSpPr>
+          <p:cNvPr id="3" name="Content Placeholder 2"/>
+          <p:cNvSpPr>
+            <a:spLocks noGrp="1"/>
+          </p:cNvSpPr>
+          <p:nvPr>
+            <p:ph idx="1"/>
+          </p:nvPr>
+        </p:nvSpPr>
+        <p:spPr/>
+        <p:txBody>
+          <a:bodyPr/>
+          <a:lstStyle/>
+          <a:p>
+            <a:endParaRPr lang="en-IN"/>
+          </a:p>
+        </p:txBody>
+      </p:sp>
+    </p:spTree>
+    <p:extLst>
+      <p:ext uri="{BB962C8B-B14F-4D97-AF65-F5344CB8AC3E}">
+        <p14:creationId xmlns:p14="http://schemas.microsoft.com/office/powerpoint/2010/main" val="1149833245"/>
+      </p:ext>
+    </p:extLst>
+  </p:cSld>
+  <p:clrMapOvr>
+    <a:masterClrMapping/>
+  </p:clrMapOvr>
+  <mc:AlternateContent xmlns:mc="http://schemas.openxmlformats.org/markup-compatibility/2006" xmlns:p14="http://schemas.microsoft.com/office/powerpoint/2010/main">
+    <mc:Choice Requires="p14">
+      <p:transition spd="med" p14:dur="700">
+        <p:fade/>
+      </p:transition>
+    </mc:Choice>
+    <mc:Fallback xmlns="">
+      <p:transition spd="med">
+        <p:fade/>
+      </p:transition>
+    </mc:Fallback>
+  </mc:AlternateContent>
+</p:sld>
+</file>
+
 <file path=ppt/slides/slide2.xml><?xml version="1.0" encoding="utf-8"?>
 <p:sld xmlns:a="http://schemas.openxmlformats.org/drawingml/2006/main" xmlns:r="http://schemas.openxmlformats.org/officeDocument/2006/relationships" xmlns:p="http://schemas.openxmlformats.org/presentationml/2006/main">
   <p:cSld>
@@ -14324,7 +14746,7 @@
       </p:grpSpPr>
       <p:sp>
         <p:nvSpPr>
-          <p:cNvPr id="3" name="Title 2"/>
+          <p:cNvPr id="2" name="Title 1"/>
           <p:cNvSpPr>
             <a:spLocks noGrp="1"/>
           </p:cNvSpPr>
@@ -14334,25 +14756,27 @@
         </p:nvSpPr>
         <p:spPr>
           <a:xfrm>
-            <a:off x="1522876" y="476672"/>
-            <a:ext cx="9143538" cy="587152"/>
+            <a:off x="3580172" y="764704"/>
+            <a:ext cx="5025304" cy="650242"/>
           </a:xfrm>
         </p:spPr>
         <p:txBody>
-          <a:bodyPr/>
+          <a:bodyPr>
+            <a:normAutofit/>
+          </a:bodyPr>
           <a:lstStyle/>
           <a:p>
             <a:r>
               <a:rPr lang="en-US" dirty="0" smtClean="0"/>
-              <a:t>Hardware and Software Required</a:t>
-            </a:r>
-            <a:endParaRPr lang="en-US" dirty="0"/>
+              <a:t>Research and analysis</a:t>
+            </a:r>
+            <a:endParaRPr lang="en-IN" dirty="0"/>
           </a:p>
         </p:txBody>
       </p:sp>
       <p:sp>
         <p:nvSpPr>
-          <p:cNvPr id="2" name="Content Placeholder 1"/>
+          <p:cNvPr id="3" name="Content Placeholder 2"/>
           <p:cNvSpPr>
             <a:spLocks noGrp="1"/>
           </p:cNvSpPr>
@@ -14360,12 +14784,7 @@
             <p:ph idx="1"/>
           </p:nvPr>
         </p:nvSpPr>
-        <p:spPr>
-          <a:xfrm>
-            <a:off x="1489961" y="1268760"/>
-            <a:ext cx="9143538" cy="3697465"/>
-          </a:xfrm>
-        </p:spPr>
+        <p:spPr/>
         <p:txBody>
           <a:bodyPr/>
           <a:lstStyle/>
@@ -14374,40 +14793,17 @@
               <a:buNone/>
             </a:pPr>
             <a:r>
-              <a:rPr lang="en-US" dirty="0"/>
-              <a:t>After analyzing existing system to see which of their features ware useful </a:t>
-            </a:r>
-            <a:r>
               <a:rPr lang="en-US" dirty="0" smtClean="0"/>
-              <a:t>and how </a:t>
-            </a:r>
-            <a:r>
-              <a:rPr lang="en-US" dirty="0"/>
-              <a:t>they could be improved. The hardware and software requirements </a:t>
-            </a:r>
-            <a:r>
-              <a:rPr lang="en-US" dirty="0" smtClean="0"/>
-              <a:t>are sufficient </a:t>
-            </a:r>
-            <a:r>
-              <a:rPr lang="en-US" dirty="0"/>
-              <a:t>for installing and running the </a:t>
-            </a:r>
-            <a:r>
-              <a:rPr lang="en-US" dirty="0" smtClean="0"/>
-              <a:t>application. </a:t>
-            </a:r>
-            <a:r>
-              <a:rPr lang="en-US" dirty="0"/>
-              <a:t>Requirement for this project are:</a:t>
-            </a:r>
+              <a:t>Attraction of People towards online shopping and e-commerce has open new vistas and exciting opportunity in India. Online Movie Ticket Booking Systems is mainly eyeing on middle class for whom this is cheapest source of entertainment. This System provide the cheapest online movie-ticket booking taxes and also give much more offers than the other booking system for their users (but only for the registered users).</a:t>
+            </a:r>
+            <a:endParaRPr lang="en-IN" dirty="0"/>
           </a:p>
         </p:txBody>
       </p:sp>
     </p:spTree>
     <p:extLst>
       <p:ext uri="{BB962C8B-B14F-4D97-AF65-F5344CB8AC3E}">
-        <p14:creationId xmlns:p14="http://schemas.microsoft.com/office/powerpoint/2010/main" val="3519010733"/>
+        <p14:creationId xmlns:p14="http://schemas.microsoft.com/office/powerpoint/2010/main" val="2210986422"/>
       </p:ext>
     </p:extLst>
   </p:cSld>
@@ -14430,300 +14826,6 @@
 </file>
 
 <file path=ppt/slides/slide4.xml><?xml version="1.0" encoding="utf-8"?>
-<p:sld xmlns:a="http://schemas.openxmlformats.org/drawingml/2006/main" xmlns:r="http://schemas.openxmlformats.org/officeDocument/2006/relationships" xmlns:p="http://schemas.openxmlformats.org/presentationml/2006/main">
-  <p:cSld>
-    <p:spTree>
-      <p:nvGrpSpPr>
-        <p:cNvPr id="1" name=""/>
-        <p:cNvGrpSpPr/>
-        <p:nvPr/>
-      </p:nvGrpSpPr>
-      <p:grpSpPr>
-        <a:xfrm>
-          <a:off x="0" y="0"/>
-          <a:ext cx="0" cy="0"/>
-          <a:chOff x="0" y="0"/>
-          <a:chExt cx="0" cy="0"/>
-        </a:xfrm>
-      </p:grpSpPr>
-      <p:sp>
-        <p:nvSpPr>
-          <p:cNvPr id="2" name="Title 1"/>
-          <p:cNvSpPr>
-            <a:spLocks noGrp="1"/>
-          </p:cNvSpPr>
-          <p:nvPr>
-            <p:ph type="title"/>
-          </p:nvPr>
-        </p:nvSpPr>
-        <p:spPr>
-          <a:xfrm>
-            <a:off x="4192240" y="692696"/>
-            <a:ext cx="3801168" cy="722250"/>
-          </a:xfrm>
-        </p:spPr>
-        <p:txBody>
-          <a:bodyPr/>
-          <a:lstStyle/>
-          <a:p>
-            <a:r>
-              <a:rPr lang="en-US" dirty="0" smtClean="0"/>
-              <a:t>Database design</a:t>
-            </a:r>
-            <a:endParaRPr lang="en-IN" dirty="0"/>
-          </a:p>
-        </p:txBody>
-      </p:sp>
-      <p:sp>
-        <p:nvSpPr>
-          <p:cNvPr id="3" name="Content Placeholder 2"/>
-          <p:cNvSpPr>
-            <a:spLocks noGrp="1"/>
-          </p:cNvSpPr>
-          <p:nvPr>
-            <p:ph idx="1"/>
-          </p:nvPr>
-        </p:nvSpPr>
-        <p:spPr>
-          <a:xfrm>
-            <a:off x="981844" y="1484784"/>
-            <a:ext cx="9903419" cy="3541714"/>
-          </a:xfrm>
-        </p:spPr>
-        <p:txBody>
-          <a:bodyPr/>
-          <a:lstStyle/>
-          <a:p>
-            <a:pPr marL="0" indent="0">
-              <a:buNone/>
-            </a:pPr>
-            <a:r>
-              <a:rPr lang="en-US" dirty="0"/>
-              <a:t>The database consists of </a:t>
-            </a:r>
-            <a:r>
-              <a:rPr lang="en-US" dirty="0" smtClean="0"/>
-              <a:t>3 tables which are as follows:-</a:t>
-            </a:r>
-            <a:endParaRPr lang="en-IN" dirty="0"/>
-          </a:p>
-        </p:txBody>
-      </p:sp>
-      <p:graphicFrame>
-        <p:nvGraphicFramePr>
-          <p:cNvPr id="4" name="Table 3"/>
-          <p:cNvGraphicFramePr>
-            <a:graphicFrameLocks noGrp="1"/>
-          </p:cNvGraphicFramePr>
-          <p:nvPr>
-            <p:extLst>
-              <p:ext uri="{D42A27DB-BD31-4B8C-83A1-F6EECF244321}">
-                <p14:modId xmlns:p14="http://schemas.microsoft.com/office/powerpoint/2010/main" val="3156296065"/>
-              </p:ext>
-            </p:extLst>
-          </p:nvPr>
-        </p:nvGraphicFramePr>
-        <p:xfrm>
-          <a:off x="2029882" y="2420888"/>
-          <a:ext cx="8125884" cy="2021332"/>
-        </p:xfrm>
-        <a:graphic>
-          <a:graphicData uri="http://schemas.openxmlformats.org/drawingml/2006/table">
-            <a:tbl>
-              <a:tblPr firstRow="1" bandRow="1">
-                <a:tableStyleId>{7E9639D4-E3E2-4D34-9284-5A2195B3D0D7}</a:tableStyleId>
-              </a:tblPr>
-              <a:tblGrid>
-                <a:gridCol w="3384376"/>
-                <a:gridCol w="4741508"/>
-              </a:tblGrid>
-              <a:tr h="370840">
-                <a:tc>
-                  <a:txBody>
-                    <a:bodyPr/>
-                    <a:lstStyle/>
-                    <a:p>
-                      <a:r>
-                        <a:rPr lang="en-US" dirty="0" smtClean="0"/>
-                        <a:t>Table Name</a:t>
-                      </a:r>
-                      <a:endParaRPr lang="en-IN" dirty="0"/>
-                    </a:p>
-                  </a:txBody>
-                  <a:tcPr/>
-                </a:tc>
-                <a:tc>
-                  <a:txBody>
-                    <a:bodyPr/>
-                    <a:lstStyle/>
-                    <a:p>
-                      <a:r>
-                        <a:rPr lang="en-US" dirty="0" smtClean="0"/>
-                        <a:t>Description</a:t>
-                      </a:r>
-                      <a:endParaRPr lang="en-IN" dirty="0"/>
-                    </a:p>
-                  </a:txBody>
-                  <a:tcPr/>
-                </a:tc>
-              </a:tr>
-              <a:tr h="370840">
-                <a:tc>
-                  <a:txBody>
-                    <a:bodyPr/>
-                    <a:lstStyle/>
-                    <a:p>
-                      <a:r>
-                        <a:rPr lang="en-US" dirty="0" err="1" smtClean="0"/>
-                        <a:t>User_Data</a:t>
-                      </a:r>
-                      <a:endParaRPr lang="en-IN" dirty="0"/>
-                    </a:p>
-                  </a:txBody>
-                  <a:tcPr/>
-                </a:tc>
-                <a:tc>
-                  <a:txBody>
-                    <a:bodyPr/>
-                    <a:lstStyle/>
-                    <a:p>
-                      <a:r>
-                        <a:rPr lang="en-US" dirty="0" smtClean="0"/>
-                        <a:t>It stores the</a:t>
-                      </a:r>
-                      <a:r>
-                        <a:rPr lang="en-US" baseline="0" dirty="0" smtClean="0"/>
-                        <a:t> login details of Admin as-well-as User</a:t>
-                      </a:r>
-                      <a:endParaRPr lang="en-IN" dirty="0"/>
-                    </a:p>
-                  </a:txBody>
-                  <a:tcPr/>
-                </a:tc>
-              </a:tr>
-              <a:tr h="370840">
-                <a:tc>
-                  <a:txBody>
-                    <a:bodyPr/>
-                    <a:lstStyle/>
-                    <a:p>
-                      <a:r>
-                        <a:rPr lang="en-US" dirty="0" smtClean="0"/>
-                        <a:t>Theatre</a:t>
-                      </a:r>
-                      <a:endParaRPr lang="en-IN" dirty="0"/>
-                    </a:p>
-                  </a:txBody>
-                  <a:tcPr/>
-                </a:tc>
-                <a:tc>
-                  <a:txBody>
-                    <a:bodyPr/>
-                    <a:lstStyle/>
-                    <a:p>
-                      <a:pPr marL="0" marR="0" lvl="0" indent="0" algn="l" defTabSz="914126" rtl="0" eaLnBrk="1" fontAlgn="auto" latinLnBrk="0" hangingPunct="1">
-                        <a:lnSpc>
-                          <a:spcPct val="100000"/>
-                        </a:lnSpc>
-                        <a:spcBef>
-                          <a:spcPts val="0"/>
-                        </a:spcBef>
-                        <a:spcAft>
-                          <a:spcPts val="0"/>
-                        </a:spcAft>
-                        <a:buClrTx/>
-                        <a:buSzTx/>
-                        <a:buFontTx/>
-                        <a:buNone/>
-                        <a:tabLst/>
-                        <a:defRPr/>
-                      </a:pPr>
-                      <a:r>
-                        <a:rPr lang="en-US" dirty="0" smtClean="0"/>
-                        <a:t>It consist</a:t>
-                      </a:r>
-                      <a:r>
-                        <a:rPr lang="en-US" baseline="0" dirty="0" smtClean="0"/>
-                        <a:t> of the record of all the Theatres (Multiplex and Cineplex both) in a city</a:t>
-                      </a:r>
-                      <a:endParaRPr lang="en-IN" dirty="0"/>
-                    </a:p>
-                  </a:txBody>
-                  <a:tcPr/>
-                </a:tc>
-              </a:tr>
-              <a:tr h="370840">
-                <a:tc>
-                  <a:txBody>
-                    <a:bodyPr/>
-                    <a:lstStyle/>
-                    <a:p>
-                      <a:r>
-                        <a:rPr lang="en-US" dirty="0" smtClean="0"/>
-                        <a:t>Movie</a:t>
-                      </a:r>
-                      <a:endParaRPr lang="en-IN" dirty="0"/>
-                    </a:p>
-                  </a:txBody>
-                  <a:tcPr/>
-                </a:tc>
-                <a:tc>
-                  <a:txBody>
-                    <a:bodyPr/>
-                    <a:lstStyle/>
-                    <a:p>
-                      <a:r>
-                        <a:rPr lang="en-US" dirty="0" smtClean="0"/>
-                        <a:t>It consist of currently running Movies and </a:t>
-                      </a:r>
-                      <a:r>
-                        <a:rPr lang="en-US" smtClean="0"/>
-                        <a:t>shows</a:t>
-                      </a:r>
-                      <a:r>
-                        <a:rPr lang="en-US" baseline="0" smtClean="0"/>
-                        <a:t> in a </a:t>
-                      </a:r>
-                      <a:r>
-                        <a:rPr lang="en-US" baseline="0" dirty="0" smtClean="0"/>
-                        <a:t>particular theatre in a city</a:t>
-                      </a:r>
-                      <a:endParaRPr lang="en-IN" dirty="0"/>
-                    </a:p>
-                  </a:txBody>
-                  <a:tcPr/>
-                </a:tc>
-              </a:tr>
-            </a:tbl>
-          </a:graphicData>
-        </a:graphic>
-      </p:graphicFrame>
-    </p:spTree>
-    <p:extLst>
-      <p:ext uri="{BB962C8B-B14F-4D97-AF65-F5344CB8AC3E}">
-        <p14:creationId xmlns:p14="http://schemas.microsoft.com/office/powerpoint/2010/main" val="2822587498"/>
-      </p:ext>
-    </p:extLst>
-  </p:cSld>
-  <p:clrMapOvr>
-    <a:masterClrMapping/>
-  </p:clrMapOvr>
-  <mc:AlternateContent xmlns:mc="http://schemas.openxmlformats.org/markup-compatibility/2006" xmlns:p14="http://schemas.microsoft.com/office/powerpoint/2010/main">
-    <mc:Choice Requires="p14">
-      <p:transition spd="med" p14:dur="700">
-        <p:fade/>
-      </p:transition>
-    </mc:Choice>
-    <mc:Fallback xmlns="">
-      <p:transition spd="med">
-        <p:fade/>
-      </p:transition>
-    </mc:Fallback>
-  </mc:AlternateContent>
-</p:sld>
-</file>
-
-<file path=ppt/slides/slide5.xml><?xml version="1.0" encoding="utf-8"?>
 <p:sld xmlns:a="http://schemas.openxmlformats.org/drawingml/2006/main" xmlns:r="http://schemas.openxmlformats.org/officeDocument/2006/relationships" xmlns:p="http://schemas.openxmlformats.org/presentationml/2006/main">
   <p:cSld>
     <p:spTree>
@@ -14873,7 +14975,7 @@
 </p:sld>
 </file>
 
-<file path=ppt/slides/slide6.xml><?xml version="1.0" encoding="utf-8"?>
+<file path=ppt/slides/slide5.xml><?xml version="1.0" encoding="utf-8"?>
 <p:sld xmlns:a="http://schemas.openxmlformats.org/drawingml/2006/main" xmlns:r="http://schemas.openxmlformats.org/officeDocument/2006/relationships" xmlns:p="http://schemas.openxmlformats.org/presentationml/2006/main">
   <p:cSld>
     <p:spTree>
@@ -15011,7 +15113,7 @@
 </p:sld>
 </file>
 
-<file path=ppt/slides/slide7.xml><?xml version="1.0" encoding="utf-8"?>
+<file path=ppt/slides/slide6.xml><?xml version="1.0" encoding="utf-8"?>
 <p:sld xmlns:a="http://schemas.openxmlformats.org/drawingml/2006/main" xmlns:r="http://schemas.openxmlformats.org/officeDocument/2006/relationships" xmlns:p="http://schemas.openxmlformats.org/presentationml/2006/main">
   <p:cSld>
     <p:spTree>
@@ -15132,6 +15234,371 @@
     <p:extLst>
       <p:ext uri="{BB962C8B-B14F-4D97-AF65-F5344CB8AC3E}">
         <p14:creationId xmlns:p14="http://schemas.microsoft.com/office/powerpoint/2010/main" val="304928327"/>
+      </p:ext>
+    </p:extLst>
+  </p:cSld>
+  <p:clrMapOvr>
+    <a:masterClrMapping/>
+  </p:clrMapOvr>
+  <mc:AlternateContent xmlns:mc="http://schemas.openxmlformats.org/markup-compatibility/2006" xmlns:p14="http://schemas.microsoft.com/office/powerpoint/2010/main">
+    <mc:Choice Requires="p14">
+      <p:transition spd="med" p14:dur="700">
+        <p:fade/>
+      </p:transition>
+    </mc:Choice>
+    <mc:Fallback xmlns="">
+      <p:transition spd="med">
+        <p:fade/>
+      </p:transition>
+    </mc:Fallback>
+  </mc:AlternateContent>
+</p:sld>
+</file>
+
+<file path=ppt/slides/slide7.xml><?xml version="1.0" encoding="utf-8"?>
+<p:sld xmlns:a="http://schemas.openxmlformats.org/drawingml/2006/main" xmlns:r="http://schemas.openxmlformats.org/officeDocument/2006/relationships" xmlns:p="http://schemas.openxmlformats.org/presentationml/2006/main">
+  <p:cSld>
+    <p:spTree>
+      <p:nvGrpSpPr>
+        <p:cNvPr id="1" name=""/>
+        <p:cNvGrpSpPr/>
+        <p:nvPr/>
+      </p:nvGrpSpPr>
+      <p:grpSpPr>
+        <a:xfrm>
+          <a:off x="0" y="0"/>
+          <a:ext cx="0" cy="0"/>
+          <a:chOff x="0" y="0"/>
+          <a:chExt cx="0" cy="0"/>
+        </a:xfrm>
+      </p:grpSpPr>
+      <p:sp>
+        <p:nvSpPr>
+          <p:cNvPr id="2" name="Title 1"/>
+          <p:cNvSpPr>
+            <a:spLocks noGrp="1"/>
+          </p:cNvSpPr>
+          <p:nvPr>
+            <p:ph type="title"/>
+          </p:nvPr>
+        </p:nvSpPr>
+        <p:spPr>
+          <a:xfrm>
+            <a:off x="3179520" y="476672"/>
+            <a:ext cx="5826608" cy="720080"/>
+          </a:xfrm>
+        </p:spPr>
+        <p:txBody>
+          <a:bodyPr>
+            <a:normAutofit fontScale="90000"/>
+          </a:bodyPr>
+          <a:lstStyle/>
+          <a:p>
+            <a:r>
+              <a:rPr lang="en-IN" dirty="0" smtClean="0"/>
+              <a:t>Categorization</a:t>
+            </a:r>
+            <a:r>
+              <a:rPr lang="en-IN" dirty="0" smtClean="0"/>
+              <a:t> </a:t>
+            </a:r>
+            <a:r>
+              <a:rPr lang="en-IN" dirty="0" smtClean="0"/>
+              <a:t>of project</a:t>
+            </a:r>
+            <a:endParaRPr lang="en-IN" dirty="0"/>
+          </a:p>
+        </p:txBody>
+      </p:sp>
+      <p:sp>
+        <p:nvSpPr>
+          <p:cNvPr id="3" name="Content Placeholder 2"/>
+          <p:cNvSpPr>
+            <a:spLocks noGrp="1"/>
+          </p:cNvSpPr>
+          <p:nvPr>
+            <p:ph idx="1"/>
+          </p:nvPr>
+        </p:nvSpPr>
+        <p:spPr>
+          <a:xfrm>
+            <a:off x="1141114" y="1916832"/>
+            <a:ext cx="9903419" cy="4176464"/>
+          </a:xfrm>
+        </p:spPr>
+        <p:txBody>
+          <a:bodyPr>
+            <a:normAutofit/>
+          </a:bodyPr>
+          <a:lstStyle/>
+          <a:p>
+            <a:pPr marL="0" indent="0">
+              <a:buNone/>
+            </a:pPr>
+            <a:r>
+              <a:rPr lang="en-US" dirty="0" smtClean="0"/>
+              <a:t>This Project is divided into three main different modules which are as:-</a:t>
+            </a:r>
+          </a:p>
+          <a:p>
+            <a:pPr marL="0" indent="0">
+              <a:buNone/>
+            </a:pPr>
+            <a:endParaRPr lang="en-US" dirty="0" smtClean="0"/>
+          </a:p>
+          <a:p>
+            <a:r>
+              <a:rPr lang="en-US" dirty="0" smtClean="0"/>
+              <a:t>Admin.py</a:t>
+            </a:r>
+          </a:p>
+          <a:p>
+            <a:pPr marL="0" indent="0">
+              <a:buNone/>
+            </a:pPr>
+            <a:endParaRPr lang="en-US" dirty="0" smtClean="0"/>
+          </a:p>
+          <a:p>
+            <a:r>
+              <a:rPr lang="en-US" dirty="0" smtClean="0"/>
+              <a:t>regesteredUser.py</a:t>
+            </a:r>
+          </a:p>
+          <a:p>
+            <a:endParaRPr lang="en-US" dirty="0" smtClean="0"/>
+          </a:p>
+          <a:p>
+            <a:r>
+              <a:rPr lang="en-US" dirty="0" smtClean="0"/>
+              <a:t>unregisteredUser.py</a:t>
+            </a:r>
+          </a:p>
+          <a:p>
+            <a:pPr marL="0" indent="0">
+              <a:buNone/>
+            </a:pPr>
+            <a:endParaRPr lang="en-US" dirty="0" smtClean="0"/>
+          </a:p>
+          <a:p>
+            <a:endParaRPr lang="en-IN" dirty="0"/>
+          </a:p>
+        </p:txBody>
+      </p:sp>
+    </p:spTree>
+    <p:extLst>
+      <p:ext uri="{BB962C8B-B14F-4D97-AF65-F5344CB8AC3E}">
+        <p14:creationId xmlns:p14="http://schemas.microsoft.com/office/powerpoint/2010/main" val="4161179361"/>
+      </p:ext>
+    </p:extLst>
+  </p:cSld>
+  <p:clrMapOvr>
+    <a:masterClrMapping/>
+  </p:clrMapOvr>
+  <mc:AlternateContent xmlns:mc="http://schemas.openxmlformats.org/markup-compatibility/2006" xmlns:p14="http://schemas.microsoft.com/office/powerpoint/2010/main">
+    <mc:Choice Requires="p14">
+      <p:transition spd="med" p14:dur="700">
+        <p:fade/>
+      </p:transition>
+    </mc:Choice>
+    <mc:Fallback xmlns="">
+      <p:transition spd="med">
+        <p:fade/>
+      </p:transition>
+    </mc:Fallback>
+  </mc:AlternateContent>
+</p:sld>
+</file>
+
+<file path=ppt/slides/slide8.xml><?xml version="1.0" encoding="utf-8"?>
+<p:sld xmlns:a="http://schemas.openxmlformats.org/drawingml/2006/main" xmlns:r="http://schemas.openxmlformats.org/officeDocument/2006/relationships" xmlns:p="http://schemas.openxmlformats.org/presentationml/2006/main">
+  <p:cSld>
+    <p:spTree>
+      <p:nvGrpSpPr>
+        <p:cNvPr id="1" name=""/>
+        <p:cNvGrpSpPr/>
+        <p:nvPr/>
+      </p:nvGrpSpPr>
+      <p:grpSpPr>
+        <a:xfrm>
+          <a:off x="0" y="0"/>
+          <a:ext cx="0" cy="0"/>
+          <a:chOff x="0" y="0"/>
+          <a:chExt cx="0" cy="0"/>
+        </a:xfrm>
+      </p:grpSpPr>
+      <p:sp>
+        <p:nvSpPr>
+          <p:cNvPr id="2" name="Title 1"/>
+          <p:cNvSpPr>
+            <a:spLocks noGrp="1"/>
+          </p:cNvSpPr>
+          <p:nvPr>
+            <p:ph type="title"/>
+          </p:nvPr>
+        </p:nvSpPr>
+        <p:spPr/>
+        <p:txBody>
+          <a:bodyPr/>
+          <a:lstStyle/>
+          <a:p>
+            <a:r>
+              <a:rPr lang="en-US" dirty="0" smtClean="0"/>
+              <a:t>Admin module</a:t>
+            </a:r>
+            <a:endParaRPr lang="en-IN" dirty="0"/>
+          </a:p>
+        </p:txBody>
+      </p:sp>
+      <p:sp>
+        <p:nvSpPr>
+          <p:cNvPr id="3" name="Content Placeholder 2"/>
+          <p:cNvSpPr>
+            <a:spLocks noGrp="1"/>
+          </p:cNvSpPr>
+          <p:nvPr>
+            <p:ph idx="1"/>
+          </p:nvPr>
+        </p:nvSpPr>
+        <p:spPr>
+          <a:xfrm>
+            <a:off x="1132383" y="2276872"/>
+            <a:ext cx="9903419" cy="3541714"/>
+          </a:xfrm>
+        </p:spPr>
+        <p:txBody>
+          <a:bodyPr/>
+          <a:lstStyle/>
+          <a:p>
+            <a:pPr marL="0" indent="0">
+              <a:buNone/>
+            </a:pPr>
+            <a:r>
+              <a:rPr lang="en-US" dirty="0" smtClean="0"/>
+              <a:t>This module deals with the insertion and updating of theaters and movies.</a:t>
+            </a:r>
+            <a:r>
+              <a:rPr lang="en-US" dirty="0"/>
+              <a:t> The admin will be the one who is </a:t>
+            </a:r>
+            <a:r>
+              <a:rPr lang="en-US" dirty="0" smtClean="0"/>
+              <a:t>owning or having his own Cineplex or Multiplex. Every Movie has a fixed time period of staying at any Cineplex or Multiplex. That’s why, it is the duty of admin to update the movie for his theatre. </a:t>
+            </a:r>
+          </a:p>
+          <a:p>
+            <a:pPr marL="0" indent="0">
+              <a:buNone/>
+            </a:pPr>
+            <a:r>
+              <a:rPr lang="en-US" dirty="0" smtClean="0"/>
+              <a:t>If the admin is not updating the shows for a month then his theatre is considered to be closed and users can’t book movies and shows for the same.</a:t>
+            </a:r>
+            <a:endParaRPr lang="en-IN" dirty="0"/>
+          </a:p>
+        </p:txBody>
+      </p:sp>
+    </p:spTree>
+    <p:extLst>
+      <p:ext uri="{BB962C8B-B14F-4D97-AF65-F5344CB8AC3E}">
+        <p14:creationId xmlns:p14="http://schemas.microsoft.com/office/powerpoint/2010/main" val="3503753853"/>
+      </p:ext>
+    </p:extLst>
+  </p:cSld>
+  <p:clrMapOvr>
+    <a:masterClrMapping/>
+  </p:clrMapOvr>
+  <mc:AlternateContent xmlns:mc="http://schemas.openxmlformats.org/markup-compatibility/2006" xmlns:p14="http://schemas.microsoft.com/office/powerpoint/2010/main">
+    <mc:Choice Requires="p14">
+      <p:transition spd="med" p14:dur="700">
+        <p:fade/>
+      </p:transition>
+    </mc:Choice>
+    <mc:Fallback xmlns="">
+      <p:transition spd="med">
+        <p:fade/>
+      </p:transition>
+    </mc:Fallback>
+  </mc:AlternateContent>
+</p:sld>
+</file>
+
+<file path=ppt/slides/slide9.xml><?xml version="1.0" encoding="utf-8"?>
+<p:sld xmlns:a="http://schemas.openxmlformats.org/drawingml/2006/main" xmlns:r="http://schemas.openxmlformats.org/officeDocument/2006/relationships" xmlns:p="http://schemas.openxmlformats.org/presentationml/2006/main">
+  <p:cSld>
+    <p:spTree>
+      <p:nvGrpSpPr>
+        <p:cNvPr id="1" name=""/>
+        <p:cNvGrpSpPr/>
+        <p:nvPr/>
+      </p:nvGrpSpPr>
+      <p:grpSpPr>
+        <a:xfrm>
+          <a:off x="0" y="0"/>
+          <a:ext cx="0" cy="0"/>
+          <a:chOff x="0" y="0"/>
+          <a:chExt cx="0" cy="0"/>
+        </a:xfrm>
+      </p:grpSpPr>
+      <p:sp>
+        <p:nvSpPr>
+          <p:cNvPr id="2" name="Title 1"/>
+          <p:cNvSpPr>
+            <a:spLocks noGrp="1"/>
+          </p:cNvSpPr>
+          <p:nvPr>
+            <p:ph type="title"/>
+          </p:nvPr>
+        </p:nvSpPr>
+        <p:spPr>
+          <a:xfrm>
+            <a:off x="3472160" y="404664"/>
+            <a:ext cx="5241328" cy="578234"/>
+          </a:xfrm>
+        </p:spPr>
+        <p:txBody>
+          <a:bodyPr>
+            <a:normAutofit fontScale="90000"/>
+          </a:bodyPr>
+          <a:lstStyle/>
+          <a:p>
+            <a:r>
+              <a:rPr lang="en-US" dirty="0" smtClean="0"/>
+              <a:t>Unregistered user module</a:t>
+            </a:r>
+            <a:endParaRPr lang="en-IN" dirty="0"/>
+          </a:p>
+        </p:txBody>
+      </p:sp>
+      <p:sp>
+        <p:nvSpPr>
+          <p:cNvPr id="3" name="Content Placeholder 2"/>
+          <p:cNvSpPr>
+            <a:spLocks noGrp="1"/>
+          </p:cNvSpPr>
+          <p:nvPr>
+            <p:ph idx="1"/>
+          </p:nvPr>
+        </p:nvSpPr>
+        <p:spPr/>
+        <p:txBody>
+          <a:bodyPr/>
+          <a:lstStyle/>
+          <a:p>
+            <a:pPr marL="0" indent="0">
+              <a:buNone/>
+            </a:pPr>
+            <a:r>
+              <a:rPr lang="en-US" dirty="0" smtClean="0"/>
+              <a:t>This module comes in act when there is a user trying to book a movie or searching its details, but without logging in. In this case that user is considered as an unregistered user. The user can book the tickets for any movie and will be showed up with the details about the movies and theaters. But there are some benefits and offers which these users are going to miss (like:- discount on tickets, Buy 2 get 1 offer, gift cards etc. ) which are only available for Registered Users only.</a:t>
+            </a:r>
+            <a:endParaRPr lang="en-IN" dirty="0"/>
+          </a:p>
+        </p:txBody>
+      </p:sp>
+    </p:spTree>
+    <p:extLst>
+      <p:ext uri="{BB962C8B-B14F-4D97-AF65-F5344CB8AC3E}">
+        <p14:creationId xmlns:p14="http://schemas.microsoft.com/office/powerpoint/2010/main" val="1788001438"/>
       </p:ext>
     </p:extLst>
   </p:cSld>

--- a/Movie Ticket Booking System.pptx
+++ b/Movie Ticket Booking System.pptx
@@ -5,10 +5,10 @@
     <p:sldMasterId id="2147483954" r:id="rId1"/>
   </p:sldMasterIdLst>
   <p:notesMasterIdLst>
-    <p:notesMasterId r:id="rId14"/>
+    <p:notesMasterId r:id="rId15"/>
   </p:notesMasterIdLst>
   <p:handoutMasterIdLst>
-    <p:handoutMasterId r:id="rId15"/>
+    <p:handoutMasterId r:id="rId16"/>
   </p:handoutMasterIdLst>
   <p:sldIdLst>
     <p:sldId id="268" r:id="rId2"/>
@@ -17,12 +17,13 @@
     <p:sldId id="280" r:id="rId5"/>
     <p:sldId id="277" r:id="rId6"/>
     <p:sldId id="279" r:id="rId7"/>
-    <p:sldId id="283" r:id="rId8"/>
-    <p:sldId id="284" r:id="rId9"/>
-    <p:sldId id="286" r:id="rId10"/>
-    <p:sldId id="285" r:id="rId11"/>
-    <p:sldId id="273" r:id="rId12"/>
-    <p:sldId id="282" r:id="rId13"/>
+    <p:sldId id="287" r:id="rId8"/>
+    <p:sldId id="283" r:id="rId9"/>
+    <p:sldId id="284" r:id="rId10"/>
+    <p:sldId id="286" r:id="rId11"/>
+    <p:sldId id="285" r:id="rId12"/>
+    <p:sldId id="273" r:id="rId13"/>
+    <p:sldId id="282" r:id="rId14"/>
   </p:sldIdLst>
   <p:sldSz cx="12188825" cy="6858000"/>
   <p:notesSz cx="6858000" cy="9144000"/>
@@ -999,7 +1000,7 @@
           <a:p>
             <a:fld id="{BF105DB2-FD3E-441D-8B7E-7AE83ECE27B3}" type="slidenum">
               <a:rPr lang="en-US" smtClean="0"/>
-              <a:t>11</a:t>
+              <a:t>12</a:t>
             </a:fld>
             <a:endParaRPr lang="en-US" dirty="0"/>
           </a:p>
@@ -1075,7 +1076,7 @@
           <a:noFill/>
           <a:extLst>
             <a:ext uri="{909E8E84-426E-40dd-AFC4-6F175D3DCCD1}">
-              <a14:hiddenFill xmlns="" xmlns:a14="http://schemas.microsoft.com/office/drawing/2010/main">
+              <a14:hiddenFill xmlns:a14="http://schemas.microsoft.com/office/drawing/2010/main" xmlns="">
                 <a:solidFill>
                   <a:srgbClr val="FFFFFF"/>
                 </a:solidFill>
@@ -1134,7 +1135,7 @@
             </a:ln>
             <a:extLst>
               <a:ext uri="{91240B29-F687-4f45-9708-019B960494DF}">
-                <a14:hiddenLine xmlns="" xmlns:a14="http://schemas.microsoft.com/office/drawing/2010/main" w="9525">
+                <a14:hiddenLine xmlns:a14="http://schemas.microsoft.com/office/drawing/2010/main" xmlns="" w="9525">
                   <a:solidFill>
                     <a:srgbClr val="000000"/>
                   </a:solidFill>
@@ -1224,7 +1225,7 @@
             </a:ln>
             <a:extLst>
               <a:ext uri="{91240B29-F687-4f45-9708-019B960494DF}">
-                <a14:hiddenLine xmlns="" xmlns:a14="http://schemas.microsoft.com/office/drawing/2010/main" w="9525">
+                <a14:hiddenLine xmlns:a14="http://schemas.microsoft.com/office/drawing/2010/main" xmlns="" w="9525">
                   <a:solidFill>
                     <a:srgbClr val="000000"/>
                   </a:solidFill>
@@ -1314,7 +1315,7 @@
             </a:ln>
             <a:extLst>
               <a:ext uri="{91240B29-F687-4f45-9708-019B960494DF}">
-                <a14:hiddenLine xmlns="" xmlns:a14="http://schemas.microsoft.com/office/drawing/2010/main" w="9525">
+                <a14:hiddenLine xmlns:a14="http://schemas.microsoft.com/office/drawing/2010/main" xmlns="" w="9525">
                   <a:solidFill>
                     <a:srgbClr val="000000"/>
                   </a:solidFill>
@@ -1348,7 +1349,7 @@
             </a:ln>
             <a:extLst>
               <a:ext uri="{91240B29-F687-4f45-9708-019B960494DF}">
-                <a14:hiddenLine xmlns="" xmlns:a14="http://schemas.microsoft.com/office/drawing/2010/main" w="9525">
+                <a14:hiddenLine xmlns:a14="http://schemas.microsoft.com/office/drawing/2010/main" xmlns="" w="9525">
                   <a:solidFill>
                     <a:srgbClr val="000000"/>
                   </a:solidFill>
@@ -1438,7 +1439,7 @@
             </a:ln>
             <a:extLst>
               <a:ext uri="{91240B29-F687-4f45-9708-019B960494DF}">
-                <a14:hiddenLine xmlns="" xmlns:a14="http://schemas.microsoft.com/office/drawing/2010/main" w="9525">
+                <a14:hiddenLine xmlns:a14="http://schemas.microsoft.com/office/drawing/2010/main" xmlns="" w="9525">
                   <a:solidFill>
                     <a:srgbClr val="000000"/>
                   </a:solidFill>
@@ -1500,7 +1501,7 @@
             </a:ln>
             <a:extLst>
               <a:ext uri="{91240B29-F687-4f45-9708-019B960494DF}">
-                <a14:hiddenLine xmlns="" xmlns:a14="http://schemas.microsoft.com/office/drawing/2010/main" w="9525">
+                <a14:hiddenLine xmlns:a14="http://schemas.microsoft.com/office/drawing/2010/main" xmlns="" w="9525">
                   <a:solidFill>
                     <a:srgbClr val="000000"/>
                   </a:solidFill>
@@ -1562,7 +1563,7 @@
             </a:ln>
             <a:extLst>
               <a:ext uri="{91240B29-F687-4f45-9708-019B960494DF}">
-                <a14:hiddenLine xmlns="" xmlns:a14="http://schemas.microsoft.com/office/drawing/2010/main" w="9525">
+                <a14:hiddenLine xmlns:a14="http://schemas.microsoft.com/office/drawing/2010/main" xmlns="" w="9525">
                   <a:solidFill>
                     <a:srgbClr val="000000"/>
                   </a:solidFill>
@@ -1652,7 +1653,7 @@
             </a:ln>
             <a:extLst>
               <a:ext uri="{91240B29-F687-4f45-9708-019B960494DF}">
-                <a14:hiddenLine xmlns="" xmlns:a14="http://schemas.microsoft.com/office/drawing/2010/main" w="9525">
+                <a14:hiddenLine xmlns:a14="http://schemas.microsoft.com/office/drawing/2010/main" xmlns="" w="9525">
                   <a:solidFill>
                     <a:srgbClr val="000000"/>
                   </a:solidFill>
@@ -1714,7 +1715,7 @@
             </a:ln>
             <a:extLst>
               <a:ext uri="{91240B29-F687-4f45-9708-019B960494DF}">
-                <a14:hiddenLine xmlns="" xmlns:a14="http://schemas.microsoft.com/office/drawing/2010/main" w="9525">
+                <a14:hiddenLine xmlns:a14="http://schemas.microsoft.com/office/drawing/2010/main" xmlns="" w="9525">
                   <a:solidFill>
                     <a:srgbClr val="000000"/>
                   </a:solidFill>
@@ -1776,7 +1777,7 @@
             </a:ln>
             <a:extLst>
               <a:ext uri="{91240B29-F687-4f45-9708-019B960494DF}">
-                <a14:hiddenLine xmlns="" xmlns:a14="http://schemas.microsoft.com/office/drawing/2010/main" w="9525">
+                <a14:hiddenLine xmlns:a14="http://schemas.microsoft.com/office/drawing/2010/main" xmlns="" w="9525">
                   <a:solidFill>
                     <a:srgbClr val="000000"/>
                   </a:solidFill>
@@ -1866,7 +1867,7 @@
             </a:ln>
             <a:extLst>
               <a:ext uri="{91240B29-F687-4f45-9708-019B960494DF}">
-                <a14:hiddenLine xmlns="" xmlns:a14="http://schemas.microsoft.com/office/drawing/2010/main" w="9525">
+                <a14:hiddenLine xmlns:a14="http://schemas.microsoft.com/office/drawing/2010/main" xmlns="" w="9525">
                   <a:solidFill>
                     <a:srgbClr val="000000"/>
                   </a:solidFill>
@@ -1956,7 +1957,7 @@
             </a:ln>
             <a:extLst>
               <a:ext uri="{91240B29-F687-4f45-9708-019B960494DF}">
-                <a14:hiddenLine xmlns="" xmlns:a14="http://schemas.microsoft.com/office/drawing/2010/main" w="9525">
+                <a14:hiddenLine xmlns:a14="http://schemas.microsoft.com/office/drawing/2010/main" xmlns="" w="9525">
                   <a:solidFill>
                     <a:srgbClr val="000000"/>
                   </a:solidFill>
@@ -2018,7 +2019,7 @@
             </a:ln>
             <a:extLst>
               <a:ext uri="{91240B29-F687-4f45-9708-019B960494DF}">
-                <a14:hiddenLine xmlns="" xmlns:a14="http://schemas.microsoft.com/office/drawing/2010/main" w="9525">
+                <a14:hiddenLine xmlns:a14="http://schemas.microsoft.com/office/drawing/2010/main" xmlns="" w="9525">
                   <a:solidFill>
                     <a:srgbClr val="000000"/>
                   </a:solidFill>
@@ -2128,7 +2129,7 @@
             </a:ln>
             <a:extLst>
               <a:ext uri="{91240B29-F687-4f45-9708-019B960494DF}">
-                <a14:hiddenLine xmlns="" xmlns:a14="http://schemas.microsoft.com/office/drawing/2010/main" w="9525">
+                <a14:hiddenLine xmlns:a14="http://schemas.microsoft.com/office/drawing/2010/main" xmlns="" w="9525">
                   <a:solidFill>
                     <a:srgbClr val="000000"/>
                   </a:solidFill>
@@ -2190,7 +2191,7 @@
             </a:ln>
             <a:extLst>
               <a:ext uri="{91240B29-F687-4f45-9708-019B960494DF}">
-                <a14:hiddenLine xmlns="" xmlns:a14="http://schemas.microsoft.com/office/drawing/2010/main" w="9525">
+                <a14:hiddenLine xmlns:a14="http://schemas.microsoft.com/office/drawing/2010/main" xmlns="" w="9525">
                   <a:solidFill>
                     <a:srgbClr val="000000"/>
                   </a:solidFill>
@@ -2280,7 +2281,7 @@
             </a:ln>
             <a:extLst>
               <a:ext uri="{91240B29-F687-4f45-9708-019B960494DF}">
-                <a14:hiddenLine xmlns="" xmlns:a14="http://schemas.microsoft.com/office/drawing/2010/main" w="9525">
+                <a14:hiddenLine xmlns:a14="http://schemas.microsoft.com/office/drawing/2010/main" xmlns="" w="9525">
                   <a:solidFill>
                     <a:srgbClr val="000000"/>
                   </a:solidFill>
@@ -2370,7 +2371,7 @@
             </a:ln>
             <a:extLst>
               <a:ext uri="{91240B29-F687-4f45-9708-019B960494DF}">
-                <a14:hiddenLine xmlns="" xmlns:a14="http://schemas.microsoft.com/office/drawing/2010/main" w="9525">
+                <a14:hiddenLine xmlns:a14="http://schemas.microsoft.com/office/drawing/2010/main" xmlns="" w="9525">
                   <a:solidFill>
                     <a:srgbClr val="000000"/>
                   </a:solidFill>
@@ -2432,7 +2433,7 @@
             </a:ln>
             <a:extLst>
               <a:ext uri="{91240B29-F687-4f45-9708-019B960494DF}">
-                <a14:hiddenLine xmlns="" xmlns:a14="http://schemas.microsoft.com/office/drawing/2010/main" w="9525">
+                <a14:hiddenLine xmlns:a14="http://schemas.microsoft.com/office/drawing/2010/main" xmlns="" w="9525">
                   <a:solidFill>
                     <a:srgbClr val="000000"/>
                   </a:solidFill>
@@ -2522,7 +2523,7 @@
             </a:ln>
             <a:extLst>
               <a:ext uri="{91240B29-F687-4f45-9708-019B960494DF}">
-                <a14:hiddenLine xmlns="" xmlns:a14="http://schemas.microsoft.com/office/drawing/2010/main" w="9525">
+                <a14:hiddenLine xmlns:a14="http://schemas.microsoft.com/office/drawing/2010/main" xmlns="" w="9525">
                   <a:solidFill>
                     <a:srgbClr val="000000"/>
                   </a:solidFill>
@@ -2612,7 +2613,7 @@
             </a:ln>
             <a:extLst>
               <a:ext uri="{91240B29-F687-4f45-9708-019B960494DF}">
-                <a14:hiddenLine xmlns="" xmlns:a14="http://schemas.microsoft.com/office/drawing/2010/main" w="9525">
+                <a14:hiddenLine xmlns:a14="http://schemas.microsoft.com/office/drawing/2010/main" xmlns="" w="9525">
                   <a:solidFill>
                     <a:srgbClr val="000000"/>
                   </a:solidFill>
@@ -2668,7 +2669,7 @@
             </a:ln>
             <a:extLst>
               <a:ext uri="{91240B29-F687-4f45-9708-019B960494DF}">
-                <a14:hiddenLine xmlns="" xmlns:a14="http://schemas.microsoft.com/office/drawing/2010/main" w="9525">
+                <a14:hiddenLine xmlns:a14="http://schemas.microsoft.com/office/drawing/2010/main" xmlns="" w="9525">
                   <a:solidFill>
                     <a:srgbClr val="000000"/>
                   </a:solidFill>
@@ -2758,7 +2759,7 @@
             </a:ln>
             <a:extLst>
               <a:ext uri="{91240B29-F687-4f45-9708-019B960494DF}">
-                <a14:hiddenLine xmlns="" xmlns:a14="http://schemas.microsoft.com/office/drawing/2010/main" w="9525">
+                <a14:hiddenLine xmlns:a14="http://schemas.microsoft.com/office/drawing/2010/main" xmlns="" w="9525">
                   <a:solidFill>
                     <a:srgbClr val="000000"/>
                   </a:solidFill>
@@ -2814,7 +2815,7 @@
             </a:ln>
             <a:extLst>
               <a:ext uri="{91240B29-F687-4f45-9708-019B960494DF}">
-                <a14:hiddenLine xmlns="" xmlns:a14="http://schemas.microsoft.com/office/drawing/2010/main" w="9525">
+                <a14:hiddenLine xmlns:a14="http://schemas.microsoft.com/office/drawing/2010/main" xmlns="" w="9525">
                   <a:solidFill>
                     <a:srgbClr val="000000"/>
                   </a:solidFill>
@@ -2904,7 +2905,7 @@
             </a:ln>
             <a:extLst>
               <a:ext uri="{91240B29-F687-4f45-9708-019B960494DF}">
-                <a14:hiddenLine xmlns="" xmlns:a14="http://schemas.microsoft.com/office/drawing/2010/main" w="9525">
+                <a14:hiddenLine xmlns:a14="http://schemas.microsoft.com/office/drawing/2010/main" xmlns="" w="9525">
                   <a:solidFill>
                     <a:srgbClr val="000000"/>
                   </a:solidFill>
@@ -2972,7 +2973,7 @@
             </a:ln>
             <a:extLst>
               <a:ext uri="{91240B29-F687-4f45-9708-019B960494DF}">
-                <a14:hiddenLine xmlns="" xmlns:a14="http://schemas.microsoft.com/office/drawing/2010/main" w="9525">
+                <a14:hiddenLine xmlns:a14="http://schemas.microsoft.com/office/drawing/2010/main" xmlns="" w="9525">
                   <a:solidFill>
                     <a:srgbClr val="000000"/>
                   </a:solidFill>
@@ -3062,7 +3063,7 @@
             </a:ln>
             <a:extLst>
               <a:ext uri="{91240B29-F687-4f45-9708-019B960494DF}">
-                <a14:hiddenLine xmlns="" xmlns:a14="http://schemas.microsoft.com/office/drawing/2010/main" w="9525">
+                <a14:hiddenLine xmlns:a14="http://schemas.microsoft.com/office/drawing/2010/main" xmlns="" w="9525">
                   <a:solidFill>
                     <a:srgbClr val="000000"/>
                   </a:solidFill>
@@ -3130,7 +3131,7 @@
             </a:ln>
             <a:extLst>
               <a:ext uri="{91240B29-F687-4f45-9708-019B960494DF}">
-                <a14:hiddenLine xmlns="" xmlns:a14="http://schemas.microsoft.com/office/drawing/2010/main" w="9525">
+                <a14:hiddenLine xmlns:a14="http://schemas.microsoft.com/office/drawing/2010/main" xmlns="" w="9525">
                   <a:solidFill>
                     <a:srgbClr val="000000"/>
                   </a:solidFill>
@@ -3220,7 +3221,7 @@
             </a:ln>
             <a:extLst>
               <a:ext uri="{91240B29-F687-4f45-9708-019B960494DF}">
-                <a14:hiddenLine xmlns="" xmlns:a14="http://schemas.microsoft.com/office/drawing/2010/main" w="9525">
+                <a14:hiddenLine xmlns:a14="http://schemas.microsoft.com/office/drawing/2010/main" xmlns="" w="9525">
                   <a:solidFill>
                     <a:srgbClr val="000000"/>
                   </a:solidFill>
@@ -3254,7 +3255,7 @@
             </a:ln>
             <a:extLst>
               <a:ext uri="{91240B29-F687-4f45-9708-019B960494DF}">
-                <a14:hiddenLine xmlns="" xmlns:a14="http://schemas.microsoft.com/office/drawing/2010/main" w="9525">
+                <a14:hiddenLine xmlns:a14="http://schemas.microsoft.com/office/drawing/2010/main" xmlns="" w="9525">
                   <a:solidFill>
                     <a:srgbClr val="000000"/>
                   </a:solidFill>
@@ -3344,7 +3345,7 @@
             </a:ln>
             <a:extLst>
               <a:ext uri="{91240B29-F687-4f45-9708-019B960494DF}">
-                <a14:hiddenLine xmlns="" xmlns:a14="http://schemas.microsoft.com/office/drawing/2010/main" w="9525">
+                <a14:hiddenLine xmlns:a14="http://schemas.microsoft.com/office/drawing/2010/main" xmlns="" w="9525">
                   <a:solidFill>
                     <a:srgbClr val="000000"/>
                   </a:solidFill>
@@ -3406,7 +3407,7 @@
             </a:ln>
             <a:extLst>
               <a:ext uri="{91240B29-F687-4f45-9708-019B960494DF}">
-                <a14:hiddenLine xmlns="" xmlns:a14="http://schemas.microsoft.com/office/drawing/2010/main" w="9525">
+                <a14:hiddenLine xmlns:a14="http://schemas.microsoft.com/office/drawing/2010/main" xmlns="" w="9525">
                   <a:solidFill>
                     <a:srgbClr val="000000"/>
                   </a:solidFill>
@@ -3468,7 +3469,7 @@
             </a:ln>
             <a:extLst>
               <a:ext uri="{91240B29-F687-4f45-9708-019B960494DF}">
-                <a14:hiddenLine xmlns="" xmlns:a14="http://schemas.microsoft.com/office/drawing/2010/main" w="9525">
+                <a14:hiddenLine xmlns:a14="http://schemas.microsoft.com/office/drawing/2010/main" xmlns="" w="9525">
                   <a:solidFill>
                     <a:srgbClr val="000000"/>
                   </a:solidFill>
@@ -3558,7 +3559,7 @@
             </a:ln>
             <a:extLst>
               <a:ext uri="{91240B29-F687-4f45-9708-019B960494DF}">
-                <a14:hiddenLine xmlns="" xmlns:a14="http://schemas.microsoft.com/office/drawing/2010/main" w="9525">
+                <a14:hiddenLine xmlns:a14="http://schemas.microsoft.com/office/drawing/2010/main" xmlns="" w="9525">
                   <a:solidFill>
                     <a:srgbClr val="000000"/>
                   </a:solidFill>
@@ -3626,7 +3627,7 @@
             </a:ln>
             <a:extLst>
               <a:ext uri="{91240B29-F687-4f45-9708-019B960494DF}">
-                <a14:hiddenLine xmlns="" xmlns:a14="http://schemas.microsoft.com/office/drawing/2010/main" w="9525">
+                <a14:hiddenLine xmlns:a14="http://schemas.microsoft.com/office/drawing/2010/main" xmlns="" w="9525">
                   <a:solidFill>
                     <a:srgbClr val="000000"/>
                   </a:solidFill>
@@ -3688,7 +3689,7 @@
             </a:ln>
             <a:extLst>
               <a:ext uri="{91240B29-F687-4f45-9708-019B960494DF}">
-                <a14:hiddenLine xmlns="" xmlns:a14="http://schemas.microsoft.com/office/drawing/2010/main" w="9525">
+                <a14:hiddenLine xmlns:a14="http://schemas.microsoft.com/office/drawing/2010/main" xmlns="" w="9525">
                   <a:solidFill>
                     <a:srgbClr val="000000"/>
                   </a:solidFill>
@@ -3778,7 +3779,7 @@
             </a:ln>
             <a:extLst>
               <a:ext uri="{91240B29-F687-4f45-9708-019B960494DF}">
-                <a14:hiddenLine xmlns="" xmlns:a14="http://schemas.microsoft.com/office/drawing/2010/main" w="9525">
+                <a14:hiddenLine xmlns:a14="http://schemas.microsoft.com/office/drawing/2010/main" xmlns="" w="9525">
                   <a:solidFill>
                     <a:srgbClr val="000000"/>
                   </a:solidFill>
@@ -3840,7 +3841,7 @@
             </a:ln>
             <a:extLst>
               <a:ext uri="{91240B29-F687-4f45-9708-019B960494DF}">
-                <a14:hiddenLine xmlns="" xmlns:a14="http://schemas.microsoft.com/office/drawing/2010/main" w="9525">
+                <a14:hiddenLine xmlns:a14="http://schemas.microsoft.com/office/drawing/2010/main" xmlns="" w="9525">
                   <a:solidFill>
                     <a:srgbClr val="000000"/>
                   </a:solidFill>
@@ -3930,7 +3931,7 @@
             </a:ln>
             <a:extLst>
               <a:ext uri="{91240B29-F687-4f45-9708-019B960494DF}">
-                <a14:hiddenLine xmlns="" xmlns:a14="http://schemas.microsoft.com/office/drawing/2010/main" w="9525">
+                <a14:hiddenLine xmlns:a14="http://schemas.microsoft.com/office/drawing/2010/main" xmlns="" w="9525">
                   <a:solidFill>
                     <a:srgbClr val="000000"/>
                   </a:solidFill>
@@ -3992,7 +3993,7 @@
             </a:ln>
             <a:extLst>
               <a:ext uri="{91240B29-F687-4f45-9708-019B960494DF}">
-                <a14:hiddenLine xmlns="" xmlns:a14="http://schemas.microsoft.com/office/drawing/2010/main" w="9525">
+                <a14:hiddenLine xmlns:a14="http://schemas.microsoft.com/office/drawing/2010/main" xmlns="" w="9525">
                   <a:solidFill>
                     <a:srgbClr val="000000"/>
                   </a:solidFill>
@@ -4082,7 +4083,7 @@
             </a:ln>
             <a:extLst>
               <a:ext uri="{91240B29-F687-4f45-9708-019B960494DF}">
-                <a14:hiddenLine xmlns="" xmlns:a14="http://schemas.microsoft.com/office/drawing/2010/main" w="9525">
+                <a14:hiddenLine xmlns:a14="http://schemas.microsoft.com/office/drawing/2010/main" xmlns="" w="9525">
                   <a:solidFill>
                     <a:srgbClr val="000000"/>
                   </a:solidFill>
@@ -4116,7 +4117,7 @@
             </a:ln>
             <a:extLst>
               <a:ext uri="{91240B29-F687-4f45-9708-019B960494DF}">
-                <a14:hiddenLine xmlns="" xmlns:a14="http://schemas.microsoft.com/office/drawing/2010/main" w="9525">
+                <a14:hiddenLine xmlns:a14="http://schemas.microsoft.com/office/drawing/2010/main" xmlns="" w="9525">
                   <a:solidFill>
                     <a:srgbClr val="000000"/>
                   </a:solidFill>
@@ -4181,7 +4182,7 @@
             </a:ln>
             <a:extLst>
               <a:ext uri="{91240B29-F687-4f45-9708-019B960494DF}">
-                <a14:hiddenLine xmlns="" xmlns:a14="http://schemas.microsoft.com/office/drawing/2010/main" w="9525">
+                <a14:hiddenLine xmlns:a14="http://schemas.microsoft.com/office/drawing/2010/main" xmlns="" w="9525">
                   <a:solidFill>
                     <a:srgbClr val="000000"/>
                   </a:solidFill>
@@ -4271,7 +4272,7 @@
             </a:ln>
             <a:extLst>
               <a:ext uri="{91240B29-F687-4f45-9708-019B960494DF}">
-                <a14:hiddenLine xmlns="" xmlns:a14="http://schemas.microsoft.com/office/drawing/2010/main" w="9525">
+                <a14:hiddenLine xmlns:a14="http://schemas.microsoft.com/office/drawing/2010/main" xmlns="" w="9525">
                   <a:solidFill>
                     <a:srgbClr val="000000"/>
                   </a:solidFill>
@@ -4333,7 +4334,7 @@
             </a:ln>
             <a:extLst>
               <a:ext uri="{91240B29-F687-4f45-9708-019B960494DF}">
-                <a14:hiddenLine xmlns="" xmlns:a14="http://schemas.microsoft.com/office/drawing/2010/main" w="9525">
+                <a14:hiddenLine xmlns:a14="http://schemas.microsoft.com/office/drawing/2010/main" xmlns="" w="9525">
                   <a:solidFill>
                     <a:srgbClr val="000000"/>
                   </a:solidFill>
@@ -4423,7 +4424,7 @@
             </a:ln>
             <a:extLst>
               <a:ext uri="{91240B29-F687-4f45-9708-019B960494DF}">
-                <a14:hiddenLine xmlns="" xmlns:a14="http://schemas.microsoft.com/office/drawing/2010/main" w="9525">
+                <a14:hiddenLine xmlns:a14="http://schemas.microsoft.com/office/drawing/2010/main" xmlns="" w="9525">
                   <a:solidFill>
                     <a:srgbClr val="000000"/>
                   </a:solidFill>
@@ -4513,7 +4514,7 @@
             </a:ln>
             <a:extLst>
               <a:ext uri="{91240B29-F687-4f45-9708-019B960494DF}">
-                <a14:hiddenLine xmlns="" xmlns:a14="http://schemas.microsoft.com/office/drawing/2010/main" w="9525">
+                <a14:hiddenLine xmlns:a14="http://schemas.microsoft.com/office/drawing/2010/main" xmlns="" w="9525">
                   <a:solidFill>
                     <a:srgbClr val="000000"/>
                   </a:solidFill>
@@ -4578,7 +4579,7 @@
             </a:ln>
             <a:extLst>
               <a:ext uri="{91240B29-F687-4f45-9708-019B960494DF}">
-                <a14:hiddenLine xmlns="" xmlns:a14="http://schemas.microsoft.com/office/drawing/2010/main" w="9525">
+                <a14:hiddenLine xmlns:a14="http://schemas.microsoft.com/office/drawing/2010/main" xmlns="" w="9525">
                   <a:solidFill>
                     <a:srgbClr val="000000"/>
                   </a:solidFill>
@@ -4640,7 +4641,7 @@
             </a:ln>
             <a:extLst>
               <a:ext uri="{91240B29-F687-4f45-9708-019B960494DF}">
-                <a14:hiddenLine xmlns="" xmlns:a14="http://schemas.microsoft.com/office/drawing/2010/main" w="9525">
+                <a14:hiddenLine xmlns:a14="http://schemas.microsoft.com/office/drawing/2010/main" xmlns="" w="9525">
                   <a:solidFill>
                     <a:srgbClr val="000000"/>
                   </a:solidFill>
@@ -4730,7 +4731,7 @@
             </a:ln>
             <a:extLst>
               <a:ext uri="{91240B29-F687-4f45-9708-019B960494DF}">
-                <a14:hiddenLine xmlns="" xmlns:a14="http://schemas.microsoft.com/office/drawing/2010/main" w="9525">
+                <a14:hiddenLine xmlns:a14="http://schemas.microsoft.com/office/drawing/2010/main" xmlns="" w="9525">
                   <a:solidFill>
                     <a:srgbClr val="000000"/>
                   </a:solidFill>
@@ -4820,7 +4821,7 @@
             </a:ln>
             <a:extLst>
               <a:ext uri="{91240B29-F687-4f45-9708-019B960494DF}">
-                <a14:hiddenLine xmlns="" xmlns:a14="http://schemas.microsoft.com/office/drawing/2010/main" w="9525">
+                <a14:hiddenLine xmlns:a14="http://schemas.microsoft.com/office/drawing/2010/main" xmlns="" w="9525">
                   <a:solidFill>
                     <a:srgbClr val="000000"/>
                   </a:solidFill>
@@ -4882,7 +4883,7 @@
             </a:ln>
             <a:extLst>
               <a:ext uri="{91240B29-F687-4f45-9708-019B960494DF}">
-                <a14:hiddenLine xmlns="" xmlns:a14="http://schemas.microsoft.com/office/drawing/2010/main" w="9525">
+                <a14:hiddenLine xmlns:a14="http://schemas.microsoft.com/office/drawing/2010/main" xmlns="" w="9525">
                   <a:solidFill>
                     <a:srgbClr val="000000"/>
                   </a:solidFill>
@@ -5002,7 +5003,7 @@
             </a:ln>
             <a:extLst>
               <a:ext uri="{91240B29-F687-4f45-9708-019B960494DF}">
-                <a14:hiddenLine xmlns="" xmlns:a14="http://schemas.microsoft.com/office/drawing/2010/main" w="9525">
+                <a14:hiddenLine xmlns:a14="http://schemas.microsoft.com/office/drawing/2010/main" xmlns="" w="9525">
                   <a:solidFill>
                     <a:srgbClr val="000000"/>
                   </a:solidFill>
@@ -5070,7 +5071,7 @@
             </a:ln>
             <a:extLst>
               <a:ext uri="{91240B29-F687-4f45-9708-019B960494DF}">
-                <a14:hiddenLine xmlns="" xmlns:a14="http://schemas.microsoft.com/office/drawing/2010/main" w="9525">
+                <a14:hiddenLine xmlns:a14="http://schemas.microsoft.com/office/drawing/2010/main" xmlns="" w="9525">
                   <a:solidFill>
                     <a:srgbClr val="000000"/>
                   </a:solidFill>
@@ -5160,7 +5161,7 @@
             </a:ln>
             <a:extLst>
               <a:ext uri="{91240B29-F687-4f45-9708-019B960494DF}">
-                <a14:hiddenLine xmlns="" xmlns:a14="http://schemas.microsoft.com/office/drawing/2010/main" w="9525">
+                <a14:hiddenLine xmlns:a14="http://schemas.microsoft.com/office/drawing/2010/main" xmlns="" w="9525">
                   <a:solidFill>
                     <a:srgbClr val="000000"/>
                   </a:solidFill>
@@ -10664,7 +10665,7 @@
           <a:noFill/>
           <a:extLst>
             <a:ext uri="{909E8E84-426E-40dd-AFC4-6F175D3DCCD1}">
-              <a14:hiddenFill xmlns="" xmlns:a14="http://schemas.microsoft.com/office/drawing/2010/main">
+              <a14:hiddenFill xmlns:a14="http://schemas.microsoft.com/office/drawing/2010/main" xmlns="">
                 <a:solidFill>
                   <a:srgbClr val="FFFFFF"/>
                 </a:solidFill>
@@ -10738,7 +10739,7 @@
               </a:ln>
               <a:extLst>
                 <a:ext uri="{91240B29-F687-4f45-9708-019B960494DF}">
-                  <a14:hiddenLine xmlns="" xmlns:a14="http://schemas.microsoft.com/office/drawing/2010/main" w="9525">
+                  <a14:hiddenLine xmlns:a14="http://schemas.microsoft.com/office/drawing/2010/main" xmlns="" w="9525">
                     <a:solidFill>
                       <a:srgbClr val="000000"/>
                     </a:solidFill>
@@ -10828,7 +10829,7 @@
               </a:ln>
               <a:extLst>
                 <a:ext uri="{91240B29-F687-4f45-9708-019B960494DF}">
-                  <a14:hiddenLine xmlns="" xmlns:a14="http://schemas.microsoft.com/office/drawing/2010/main" w="9525">
+                  <a14:hiddenLine xmlns:a14="http://schemas.microsoft.com/office/drawing/2010/main" xmlns="" w="9525">
                     <a:solidFill>
                       <a:srgbClr val="000000"/>
                     </a:solidFill>
@@ -10918,7 +10919,7 @@
               </a:ln>
               <a:extLst>
                 <a:ext uri="{91240B29-F687-4f45-9708-019B960494DF}">
-                  <a14:hiddenLine xmlns="" xmlns:a14="http://schemas.microsoft.com/office/drawing/2010/main" w="9525">
+                  <a14:hiddenLine xmlns:a14="http://schemas.microsoft.com/office/drawing/2010/main" xmlns="" w="9525">
                     <a:solidFill>
                       <a:srgbClr val="000000"/>
                     </a:solidFill>
@@ -10980,7 +10981,7 @@
               </a:ln>
               <a:extLst>
                 <a:ext uri="{91240B29-F687-4f45-9708-019B960494DF}">
-                  <a14:hiddenLine xmlns="" xmlns:a14="http://schemas.microsoft.com/office/drawing/2010/main" w="9525">
+                  <a14:hiddenLine xmlns:a14="http://schemas.microsoft.com/office/drawing/2010/main" xmlns="" w="9525">
                     <a:solidFill>
                       <a:srgbClr val="000000"/>
                     </a:solidFill>
@@ -11070,7 +11071,7 @@
               </a:ln>
               <a:extLst>
                 <a:ext uri="{91240B29-F687-4f45-9708-019B960494DF}">
-                  <a14:hiddenLine xmlns="" xmlns:a14="http://schemas.microsoft.com/office/drawing/2010/main" w="9525">
+                  <a14:hiddenLine xmlns:a14="http://schemas.microsoft.com/office/drawing/2010/main" xmlns="" w="9525">
                     <a:solidFill>
                       <a:srgbClr val="000000"/>
                     </a:solidFill>
@@ -11132,7 +11133,7 @@
               </a:ln>
               <a:extLst>
                 <a:ext uri="{91240B29-F687-4f45-9708-019B960494DF}">
-                  <a14:hiddenLine xmlns="" xmlns:a14="http://schemas.microsoft.com/office/drawing/2010/main" w="9525">
+                  <a14:hiddenLine xmlns:a14="http://schemas.microsoft.com/office/drawing/2010/main" xmlns="" w="9525">
                     <a:solidFill>
                       <a:srgbClr val="000000"/>
                     </a:solidFill>
@@ -11194,7 +11195,7 @@
               </a:ln>
               <a:extLst>
                 <a:ext uri="{91240B29-F687-4f45-9708-019B960494DF}">
-                  <a14:hiddenLine xmlns="" xmlns:a14="http://schemas.microsoft.com/office/drawing/2010/main" w="9525">
+                  <a14:hiddenLine xmlns:a14="http://schemas.microsoft.com/office/drawing/2010/main" xmlns="" w="9525">
                     <a:solidFill>
                       <a:srgbClr val="000000"/>
                     </a:solidFill>
@@ -11284,7 +11285,7 @@
               </a:ln>
               <a:extLst>
                 <a:ext uri="{91240B29-F687-4f45-9708-019B960494DF}">
-                  <a14:hiddenLine xmlns="" xmlns:a14="http://schemas.microsoft.com/office/drawing/2010/main" w="9525">
+                  <a14:hiddenLine xmlns:a14="http://schemas.microsoft.com/office/drawing/2010/main" xmlns="" w="9525">
                     <a:solidFill>
                       <a:srgbClr val="000000"/>
                     </a:solidFill>
@@ -11374,7 +11375,7 @@
               </a:ln>
               <a:extLst>
                 <a:ext uri="{91240B29-F687-4f45-9708-019B960494DF}">
-                  <a14:hiddenLine xmlns="" xmlns:a14="http://schemas.microsoft.com/office/drawing/2010/main" w="9525">
+                  <a14:hiddenLine xmlns:a14="http://schemas.microsoft.com/office/drawing/2010/main" xmlns="" w="9525">
                     <a:solidFill>
                       <a:srgbClr val="000000"/>
                     </a:solidFill>
@@ -11436,7 +11437,7 @@
               </a:ln>
               <a:extLst>
                 <a:ext uri="{91240B29-F687-4f45-9708-019B960494DF}">
-                  <a14:hiddenLine xmlns="" xmlns:a14="http://schemas.microsoft.com/office/drawing/2010/main" w="9525">
+                  <a14:hiddenLine xmlns:a14="http://schemas.microsoft.com/office/drawing/2010/main" xmlns="" w="9525">
                     <a:solidFill>
                       <a:srgbClr val="000000"/>
                     </a:solidFill>
@@ -11546,7 +11547,7 @@
               </a:ln>
               <a:extLst>
                 <a:ext uri="{91240B29-F687-4f45-9708-019B960494DF}">
-                  <a14:hiddenLine xmlns="" xmlns:a14="http://schemas.microsoft.com/office/drawing/2010/main" w="9525">
+                  <a14:hiddenLine xmlns:a14="http://schemas.microsoft.com/office/drawing/2010/main" xmlns="" w="9525">
                     <a:solidFill>
                       <a:srgbClr val="000000"/>
                     </a:solidFill>
@@ -11630,7 +11631,7 @@
               </a:ln>
               <a:extLst>
                 <a:ext uri="{91240B29-F687-4f45-9708-019B960494DF}">
-                  <a14:hiddenLine xmlns="" xmlns:a14="http://schemas.microsoft.com/office/drawing/2010/main" w="9525">
+                  <a14:hiddenLine xmlns:a14="http://schemas.microsoft.com/office/drawing/2010/main" xmlns="" w="9525">
                     <a:solidFill>
                       <a:srgbClr val="000000"/>
                     </a:solidFill>
@@ -11692,7 +11693,7 @@
               </a:ln>
               <a:extLst>
                 <a:ext uri="{91240B29-F687-4f45-9708-019B960494DF}">
-                  <a14:hiddenLine xmlns="" xmlns:a14="http://schemas.microsoft.com/office/drawing/2010/main" w="9525">
+                  <a14:hiddenLine xmlns:a14="http://schemas.microsoft.com/office/drawing/2010/main" xmlns="" w="9525">
                     <a:solidFill>
                       <a:srgbClr val="000000"/>
                     </a:solidFill>
@@ -11754,7 +11755,7 @@
               </a:ln>
               <a:extLst>
                 <a:ext uri="{91240B29-F687-4f45-9708-019B960494DF}">
-                  <a14:hiddenLine xmlns="" xmlns:a14="http://schemas.microsoft.com/office/drawing/2010/main" w="9525">
+                  <a14:hiddenLine xmlns:a14="http://schemas.microsoft.com/office/drawing/2010/main" xmlns="" w="9525">
                     <a:solidFill>
                       <a:srgbClr val="000000"/>
                     </a:solidFill>
@@ -11844,7 +11845,7 @@
               </a:ln>
               <a:extLst>
                 <a:ext uri="{91240B29-F687-4f45-9708-019B960494DF}">
-                  <a14:hiddenLine xmlns="" xmlns:a14="http://schemas.microsoft.com/office/drawing/2010/main" w="9525">
+                  <a14:hiddenLine xmlns:a14="http://schemas.microsoft.com/office/drawing/2010/main" xmlns="" w="9525">
                     <a:solidFill>
                       <a:srgbClr val="000000"/>
                     </a:solidFill>
@@ -11878,7 +11879,7 @@
               </a:ln>
               <a:extLst>
                 <a:ext uri="{91240B29-F687-4f45-9708-019B960494DF}">
-                  <a14:hiddenLine xmlns="" xmlns:a14="http://schemas.microsoft.com/office/drawing/2010/main" w="9525">
+                  <a14:hiddenLine xmlns:a14="http://schemas.microsoft.com/office/drawing/2010/main" xmlns="" w="9525">
                     <a:solidFill>
                       <a:srgbClr val="000000"/>
                     </a:solidFill>
@@ -11943,7 +11944,7 @@
               </a:ln>
               <a:extLst>
                 <a:ext uri="{91240B29-F687-4f45-9708-019B960494DF}">
-                  <a14:hiddenLine xmlns="" xmlns:a14="http://schemas.microsoft.com/office/drawing/2010/main" w="9525">
+                  <a14:hiddenLine xmlns:a14="http://schemas.microsoft.com/office/drawing/2010/main" xmlns="" w="9525">
                     <a:solidFill>
                       <a:srgbClr val="000000"/>
                     </a:solidFill>
@@ -12033,7 +12034,7 @@
               </a:ln>
               <a:extLst>
                 <a:ext uri="{91240B29-F687-4f45-9708-019B960494DF}">
-                  <a14:hiddenLine xmlns="" xmlns:a14="http://schemas.microsoft.com/office/drawing/2010/main" w="9525">
+                  <a14:hiddenLine xmlns:a14="http://schemas.microsoft.com/office/drawing/2010/main" xmlns="" w="9525">
                     <a:solidFill>
                       <a:srgbClr val="000000"/>
                     </a:solidFill>
@@ -12095,7 +12096,7 @@
               </a:ln>
               <a:extLst>
                 <a:ext uri="{91240B29-F687-4f45-9708-019B960494DF}">
-                  <a14:hiddenLine xmlns="" xmlns:a14="http://schemas.microsoft.com/office/drawing/2010/main" w="9525">
+                  <a14:hiddenLine xmlns:a14="http://schemas.microsoft.com/office/drawing/2010/main" xmlns="" w="9525">
                     <a:solidFill>
                       <a:srgbClr val="000000"/>
                     </a:solidFill>
@@ -12185,7 +12186,7 @@
               </a:ln>
               <a:extLst>
                 <a:ext uri="{91240B29-F687-4f45-9708-019B960494DF}">
-                  <a14:hiddenLine xmlns="" xmlns:a14="http://schemas.microsoft.com/office/drawing/2010/main" w="9525">
+                  <a14:hiddenLine xmlns:a14="http://schemas.microsoft.com/office/drawing/2010/main" xmlns="" w="9525">
                     <a:solidFill>
                       <a:srgbClr val="000000"/>
                     </a:solidFill>
@@ -12250,7 +12251,7 @@
               </a:ln>
               <a:extLst>
                 <a:ext uri="{91240B29-F687-4f45-9708-019B960494DF}">
-                  <a14:hiddenLine xmlns="" xmlns:a14="http://schemas.microsoft.com/office/drawing/2010/main" w="9525">
+                  <a14:hiddenLine xmlns:a14="http://schemas.microsoft.com/office/drawing/2010/main" xmlns="" w="9525">
                     <a:solidFill>
                       <a:srgbClr val="000000"/>
                     </a:solidFill>
@@ -12312,7 +12313,7 @@
               </a:ln>
               <a:extLst>
                 <a:ext uri="{91240B29-F687-4f45-9708-019B960494DF}">
-                  <a14:hiddenLine xmlns="" xmlns:a14="http://schemas.microsoft.com/office/drawing/2010/main" w="9525">
+                  <a14:hiddenLine xmlns:a14="http://schemas.microsoft.com/office/drawing/2010/main" xmlns="" w="9525">
                     <a:solidFill>
                       <a:srgbClr val="000000"/>
                     </a:solidFill>
@@ -12402,7 +12403,7 @@
               </a:ln>
               <a:extLst>
                 <a:ext uri="{91240B29-F687-4f45-9708-019B960494DF}">
-                  <a14:hiddenLine xmlns="" xmlns:a14="http://schemas.microsoft.com/office/drawing/2010/main" w="9525">
+                  <a14:hiddenLine xmlns:a14="http://schemas.microsoft.com/office/drawing/2010/main" xmlns="" w="9525">
                     <a:solidFill>
                       <a:srgbClr val="000000"/>
                     </a:solidFill>
@@ -12492,7 +12493,7 @@
               </a:ln>
               <a:extLst>
                 <a:ext uri="{91240B29-F687-4f45-9708-019B960494DF}">
-                  <a14:hiddenLine xmlns="" xmlns:a14="http://schemas.microsoft.com/office/drawing/2010/main" w="9525">
+                  <a14:hiddenLine xmlns:a14="http://schemas.microsoft.com/office/drawing/2010/main" xmlns="" w="9525">
                     <a:solidFill>
                       <a:srgbClr val="000000"/>
                     </a:solidFill>
@@ -12557,7 +12558,7 @@
               </a:ln>
               <a:extLst>
                 <a:ext uri="{91240B29-F687-4f45-9708-019B960494DF}">
-                  <a14:hiddenLine xmlns="" xmlns:a14="http://schemas.microsoft.com/office/drawing/2010/main" w="9525">
+                  <a14:hiddenLine xmlns:a14="http://schemas.microsoft.com/office/drawing/2010/main" xmlns="" w="9525">
                     <a:solidFill>
                       <a:srgbClr val="000000"/>
                     </a:solidFill>
@@ -12677,7 +12678,7 @@
               </a:ln>
               <a:extLst>
                 <a:ext uri="{91240B29-F687-4f45-9708-019B960494DF}">
-                  <a14:hiddenLine xmlns="" xmlns:a14="http://schemas.microsoft.com/office/drawing/2010/main" w="9525">
+                  <a14:hiddenLine xmlns:a14="http://schemas.microsoft.com/office/drawing/2010/main" xmlns="" w="9525">
                     <a:solidFill>
                       <a:srgbClr val="000000"/>
                     </a:solidFill>
@@ -12758,7 +12759,7 @@
               </a:ln>
               <a:extLst>
                 <a:ext uri="{91240B29-F687-4f45-9708-019B960494DF}">
-                  <a14:hiddenLine xmlns="" xmlns:a14="http://schemas.microsoft.com/office/drawing/2010/main" w="9525">
+                  <a14:hiddenLine xmlns:a14="http://schemas.microsoft.com/office/drawing/2010/main" xmlns="" w="9525">
                     <a:solidFill>
                       <a:srgbClr val="000000"/>
                     </a:solidFill>
@@ -12873,7 +12874,7 @@
               </a:ln>
               <a:extLst>
                 <a:ext uri="{91240B29-F687-4f45-9708-019B960494DF}">
-                  <a14:hiddenLine xmlns="" xmlns:a14="http://schemas.microsoft.com/office/drawing/2010/main" w="9525">
+                  <a14:hiddenLine xmlns:a14="http://schemas.microsoft.com/office/drawing/2010/main" xmlns="" w="9525">
                     <a:solidFill>
                       <a:srgbClr val="000000"/>
                     </a:solidFill>
@@ -12963,7 +12964,7 @@
               </a:ln>
               <a:extLst>
                 <a:ext uri="{91240B29-F687-4f45-9708-019B960494DF}">
-                  <a14:hiddenLine xmlns="" xmlns:a14="http://schemas.microsoft.com/office/drawing/2010/main" w="9525">
+                  <a14:hiddenLine xmlns:a14="http://schemas.microsoft.com/office/drawing/2010/main" xmlns="" w="9525">
                     <a:solidFill>
                       <a:srgbClr val="000000"/>
                     </a:solidFill>
@@ -13028,7 +13029,7 @@
               </a:ln>
               <a:extLst>
                 <a:ext uri="{91240B29-F687-4f45-9708-019B960494DF}">
-                  <a14:hiddenLine xmlns="" xmlns:a14="http://schemas.microsoft.com/office/drawing/2010/main" w="9525">
+                  <a14:hiddenLine xmlns:a14="http://schemas.microsoft.com/office/drawing/2010/main" xmlns="" w="9525">
                     <a:solidFill>
                       <a:srgbClr val="000000"/>
                     </a:solidFill>
@@ -13118,7 +13119,7 @@
               </a:ln>
               <a:extLst>
                 <a:ext uri="{91240B29-F687-4f45-9708-019B960494DF}">
-                  <a14:hiddenLine xmlns="" xmlns:a14="http://schemas.microsoft.com/office/drawing/2010/main" w="9525">
+                  <a14:hiddenLine xmlns:a14="http://schemas.microsoft.com/office/drawing/2010/main" xmlns="" w="9525">
                     <a:solidFill>
                       <a:srgbClr val="000000"/>
                     </a:solidFill>
@@ -13186,7 +13187,7 @@
               </a:ln>
               <a:extLst>
                 <a:ext uri="{91240B29-F687-4f45-9708-019B960494DF}">
-                  <a14:hiddenLine xmlns="" xmlns:a14="http://schemas.microsoft.com/office/drawing/2010/main" w="9525">
+                  <a14:hiddenLine xmlns:a14="http://schemas.microsoft.com/office/drawing/2010/main" xmlns="" w="9525">
                     <a:solidFill>
                       <a:srgbClr val="000000"/>
                     </a:solidFill>
@@ -13276,7 +13277,7 @@
               </a:ln>
               <a:extLst>
                 <a:ext uri="{91240B29-F687-4f45-9708-019B960494DF}">
-                  <a14:hiddenLine xmlns="" xmlns:a14="http://schemas.microsoft.com/office/drawing/2010/main" w="9525">
+                  <a14:hiddenLine xmlns:a14="http://schemas.microsoft.com/office/drawing/2010/main" xmlns="" w="9525">
                     <a:solidFill>
                       <a:srgbClr val="000000"/>
                     </a:solidFill>
@@ -13344,7 +13345,7 @@
               </a:ln>
               <a:extLst>
                 <a:ext uri="{91240B29-F687-4f45-9708-019B960494DF}">
-                  <a14:hiddenLine xmlns="" xmlns:a14="http://schemas.microsoft.com/office/drawing/2010/main" w="9525">
+                  <a14:hiddenLine xmlns:a14="http://schemas.microsoft.com/office/drawing/2010/main" xmlns="" w="9525">
                     <a:solidFill>
                       <a:srgbClr val="000000"/>
                     </a:solidFill>
@@ -13434,7 +13435,7 @@
               </a:ln>
               <a:extLst>
                 <a:ext uri="{91240B29-F687-4f45-9708-019B960494DF}">
-                  <a14:hiddenLine xmlns="" xmlns:a14="http://schemas.microsoft.com/office/drawing/2010/main" w="9525">
+                  <a14:hiddenLine xmlns:a14="http://schemas.microsoft.com/office/drawing/2010/main" xmlns="" w="9525">
                     <a:solidFill>
                       <a:srgbClr val="000000"/>
                     </a:solidFill>
@@ -13468,7 +13469,7 @@
               </a:ln>
               <a:extLst>
                 <a:ext uri="{91240B29-F687-4f45-9708-019B960494DF}">
-                  <a14:hiddenLine xmlns="" xmlns:a14="http://schemas.microsoft.com/office/drawing/2010/main" w="9525">
+                  <a14:hiddenLine xmlns:a14="http://schemas.microsoft.com/office/drawing/2010/main" xmlns="" w="9525">
                     <a:solidFill>
                       <a:srgbClr val="000000"/>
                     </a:solidFill>
@@ -14160,8 +14161,8 @@
         </p:nvSpPr>
         <p:spPr>
           <a:xfrm>
-            <a:off x="3719580" y="620688"/>
-            <a:ext cx="4746488" cy="722250"/>
+            <a:off x="3472160" y="404664"/>
+            <a:ext cx="5241328" cy="578234"/>
           </a:xfrm>
         </p:spPr>
         <p:txBody>
@@ -14172,7 +14173,7 @@
           <a:p>
             <a:r>
               <a:rPr lang="en-US" dirty="0" smtClean="0"/>
-              <a:t>Registered user module</a:t>
+              <a:t>Unregistered user module</a:t>
             </a:r>
             <a:endParaRPr lang="en-IN" dirty="0"/>
           </a:p>
@@ -14188,12 +14189,7 @@
             <p:ph idx="1"/>
           </p:nvPr>
         </p:nvSpPr>
-        <p:spPr>
-          <a:xfrm>
-            <a:off x="1141114" y="1700808"/>
-            <a:ext cx="9903419" cy="4392488"/>
-          </a:xfrm>
-        </p:spPr>
+        <p:spPr/>
         <p:txBody>
           <a:bodyPr/>
           <a:lstStyle/>
@@ -14202,45 +14198,9 @@
               <a:buNone/>
             </a:pPr>
             <a:r>
-              <a:rPr lang="en-US" dirty="0"/>
-              <a:t>This module comes in act when there is a user trying to book a movie or searching its details, </a:t>
-            </a:r>
-            <a:r>
               <a:rPr lang="en-US" dirty="0" smtClean="0"/>
-              <a:t>but after login himself on this system. By login or registering he is going to get some of the offers which are follows as:-</a:t>
-            </a:r>
-          </a:p>
-          <a:p>
-            <a:r>
-              <a:rPr lang="en-US" dirty="0" smtClean="0"/>
-              <a:t>Get 15% discount on tickets on booking for the third time on this system.</a:t>
-            </a:r>
-          </a:p>
-          <a:p>
-            <a:r>
-              <a:rPr lang="en-US" dirty="0" smtClean="0"/>
-              <a:t>Buy two Get one ticket free on Sundays.</a:t>
-            </a:r>
-          </a:p>
-          <a:p>
-            <a:r>
-              <a:rPr lang="en-US" dirty="0" smtClean="0"/>
-              <a:t>Send Gift Cards to another Person.</a:t>
-            </a:r>
-          </a:p>
-          <a:p>
-            <a:r>
-              <a:rPr lang="en-US" dirty="0" smtClean="0"/>
-              <a:t>Get additional 10% discount on tickets on booking food and beverages also.</a:t>
-            </a:r>
-          </a:p>
-          <a:p>
-            <a:r>
-              <a:rPr lang="en-US" dirty="0" smtClean="0"/>
-              <a:t>Visa Cards , Credit Cards, and online wallet offers.</a:t>
-            </a:r>
-          </a:p>
-          <a:p>
+              <a:t>This module comes in act when there is a user trying to book a movie or searching its details, but without logging in. In this case that user is considered as an unregistered user. The user can book the tickets for any movie and will be showed up with the details about the movies and theaters. But there are some benefits and offers which these users are going to miss (like:- discount on tickets, Buy 2 get 1 offer, gift cards etc. ) which are only available for Registered Users only.</a:t>
+            </a:r>
             <a:endParaRPr lang="en-IN" dirty="0"/>
           </a:p>
         </p:txBody>
@@ -14248,7 +14208,7 @@
     </p:spTree>
     <p:extLst>
       <p:ext uri="{BB962C8B-B14F-4D97-AF65-F5344CB8AC3E}">
-        <p14:creationId xmlns:p14="http://schemas.microsoft.com/office/powerpoint/2010/main" val="2622603667"/>
+        <p14:creationId xmlns:p14="http://schemas.microsoft.com/office/powerpoint/2010/main" val="1788001438"/>
       </p:ext>
     </p:extLst>
   </p:cSld>
@@ -14289,7 +14249,7 @@
       </p:grpSpPr>
       <p:sp>
         <p:nvSpPr>
-          <p:cNvPr id="3" name="Title 2"/>
+          <p:cNvPr id="2" name="Title 1"/>
           <p:cNvSpPr>
             <a:spLocks noGrp="1"/>
           </p:cNvSpPr>
@@ -14297,30 +14257,42 @@
             <p:ph type="title"/>
           </p:nvPr>
         </p:nvSpPr>
-        <p:spPr/>
+        <p:spPr>
+          <a:xfrm>
+            <a:off x="3719580" y="620688"/>
+            <a:ext cx="4746488" cy="722250"/>
+          </a:xfrm>
+        </p:spPr>
         <p:txBody>
-          <a:bodyPr/>
+          <a:bodyPr>
+            <a:normAutofit fontScale="90000"/>
+          </a:bodyPr>
           <a:lstStyle/>
           <a:p>
             <a:r>
               <a:rPr lang="en-US" dirty="0" smtClean="0"/>
-              <a:t>Hardware and Software Required</a:t>
-            </a:r>
-            <a:endParaRPr lang="en-US" dirty="0"/>
+              <a:t>Registered user module</a:t>
+            </a:r>
+            <a:endParaRPr lang="en-IN" dirty="0"/>
           </a:p>
         </p:txBody>
       </p:sp>
       <p:sp>
         <p:nvSpPr>
-          <p:cNvPr id="4" name="Content Placeholder 3"/>
+          <p:cNvPr id="3" name="Content Placeholder 2"/>
           <p:cNvSpPr>
             <a:spLocks noGrp="1"/>
           </p:cNvSpPr>
           <p:nvPr>
-            <p:ph sz="half" idx="1"/>
+            <p:ph idx="1"/>
           </p:nvPr>
         </p:nvSpPr>
-        <p:spPr/>
+        <p:spPr>
+          <a:xfrm>
+            <a:off x="1141114" y="1700808"/>
+            <a:ext cx="9903419" cy="4392488"/>
+          </a:xfrm>
+        </p:spPr>
         <p:txBody>
           <a:bodyPr/>
           <a:lstStyle/>
@@ -14329,105 +14301,45 @@
               <a:buNone/>
             </a:pPr>
             <a:r>
+              <a:rPr lang="en-US" dirty="0"/>
+              <a:t>This module comes in act when there is a user trying to book a movie or searching its details, </a:t>
+            </a:r>
+            <a:r>
               <a:rPr lang="en-US" dirty="0" smtClean="0"/>
-              <a:t>Hardware:-</a:t>
-            </a:r>
-          </a:p>
-          <a:p>
-            <a:pPr>
-              <a:buFont typeface="Wingdings" panose="05000000000000000000" pitchFamily="2" charset="2"/>
-              <a:buChar char="Ø"/>
-            </a:pPr>
+              <a:t>but after login himself on this system. By login or registering he is going to get some of the offers which are follows as:-</a:t>
+            </a:r>
+          </a:p>
+          <a:p>
             <a:r>
               <a:rPr lang="en-US" dirty="0" smtClean="0"/>
-              <a:t>CPU – Any Dual Core Processor</a:t>
-            </a:r>
-          </a:p>
-          <a:p>
-            <a:pPr>
-              <a:buFont typeface="Wingdings" panose="05000000000000000000" pitchFamily="2" charset="2"/>
-              <a:buChar char="Ø"/>
-            </a:pPr>
+              <a:t>Get 15% discount on tickets on booking for the third time on this system.</a:t>
+            </a:r>
+          </a:p>
+          <a:p>
             <a:r>
               <a:rPr lang="en-US" dirty="0" smtClean="0"/>
-              <a:t>RAM – 512 Mb</a:t>
-            </a:r>
-          </a:p>
-          <a:p>
-            <a:pPr>
-              <a:buFont typeface="Wingdings" panose="05000000000000000000" pitchFamily="2" charset="2"/>
-              <a:buChar char="Ø"/>
-            </a:pPr>
+              <a:t>Buy two Get one ticket free on Sundays.</a:t>
+            </a:r>
+          </a:p>
+          <a:p>
             <a:r>
               <a:rPr lang="en-US" dirty="0" smtClean="0"/>
-              <a:t>Storage –</a:t>
-            </a:r>
-          </a:p>
-          <a:p>
-            <a:pPr>
-              <a:buFont typeface="Wingdings" panose="05000000000000000000" pitchFamily="2" charset="2"/>
-              <a:buChar char="Ø"/>
-            </a:pPr>
+              <a:t>Send Gift Cards to another Person.</a:t>
+            </a:r>
+          </a:p>
+          <a:p>
             <a:r>
               <a:rPr lang="en-US" dirty="0" smtClean="0"/>
-              <a:t>OS – Windows XP/vista/7/8/10</a:t>
-            </a:r>
-            <a:endParaRPr lang="en-IN" dirty="0"/>
-          </a:p>
-        </p:txBody>
-      </p:sp>
-      <p:sp>
-        <p:nvSpPr>
-          <p:cNvPr id="5" name="Content Placeholder 4"/>
-          <p:cNvSpPr>
-            <a:spLocks noGrp="1"/>
-          </p:cNvSpPr>
-          <p:nvPr>
-            <p:ph sz="half" idx="2"/>
-          </p:nvPr>
-        </p:nvSpPr>
-        <p:spPr/>
-        <p:txBody>
-          <a:bodyPr/>
-          <a:lstStyle/>
-          <a:p>
-            <a:pPr marL="0" indent="0">
-              <a:buNone/>
-            </a:pPr>
+              <a:t>Get additional 10% discount on tickets on booking food and beverages also.</a:t>
+            </a:r>
+          </a:p>
+          <a:p>
             <a:r>
               <a:rPr lang="en-US" dirty="0" smtClean="0"/>
-              <a:t>Software:-</a:t>
-            </a:r>
-          </a:p>
-          <a:p>
-            <a:pPr>
-              <a:buFont typeface="Wingdings" panose="05000000000000000000" pitchFamily="2" charset="2"/>
-              <a:buChar char="Ø"/>
-            </a:pPr>
-            <a:r>
-              <a:rPr lang="en-US" dirty="0" smtClean="0"/>
-              <a:t>Python 3.5 or higher</a:t>
-            </a:r>
-          </a:p>
-          <a:p>
-            <a:pPr>
-              <a:buFont typeface="Wingdings" panose="05000000000000000000" pitchFamily="2" charset="2"/>
-              <a:buChar char="Ø"/>
-            </a:pPr>
-            <a:r>
-              <a:rPr lang="en-US" dirty="0" smtClean="0"/>
-              <a:t>MySQL Server</a:t>
-            </a:r>
-          </a:p>
-          <a:p>
-            <a:pPr>
-              <a:buFont typeface="Wingdings" panose="05000000000000000000" pitchFamily="2" charset="2"/>
-              <a:buChar char="Ø"/>
-            </a:pPr>
-            <a:r>
-              <a:rPr lang="en-US" dirty="0" smtClean="0"/>
-              <a:t>Pymysql Module</a:t>
-            </a:r>
+              <a:t>Visa Cards , Credit Cards, and online wallet offers.</a:t>
+            </a:r>
+          </a:p>
+          <a:p>
             <a:endParaRPr lang="en-IN" dirty="0"/>
           </a:p>
         </p:txBody>
@@ -14435,7 +14347,7 @@
     </p:spTree>
     <p:extLst>
       <p:ext uri="{BB962C8B-B14F-4D97-AF65-F5344CB8AC3E}">
-        <p14:creationId xmlns:p14="http://schemas.microsoft.com/office/powerpoint/2010/main" val="3519010733"/>
+        <p14:creationId xmlns:p14="http://schemas.microsoft.com/office/powerpoint/2010/main" val="2622603667"/>
       </p:ext>
     </p:extLst>
   </p:cSld>
@@ -14476,6 +14388,193 @@
       </p:grpSpPr>
       <p:sp>
         <p:nvSpPr>
+          <p:cNvPr id="3" name="Title 2"/>
+          <p:cNvSpPr>
+            <a:spLocks noGrp="1"/>
+          </p:cNvSpPr>
+          <p:nvPr>
+            <p:ph type="title"/>
+          </p:nvPr>
+        </p:nvSpPr>
+        <p:spPr/>
+        <p:txBody>
+          <a:bodyPr/>
+          <a:lstStyle/>
+          <a:p>
+            <a:r>
+              <a:rPr lang="en-US" dirty="0" smtClean="0"/>
+              <a:t>Hardware and Software Required</a:t>
+            </a:r>
+            <a:endParaRPr lang="en-US" dirty="0"/>
+          </a:p>
+        </p:txBody>
+      </p:sp>
+      <p:sp>
+        <p:nvSpPr>
+          <p:cNvPr id="4" name="Content Placeholder 3"/>
+          <p:cNvSpPr>
+            <a:spLocks noGrp="1"/>
+          </p:cNvSpPr>
+          <p:nvPr>
+            <p:ph sz="half" idx="1"/>
+          </p:nvPr>
+        </p:nvSpPr>
+        <p:spPr/>
+        <p:txBody>
+          <a:bodyPr/>
+          <a:lstStyle/>
+          <a:p>
+            <a:pPr marL="0" indent="0">
+              <a:buNone/>
+            </a:pPr>
+            <a:r>
+              <a:rPr lang="en-US" dirty="0" smtClean="0"/>
+              <a:t>Hardware:-</a:t>
+            </a:r>
+          </a:p>
+          <a:p>
+            <a:pPr>
+              <a:buFont typeface="Wingdings" panose="05000000000000000000" pitchFamily="2" charset="2"/>
+              <a:buChar char="Ø"/>
+            </a:pPr>
+            <a:r>
+              <a:rPr lang="en-US" dirty="0" smtClean="0"/>
+              <a:t>CPU – Any Dual Core Processor</a:t>
+            </a:r>
+          </a:p>
+          <a:p>
+            <a:pPr>
+              <a:buFont typeface="Wingdings" panose="05000000000000000000" pitchFamily="2" charset="2"/>
+              <a:buChar char="Ø"/>
+            </a:pPr>
+            <a:r>
+              <a:rPr lang="en-US" dirty="0" smtClean="0"/>
+              <a:t>RAM – 512 Mb</a:t>
+            </a:r>
+          </a:p>
+          <a:p>
+            <a:pPr>
+              <a:buFont typeface="Wingdings" panose="05000000000000000000" pitchFamily="2" charset="2"/>
+              <a:buChar char="Ø"/>
+            </a:pPr>
+            <a:r>
+              <a:rPr lang="en-US" dirty="0" smtClean="0"/>
+              <a:t>Storage –</a:t>
+            </a:r>
+          </a:p>
+          <a:p>
+            <a:pPr>
+              <a:buFont typeface="Wingdings" panose="05000000000000000000" pitchFamily="2" charset="2"/>
+              <a:buChar char="Ø"/>
+            </a:pPr>
+            <a:r>
+              <a:rPr lang="en-US" dirty="0" smtClean="0"/>
+              <a:t>OS – Windows XP/vista/7/8/10</a:t>
+            </a:r>
+            <a:endParaRPr lang="en-IN" dirty="0"/>
+          </a:p>
+        </p:txBody>
+      </p:sp>
+      <p:sp>
+        <p:nvSpPr>
+          <p:cNvPr id="5" name="Content Placeholder 4"/>
+          <p:cNvSpPr>
+            <a:spLocks noGrp="1"/>
+          </p:cNvSpPr>
+          <p:nvPr>
+            <p:ph sz="half" idx="2"/>
+          </p:nvPr>
+        </p:nvSpPr>
+        <p:spPr/>
+        <p:txBody>
+          <a:bodyPr/>
+          <a:lstStyle/>
+          <a:p>
+            <a:pPr marL="0" indent="0">
+              <a:buNone/>
+            </a:pPr>
+            <a:r>
+              <a:rPr lang="en-US" dirty="0" smtClean="0"/>
+              <a:t>Software:-</a:t>
+            </a:r>
+          </a:p>
+          <a:p>
+            <a:pPr>
+              <a:buFont typeface="Wingdings" panose="05000000000000000000" pitchFamily="2" charset="2"/>
+              <a:buChar char="Ø"/>
+            </a:pPr>
+            <a:r>
+              <a:rPr lang="en-US" dirty="0" smtClean="0"/>
+              <a:t>Python 3.5 or higher</a:t>
+            </a:r>
+          </a:p>
+          <a:p>
+            <a:pPr>
+              <a:buFont typeface="Wingdings" panose="05000000000000000000" pitchFamily="2" charset="2"/>
+              <a:buChar char="Ø"/>
+            </a:pPr>
+            <a:r>
+              <a:rPr lang="en-US" dirty="0" smtClean="0"/>
+              <a:t>MySQL Server</a:t>
+            </a:r>
+          </a:p>
+          <a:p>
+            <a:pPr>
+              <a:buFont typeface="Wingdings" panose="05000000000000000000" pitchFamily="2" charset="2"/>
+              <a:buChar char="Ø"/>
+            </a:pPr>
+            <a:r>
+              <a:rPr lang="en-US" dirty="0" smtClean="0"/>
+              <a:t>Pymysql Module</a:t>
+            </a:r>
+            <a:endParaRPr lang="en-IN" dirty="0"/>
+          </a:p>
+        </p:txBody>
+      </p:sp>
+    </p:spTree>
+    <p:extLst>
+      <p:ext uri="{BB962C8B-B14F-4D97-AF65-F5344CB8AC3E}">
+        <p14:creationId xmlns:p14="http://schemas.microsoft.com/office/powerpoint/2010/main" val="3519010733"/>
+      </p:ext>
+    </p:extLst>
+  </p:cSld>
+  <p:clrMapOvr>
+    <a:masterClrMapping/>
+  </p:clrMapOvr>
+  <mc:AlternateContent xmlns:mc="http://schemas.openxmlformats.org/markup-compatibility/2006" xmlns:p14="http://schemas.microsoft.com/office/powerpoint/2010/main">
+    <mc:Choice Requires="p14">
+      <p:transition spd="med" p14:dur="700">
+        <p:fade/>
+      </p:transition>
+    </mc:Choice>
+    <mc:Fallback xmlns="">
+      <p:transition spd="med">
+        <p:fade/>
+      </p:transition>
+    </mc:Fallback>
+  </mc:AlternateContent>
+</p:sld>
+</file>
+
+<file path=ppt/slides/slide13.xml><?xml version="1.0" encoding="utf-8"?>
+<p:sld xmlns:a="http://schemas.openxmlformats.org/drawingml/2006/main" xmlns:r="http://schemas.openxmlformats.org/officeDocument/2006/relationships" xmlns:p="http://schemas.openxmlformats.org/presentationml/2006/main">
+  <p:cSld>
+    <p:spTree>
+      <p:nvGrpSpPr>
+        <p:cNvPr id="1" name=""/>
+        <p:cNvGrpSpPr/>
+        <p:nvPr/>
+      </p:nvGrpSpPr>
+      <p:grpSpPr>
+        <a:xfrm>
+          <a:off x="0" y="0"/>
+          <a:ext cx="0" cy="0"/>
+          <a:chOff x="0" y="0"/>
+          <a:chExt cx="0" cy="0"/>
+        </a:xfrm>
+      </p:grpSpPr>
+      <p:sp>
+        <p:nvSpPr>
           <p:cNvPr id="2" name="Title 1"/>
           <p:cNvSpPr>
             <a:spLocks noGrp="1"/>
@@ -14514,12 +14613,177 @@
             <p:ph idx="1"/>
           </p:nvPr>
         </p:nvSpPr>
-        <p:spPr/>
+        <p:spPr>
+          <a:ln/>
+          <a:effectLst>
+            <a:softEdge rad="127000"/>
+          </a:effectLst>
+        </p:spPr>
+        <p:style>
+          <a:lnRef idx="2">
+            <a:schemeClr val="dk1"/>
+          </a:lnRef>
+          <a:fillRef idx="1">
+            <a:schemeClr val="lt1"/>
+          </a:fillRef>
+          <a:effectRef idx="0">
+            <a:schemeClr val="dk1"/>
+          </a:effectRef>
+          <a:fontRef idx="minor">
+            <a:schemeClr val="dk1"/>
+          </a:fontRef>
+        </p:style>
         <p:txBody>
           <a:bodyPr/>
           <a:lstStyle/>
           <a:p>
-            <a:endParaRPr lang="en-IN"/>
+            <a:pPr marL="0" indent="0">
+              <a:buNone/>
+            </a:pPr>
+            <a:endParaRPr lang="en-IN" u="sng" dirty="0">
+              <a:ln w="0"/>
+              <a:solidFill>
+                <a:schemeClr val="accent1"/>
+              </a:solidFill>
+              <a:effectLst>
+                <a:outerShdw blurRad="38100" dist="25400" dir="5400000" algn="ctr" rotWithShape="0">
+                  <a:srgbClr val="6E747A">
+                    <a:alpha val="43000"/>
+                  </a:srgbClr>
+                </a:outerShdw>
+              </a:effectLst>
+              <a:hlinkClick r:id="rId2"/>
+            </a:endParaRPr>
+          </a:p>
+          <a:p>
+            <a:r>
+              <a:rPr lang="en-IN" u="sng" dirty="0" smtClean="0">
+                <a:ln w="0"/>
+                <a:solidFill>
+                  <a:schemeClr val="accent1"/>
+                </a:solidFill>
+                <a:effectLst>
+                  <a:outerShdw blurRad="38100" dist="25400" dir="5400000" algn="ctr" rotWithShape="0">
+                    <a:srgbClr val="6E747A">
+                      <a:alpha val="43000"/>
+                    </a:srgbClr>
+                  </a:outerShdw>
+                </a:effectLst>
+                <a:hlinkClick r:id="rId2"/>
+              </a:rPr>
+              <a:t>https</a:t>
+            </a:r>
+            <a:r>
+              <a:rPr lang="en-IN" u="sng" dirty="0">
+                <a:ln w="0"/>
+                <a:solidFill>
+                  <a:schemeClr val="accent1"/>
+                </a:solidFill>
+                <a:effectLst>
+                  <a:outerShdw blurRad="38100" dist="25400" dir="5400000" algn="ctr" rotWithShape="0">
+                    <a:srgbClr val="6E747A">
+                      <a:alpha val="43000"/>
+                    </a:srgbClr>
+                  </a:outerShdw>
+                </a:effectLst>
+                <a:hlinkClick r:id="rId2"/>
+              </a:rPr>
+              <a:t>://</a:t>
+            </a:r>
+            <a:r>
+              <a:rPr lang="en-IN" u="sng" dirty="0" smtClean="0">
+                <a:ln w="0"/>
+                <a:solidFill>
+                  <a:schemeClr val="accent1"/>
+                </a:solidFill>
+                <a:effectLst>
+                  <a:outerShdw blurRad="38100" dist="25400" dir="5400000" algn="ctr" rotWithShape="0">
+                    <a:srgbClr val="6E747A">
+                      <a:alpha val="43000"/>
+                    </a:srgbClr>
+                  </a:outerShdw>
+                </a:effectLst>
+                <a:hlinkClick r:id="rId2"/>
+              </a:rPr>
+              <a:t>pythonbasics.org/tkinter-image</a:t>
+            </a:r>
+            <a:endParaRPr lang="en-IN" u="sng" dirty="0" smtClean="0">
+              <a:ln w="0"/>
+              <a:solidFill>
+                <a:schemeClr val="accent1"/>
+              </a:solidFill>
+              <a:effectLst>
+                <a:outerShdw blurRad="38100" dist="25400" dir="5400000" algn="ctr" rotWithShape="0">
+                  <a:srgbClr val="6E747A">
+                    <a:alpha val="43000"/>
+                  </a:srgbClr>
+                </a:outerShdw>
+              </a:effectLst>
+            </a:endParaRPr>
+          </a:p>
+          <a:p>
+            <a:r>
+              <a:rPr lang="en-IN" u="sng" dirty="0" smtClean="0">
+                <a:ln w="0"/>
+                <a:solidFill>
+                  <a:schemeClr val="accent1"/>
+                </a:solidFill>
+                <a:effectLst>
+                  <a:outerShdw blurRad="38100" dist="25400" dir="5400000" algn="ctr" rotWithShape="0">
+                    <a:srgbClr val="6E747A">
+                      <a:alpha val="43000"/>
+                    </a:srgbClr>
+                  </a:outerShdw>
+                </a:effectLst>
+                <a:hlinkClick r:id="rId3"/>
+              </a:rPr>
+              <a:t>https:\\www.kaggle.com</a:t>
+            </a:r>
+            <a:endParaRPr lang="en-IN" u="sng" dirty="0" smtClean="0">
+              <a:ln w="0"/>
+              <a:solidFill>
+                <a:schemeClr val="accent1"/>
+              </a:solidFill>
+              <a:effectLst>
+                <a:outerShdw blurRad="38100" dist="25400" dir="5400000" algn="ctr" rotWithShape="0">
+                  <a:srgbClr val="6E747A">
+                    <a:alpha val="43000"/>
+                  </a:srgbClr>
+                </a:outerShdw>
+              </a:effectLst>
+            </a:endParaRPr>
+          </a:p>
+          <a:p>
+            <a:r>
+              <a:rPr lang="en-IN" u="sng" dirty="0" smtClean="0">
+                <a:ln w="0"/>
+                <a:solidFill>
+                  <a:schemeClr val="accent1"/>
+                </a:solidFill>
+                <a:effectLst>
+                  <a:outerShdw blurRad="38100" dist="25400" dir="5400000" algn="ctr" rotWithShape="0">
+                    <a:srgbClr val="6E747A">
+                      <a:alpha val="43000"/>
+                    </a:srgbClr>
+                  </a:outerShdw>
+                </a:effectLst>
+                <a:hlinkClick r:id="rId4"/>
+              </a:rPr>
+              <a:t>https://www.activestate.com/resources/quick-reads/how-to-add-images-in-tkinter/</a:t>
+            </a:r>
+            <a:endParaRPr lang="en-IN" u="sng" dirty="0">
+              <a:ln w="0"/>
+              <a:solidFill>
+                <a:schemeClr val="accent1"/>
+              </a:solidFill>
+              <a:effectLst>
+                <a:outerShdw blurRad="38100" dist="25400" dir="5400000" algn="ctr" rotWithShape="0">
+                  <a:srgbClr val="6E747A">
+                    <a:alpha val="43000"/>
+                  </a:srgbClr>
+                </a:outerShdw>
+              </a:effectLst>
+            </a:endParaRPr>
           </a:p>
         </p:txBody>
       </p:sp>
@@ -14854,7 +15118,7 @@
         </p:nvSpPr>
         <p:spPr>
           <a:xfrm>
-            <a:off x="1141116" y="618518"/>
+            <a:off x="1197868" y="260648"/>
             <a:ext cx="9903418" cy="722250"/>
           </a:xfrm>
         </p:spPr>
@@ -14892,7 +15156,7 @@
       </p:sp>
       <p:pic>
         <p:nvPicPr>
-          <p:cNvPr id="4" name="Picture 3"/>
+          <p:cNvPr id="3" name="Picture 2"/>
           <p:cNvPicPr>
             <a:picLocks noChangeAspect="1"/>
           </p:cNvPicPr>
@@ -14912,42 +15176,25 @@
         </p:blipFill>
         <p:spPr>
           <a:xfrm>
-            <a:off x="1011288" y="1628800"/>
-            <a:ext cx="10163074" cy="3935313"/>
+            <a:off x="1485900" y="1268760"/>
+            <a:ext cx="8613235" cy="5172242"/>
           </a:xfrm>
-          <a:prstGeom prst="rect">
-            <a:avLst/>
+          <a:prstGeom prst="roundRect">
+            <a:avLst>
+              <a:gd name="adj" fmla="val 8594"/>
+            </a:avLst>
           </a:prstGeom>
           <a:solidFill>
             <a:srgbClr val="FFFFFF">
               <a:shade val="85000"/>
             </a:srgbClr>
           </a:solidFill>
-          <a:ln w="88900" cap="sq">
-            <a:solidFill>
-              <a:srgbClr val="FFFFFF"/>
-            </a:solidFill>
-            <a:miter lim="800000"/>
+          <a:ln>
+            <a:noFill/>
           </a:ln>
           <a:effectLst>
-            <a:outerShdw blurRad="55000" dist="18000" dir="5400000" algn="tl" rotWithShape="0">
-              <a:srgbClr val="000000">
-                <a:alpha val="40000"/>
-              </a:srgbClr>
-            </a:outerShdw>
+            <a:reflection blurRad="12700" stA="38000" endPos="28000" dist="5000" dir="5400000" sy="-100000" algn="bl" rotWithShape="0"/>
           </a:effectLst>
-          <a:scene3d>
-            <a:camera prst="orthographicFront"/>
-            <a:lightRig rig="twoPt" dir="t">
-              <a:rot lat="0" lon="0" rev="7200000"/>
-            </a:lightRig>
-          </a:scene3d>
-          <a:sp3d>
-            <a:bevelT w="25400" h="19050"/>
-            <a:contourClr>
-              <a:srgbClr val="FFFFFF"/>
-            </a:contourClr>
-          </a:sp3d>
         </p:spPr>
       </p:pic>
     </p:spTree>
@@ -15004,7 +15251,7 @@
         </p:nvSpPr>
         <p:spPr>
           <a:xfrm>
-            <a:off x="2245876" y="692696"/>
+            <a:off x="2245875" y="332656"/>
             <a:ext cx="7128792" cy="722250"/>
           </a:xfrm>
         </p:spPr>
@@ -15030,7 +15277,7 @@
       </p:sp>
       <p:pic>
         <p:nvPicPr>
-          <p:cNvPr id="6" name="Picture 5"/>
+          <p:cNvPr id="2" name="Picture 1"/>
           <p:cNvPicPr>
             <a:picLocks noChangeAspect="1"/>
           </p:cNvPicPr>
@@ -15050,42 +15297,25 @@
         </p:blipFill>
         <p:spPr>
           <a:xfrm>
-            <a:off x="1155050" y="1628800"/>
-            <a:ext cx="9310443" cy="4604345"/>
+            <a:off x="1638211" y="1414946"/>
+            <a:ext cx="8344121" cy="5038390"/>
           </a:xfrm>
-          <a:prstGeom prst="rect">
-            <a:avLst/>
+          <a:prstGeom prst="roundRect">
+            <a:avLst>
+              <a:gd name="adj" fmla="val 8594"/>
+            </a:avLst>
           </a:prstGeom>
           <a:solidFill>
             <a:srgbClr val="FFFFFF">
               <a:shade val="85000"/>
             </a:srgbClr>
           </a:solidFill>
-          <a:ln w="88900" cap="sq">
-            <a:solidFill>
-              <a:srgbClr val="FFFFFF"/>
-            </a:solidFill>
-            <a:miter lim="800000"/>
+          <a:ln>
+            <a:noFill/>
           </a:ln>
           <a:effectLst>
-            <a:outerShdw blurRad="55000" dist="18000" dir="5400000" algn="tl" rotWithShape="0">
-              <a:srgbClr val="000000">
-                <a:alpha val="40000"/>
-              </a:srgbClr>
-            </a:outerShdw>
+            <a:reflection blurRad="12700" stA="38000" endPos="28000" dist="5000" dir="5400000" sy="-100000" algn="bl" rotWithShape="0"/>
           </a:effectLst>
-          <a:scene3d>
-            <a:camera prst="orthographicFront"/>
-            <a:lightRig rig="twoPt" dir="t">
-              <a:rot lat="0" lon="0" rev="7200000"/>
-            </a:lightRig>
-          </a:scene3d>
-          <a:sp3d>
-            <a:bevelT w="25400" h="19050"/>
-            <a:contourClr>
-              <a:srgbClr val="FFFFFF"/>
-            </a:contourClr>
-          </a:sp3d>
         </p:spPr>
       </p:pic>
     </p:spTree>
@@ -15170,13 +15400,11 @@
       </p:sp>
       <p:pic>
         <p:nvPicPr>
-          <p:cNvPr id="6" name="Content Placeholder 5"/>
+          <p:cNvPr id="8" name="Picture 7"/>
           <p:cNvPicPr>
-            <a:picLocks noGrp="1" noChangeAspect="1"/>
+            <a:picLocks noChangeAspect="1"/>
           </p:cNvPicPr>
-          <p:nvPr>
-            <p:ph idx="1"/>
-          </p:nvPr>
+          <p:nvPr/>
         </p:nvPicPr>
         <p:blipFill>
           <a:blip r:embed="rId2">
@@ -15192,42 +15420,25 @@
         </p:blipFill>
         <p:spPr>
           <a:xfrm>
-            <a:off x="2566020" y="1412776"/>
-            <a:ext cx="7056784" cy="5099286"/>
+            <a:off x="2241984" y="1196752"/>
+            <a:ext cx="7704856" cy="5140060"/>
           </a:xfrm>
-          <a:prstGeom prst="rect">
-            <a:avLst/>
+          <a:prstGeom prst="roundRect">
+            <a:avLst>
+              <a:gd name="adj" fmla="val 8594"/>
+            </a:avLst>
           </a:prstGeom>
           <a:solidFill>
             <a:srgbClr val="FFFFFF">
               <a:shade val="85000"/>
             </a:srgbClr>
           </a:solidFill>
-          <a:ln w="88900" cap="sq">
-            <a:solidFill>
-              <a:srgbClr val="FFFFFF"/>
-            </a:solidFill>
-            <a:miter lim="800000"/>
+          <a:ln>
+            <a:noFill/>
           </a:ln>
           <a:effectLst>
-            <a:outerShdw blurRad="55000" dist="18000" dir="5400000" algn="tl" rotWithShape="0">
-              <a:srgbClr val="000000">
-                <a:alpha val="40000"/>
-              </a:srgbClr>
-            </a:outerShdw>
+            <a:reflection blurRad="12700" stA="38000" endPos="28000" dist="5000" dir="5400000" sy="-100000" algn="bl" rotWithShape="0"/>
           </a:effectLst>
-          <a:scene3d>
-            <a:camera prst="orthographicFront"/>
-            <a:lightRig rig="twoPt" dir="t">
-              <a:rot lat="0" lon="0" rev="7200000"/>
-            </a:lightRig>
-          </a:scene3d>
-          <a:sp3d>
-            <a:bevelT w="25400" h="19050"/>
-            <a:contourClr>
-              <a:srgbClr val="FFFFFF"/>
-            </a:contourClr>
-          </a:sp3d>
         </p:spPr>
       </p:pic>
     </p:spTree>
@@ -15284,110 +15495,77 @@
         </p:nvSpPr>
         <p:spPr>
           <a:xfrm>
-            <a:off x="3179520" y="476672"/>
-            <a:ext cx="5826608" cy="720080"/>
+            <a:off x="2572060" y="404664"/>
+            <a:ext cx="7041528" cy="650242"/>
           </a:xfrm>
         </p:spPr>
         <p:txBody>
-          <a:bodyPr>
-            <a:normAutofit fontScale="90000"/>
-          </a:bodyPr>
+          <a:bodyPr/>
           <a:lstStyle/>
           <a:p>
             <a:r>
-              <a:rPr lang="en-IN" dirty="0" smtClean="0"/>
-              <a:t>Categorization</a:t>
-            </a:r>
-            <a:r>
-              <a:rPr lang="en-IN" dirty="0" smtClean="0"/>
-              <a:t> </a:t>
-            </a:r>
-            <a:r>
-              <a:rPr lang="en-IN" dirty="0" smtClean="0"/>
-              <a:t>of project</a:t>
+              <a:rPr lang="en-US" dirty="0" smtClean="0"/>
+              <a:t>Categorization or 1</a:t>
+            </a:r>
+            <a:r>
+              <a:rPr lang="en-US" baseline="30000" dirty="0" smtClean="0"/>
+              <a:t>st</a:t>
+            </a:r>
+            <a:r>
+              <a:rPr lang="en-US" dirty="0" smtClean="0"/>
+              <a:t> level dfd</a:t>
             </a:r>
             <a:endParaRPr lang="en-IN" dirty="0"/>
           </a:p>
         </p:txBody>
       </p:sp>
-      <p:sp>
-        <p:nvSpPr>
-          <p:cNvPr id="3" name="Content Placeholder 2"/>
-          <p:cNvSpPr>
-            <a:spLocks noGrp="1"/>
-          </p:cNvSpPr>
-          <p:nvPr>
-            <p:ph idx="1"/>
-          </p:nvPr>
-        </p:nvSpPr>
+      <p:pic>
+        <p:nvPicPr>
+          <p:cNvPr id="4" name="Picture 3"/>
+          <p:cNvPicPr>
+            <a:picLocks noChangeAspect="1"/>
+          </p:cNvPicPr>
+          <p:nvPr/>
+        </p:nvPicPr>
+        <p:blipFill>
+          <a:blip r:embed="rId2">
+            <a:extLst>
+              <a:ext uri="{28A0092B-C50C-407E-A947-70E740481C1C}">
+                <a14:useLocalDpi xmlns:a14="http://schemas.microsoft.com/office/drawing/2010/main" val="0"/>
+              </a:ext>
+            </a:extLst>
+          </a:blip>
+          <a:stretch>
+            <a:fillRect/>
+          </a:stretch>
+        </p:blipFill>
         <p:spPr>
           <a:xfrm>
-            <a:off x="1141114" y="1916832"/>
-            <a:ext cx="9903419" cy="4176464"/>
+            <a:off x="1989956" y="1071005"/>
+            <a:ext cx="7920880" cy="5629275"/>
           </a:xfrm>
+          <a:prstGeom prst="roundRect">
+            <a:avLst>
+              <a:gd name="adj" fmla="val 8594"/>
+            </a:avLst>
+          </a:prstGeom>
+          <a:solidFill>
+            <a:srgbClr val="FFFFFF">
+              <a:shade val="85000"/>
+            </a:srgbClr>
+          </a:solidFill>
+          <a:ln>
+            <a:noFill/>
+          </a:ln>
+          <a:effectLst>
+            <a:reflection blurRad="12700" stA="38000" endPos="28000" dist="5000" dir="5400000" sy="-100000" algn="bl" rotWithShape="0"/>
+          </a:effectLst>
         </p:spPr>
-        <p:txBody>
-          <a:bodyPr>
-            <a:normAutofit/>
-          </a:bodyPr>
-          <a:lstStyle/>
-          <a:p>
-            <a:pPr marL="0" indent="0">
-              <a:buNone/>
-            </a:pPr>
-            <a:r>
-              <a:rPr lang="en-US" dirty="0" smtClean="0"/>
-              <a:t>This Project is divided into three main different modules which are as:-</a:t>
-            </a:r>
-          </a:p>
-          <a:p>
-            <a:pPr marL="0" indent="0">
-              <a:buNone/>
-            </a:pPr>
-            <a:endParaRPr lang="en-US" dirty="0" smtClean="0"/>
-          </a:p>
-          <a:p>
-            <a:r>
-              <a:rPr lang="en-US" dirty="0" smtClean="0"/>
-              <a:t>Admin.py</a:t>
-            </a:r>
-          </a:p>
-          <a:p>
-            <a:pPr marL="0" indent="0">
-              <a:buNone/>
-            </a:pPr>
-            <a:endParaRPr lang="en-US" dirty="0" smtClean="0"/>
-          </a:p>
-          <a:p>
-            <a:r>
-              <a:rPr lang="en-US" dirty="0" smtClean="0"/>
-              <a:t>regesteredUser.py</a:t>
-            </a:r>
-          </a:p>
-          <a:p>
-            <a:endParaRPr lang="en-US" dirty="0" smtClean="0"/>
-          </a:p>
-          <a:p>
-            <a:r>
-              <a:rPr lang="en-US" dirty="0" smtClean="0"/>
-              <a:t>unregisteredUser.py</a:t>
-            </a:r>
-          </a:p>
-          <a:p>
-            <a:pPr marL="0" indent="0">
-              <a:buNone/>
-            </a:pPr>
-            <a:endParaRPr lang="en-US" dirty="0" smtClean="0"/>
-          </a:p>
-          <a:p>
-            <a:endParaRPr lang="en-IN" dirty="0"/>
-          </a:p>
-        </p:txBody>
-      </p:sp>
+      </p:pic>
     </p:spTree>
     <p:extLst>
       <p:ext uri="{BB962C8B-B14F-4D97-AF65-F5344CB8AC3E}">
-        <p14:creationId xmlns:p14="http://schemas.microsoft.com/office/powerpoint/2010/main" val="4161179361"/>
+        <p14:creationId xmlns:p14="http://schemas.microsoft.com/office/powerpoint/2010/main" val="2558736681"/>
       </p:ext>
     </p:extLst>
   </p:cSld>
@@ -15436,14 +15614,21 @@
             <p:ph type="title"/>
           </p:nvPr>
         </p:nvSpPr>
-        <p:spPr/>
+        <p:spPr>
+          <a:xfrm>
+            <a:off x="3179520" y="476672"/>
+            <a:ext cx="5826608" cy="720080"/>
+          </a:xfrm>
+        </p:spPr>
         <p:txBody>
-          <a:bodyPr/>
+          <a:bodyPr>
+            <a:normAutofit fontScale="90000"/>
+          </a:bodyPr>
           <a:lstStyle/>
           <a:p>
             <a:r>
-              <a:rPr lang="en-US" dirty="0" smtClean="0"/>
-              <a:t>Admin module</a:t>
+              <a:rPr lang="en-IN" dirty="0" smtClean="0"/>
+              <a:t>Categorization of project</a:t>
             </a:r>
             <a:endParaRPr lang="en-IN" dirty="0"/>
           </a:p>
@@ -15461,12 +15646,14 @@
         </p:nvSpPr>
         <p:spPr>
           <a:xfrm>
-            <a:off x="1132383" y="2276872"/>
-            <a:ext cx="9903419" cy="3541714"/>
+            <a:off x="1141114" y="1916832"/>
+            <a:ext cx="9903419" cy="4176464"/>
           </a:xfrm>
         </p:spPr>
         <p:txBody>
-          <a:bodyPr/>
+          <a:bodyPr>
+            <a:normAutofit/>
+          </a:bodyPr>
           <a:lstStyle/>
           <a:p>
             <a:pPr marL="0" indent="0">
@@ -15474,25 +15661,49 @@
             </a:pPr>
             <a:r>
               <a:rPr lang="en-US" dirty="0" smtClean="0"/>
-              <a:t>This module deals with the insertion and updating of theaters and movies.</a:t>
-            </a:r>
-            <a:r>
-              <a:rPr lang="en-US" dirty="0"/>
-              <a:t> The admin will be the one who is </a:t>
-            </a:r>
+              <a:t>This Project is divided into three main different modules which are as:-</a:t>
+            </a:r>
+          </a:p>
+          <a:p>
+            <a:pPr marL="0" indent="0">
+              <a:buNone/>
+            </a:pPr>
+            <a:endParaRPr lang="en-US" dirty="0" smtClean="0"/>
+          </a:p>
+          <a:p>
             <a:r>
               <a:rPr lang="en-US" dirty="0" smtClean="0"/>
-              <a:t>owning or having his own Cineplex or Multiplex. Every Movie has a fixed time period of staying at any Cineplex or Multiplex. That’s why, it is the duty of admin to update the movie for his theatre. </a:t>
+              <a:t>Admin.py</a:t>
             </a:r>
           </a:p>
           <a:p>
             <a:pPr marL="0" indent="0">
               <a:buNone/>
             </a:pPr>
+            <a:endParaRPr lang="en-US" dirty="0" smtClean="0"/>
+          </a:p>
+          <a:p>
             <a:r>
               <a:rPr lang="en-US" dirty="0" smtClean="0"/>
-              <a:t>If the admin is not updating the shows for a month then his theatre is considered to be closed and users can’t book movies and shows for the same.</a:t>
-            </a:r>
+              <a:t>regesteredUser.py</a:t>
+            </a:r>
+          </a:p>
+          <a:p>
+            <a:endParaRPr lang="en-US" dirty="0" smtClean="0"/>
+          </a:p>
+          <a:p>
+            <a:r>
+              <a:rPr lang="en-US" dirty="0" smtClean="0"/>
+              <a:t>unregisteredUser.py</a:t>
+            </a:r>
+          </a:p>
+          <a:p>
+            <a:pPr marL="0" indent="0">
+              <a:buNone/>
+            </a:pPr>
+            <a:endParaRPr lang="en-US" dirty="0" smtClean="0"/>
+          </a:p>
+          <a:p>
             <a:endParaRPr lang="en-IN" dirty="0"/>
           </a:p>
         </p:txBody>
@@ -15500,7 +15711,7 @@
     </p:spTree>
     <p:extLst>
       <p:ext uri="{BB962C8B-B14F-4D97-AF65-F5344CB8AC3E}">
-        <p14:creationId xmlns:p14="http://schemas.microsoft.com/office/powerpoint/2010/main" val="3503753853"/>
+        <p14:creationId xmlns:p14="http://schemas.microsoft.com/office/powerpoint/2010/main" val="4161179361"/>
       </p:ext>
     </p:extLst>
   </p:cSld>
@@ -15549,21 +15760,14 @@
             <p:ph type="title"/>
           </p:nvPr>
         </p:nvSpPr>
-        <p:spPr>
-          <a:xfrm>
-            <a:off x="3472160" y="404664"/>
-            <a:ext cx="5241328" cy="578234"/>
-          </a:xfrm>
-        </p:spPr>
+        <p:spPr/>
         <p:txBody>
-          <a:bodyPr>
-            <a:normAutofit fontScale="90000"/>
-          </a:bodyPr>
+          <a:bodyPr/>
           <a:lstStyle/>
           <a:p>
             <a:r>
               <a:rPr lang="en-US" dirty="0" smtClean="0"/>
-              <a:t>Unregistered user module</a:t>
+              <a:t>Admin module</a:t>
             </a:r>
             <a:endParaRPr lang="en-IN" dirty="0"/>
           </a:p>
@@ -15579,7 +15783,12 @@
             <p:ph idx="1"/>
           </p:nvPr>
         </p:nvSpPr>
-        <p:spPr/>
+        <p:spPr>
+          <a:xfrm>
+            <a:off x="1132383" y="2276872"/>
+            <a:ext cx="9903419" cy="3541714"/>
+          </a:xfrm>
+        </p:spPr>
         <p:txBody>
           <a:bodyPr/>
           <a:lstStyle/>
@@ -15589,7 +15798,24 @@
             </a:pPr>
             <a:r>
               <a:rPr lang="en-US" dirty="0" smtClean="0"/>
-              <a:t>This module comes in act when there is a user trying to book a movie or searching its details, but without logging in. In this case that user is considered as an unregistered user. The user can book the tickets for any movie and will be showed up with the details about the movies and theaters. But there are some benefits and offers which these users are going to miss (like:- discount on tickets, Buy 2 get 1 offer, gift cards etc. ) which are only available for Registered Users only.</a:t>
+              <a:t>This module deals with the insertion and updating of theaters and movies.</a:t>
+            </a:r>
+            <a:r>
+              <a:rPr lang="en-US" dirty="0"/>
+              <a:t> The admin will be the one who is </a:t>
+            </a:r>
+            <a:r>
+              <a:rPr lang="en-US" dirty="0" smtClean="0"/>
+              <a:t>owning or having his own Cineplex or Multiplex. Every Movie has a fixed time period of staying at any Cineplex or Multiplex. That’s why, it is the duty of admin to update the movie for his theatre. </a:t>
+            </a:r>
+          </a:p>
+          <a:p>
+            <a:pPr marL="0" indent="0">
+              <a:buNone/>
+            </a:pPr>
+            <a:r>
+              <a:rPr lang="en-US" dirty="0" smtClean="0"/>
+              <a:t>If the admin is not updating the shows for a month then his theatre is considered to be closed and users can’t book movies and shows for the same.</a:t>
             </a:r>
             <a:endParaRPr lang="en-IN" dirty="0"/>
           </a:p>
@@ -15598,7 +15824,7 @@
     </p:spTree>
     <p:extLst>
       <p:ext uri="{BB962C8B-B14F-4D97-AF65-F5344CB8AC3E}">
-        <p14:creationId xmlns:p14="http://schemas.microsoft.com/office/powerpoint/2010/main" val="1788001438"/>
+        <p14:creationId xmlns:p14="http://schemas.microsoft.com/office/powerpoint/2010/main" val="3503753853"/>
       </p:ext>
     </p:extLst>
   </p:cSld>

--- a/Movie Ticket Booking System.pptx
+++ b/Movie Ticket Booking System.pptx
@@ -5,10 +5,10 @@
     <p:sldMasterId id="2147483954" r:id="rId1"/>
   </p:sldMasterIdLst>
   <p:notesMasterIdLst>
-    <p:notesMasterId r:id="rId15"/>
+    <p:notesMasterId r:id="rId20"/>
   </p:notesMasterIdLst>
   <p:handoutMasterIdLst>
-    <p:handoutMasterId r:id="rId16"/>
+    <p:handoutMasterId r:id="rId21"/>
   </p:handoutMasterIdLst>
   <p:sldIdLst>
     <p:sldId id="268" r:id="rId2"/>
@@ -22,8 +22,13 @@
     <p:sldId id="284" r:id="rId10"/>
     <p:sldId id="286" r:id="rId11"/>
     <p:sldId id="285" r:id="rId12"/>
-    <p:sldId id="273" r:id="rId13"/>
-    <p:sldId id="282" r:id="rId14"/>
+    <p:sldId id="288" r:id="rId13"/>
+    <p:sldId id="289" r:id="rId14"/>
+    <p:sldId id="290" r:id="rId15"/>
+    <p:sldId id="291" r:id="rId16"/>
+    <p:sldId id="292" r:id="rId17"/>
+    <p:sldId id="273" r:id="rId18"/>
+    <p:sldId id="282" r:id="rId19"/>
   </p:sldIdLst>
   <p:sldSz cx="12188825" cy="6858000"/>
   <p:notesSz cx="6858000" cy="9144000"/>
@@ -256,7 +261,7 @@
           <a:p>
             <a:fld id="{BEA74EB7-856E-45FD-83F0-5F7C6F3E4372}" type="datetimeFigureOut">
               <a:rPr lang="en-US"/>
-              <a:t>3/3/2021</a:t>
+              <a:t>3/7/2021</a:t>
             </a:fld>
             <a:endParaRPr dirty="0"/>
           </a:p>
@@ -421,7 +426,7 @@
           <a:p>
             <a:fld id="{C61B0E40-8125-41F8-BB6C-139D8D531A4F}" type="datetimeFigureOut">
               <a:rPr lang="en-US"/>
-              <a:t>3/3/2021</a:t>
+              <a:t>3/7/2021</a:t>
             </a:fld>
             <a:endParaRPr dirty="0"/>
           </a:p>
@@ -1000,7 +1005,7 @@
           <a:p>
             <a:fld id="{BF105DB2-FD3E-441D-8B7E-7AE83ECE27B3}" type="slidenum">
               <a:rPr lang="en-US" smtClean="0"/>
-              <a:t>12</a:t>
+              <a:t>17</a:t>
             </a:fld>
             <a:endParaRPr lang="en-US" dirty="0"/>
           </a:p>
@@ -1076,7 +1081,7 @@
           <a:noFill/>
           <a:extLst>
             <a:ext uri="{909E8E84-426E-40dd-AFC4-6F175D3DCCD1}">
-              <a14:hiddenFill xmlns:a14="http://schemas.microsoft.com/office/drawing/2010/main" xmlns="">
+              <a14:hiddenFill xmlns="" xmlns:a14="http://schemas.microsoft.com/office/drawing/2010/main">
                 <a:solidFill>
                   <a:srgbClr val="FFFFFF"/>
                 </a:solidFill>
@@ -1135,7 +1140,7 @@
             </a:ln>
             <a:extLst>
               <a:ext uri="{91240B29-F687-4f45-9708-019B960494DF}">
-                <a14:hiddenLine xmlns:a14="http://schemas.microsoft.com/office/drawing/2010/main" xmlns="" w="9525">
+                <a14:hiddenLine xmlns="" xmlns:a14="http://schemas.microsoft.com/office/drawing/2010/main" w="9525">
                   <a:solidFill>
                     <a:srgbClr val="000000"/>
                   </a:solidFill>
@@ -1225,7 +1230,7 @@
             </a:ln>
             <a:extLst>
               <a:ext uri="{91240B29-F687-4f45-9708-019B960494DF}">
-                <a14:hiddenLine xmlns:a14="http://schemas.microsoft.com/office/drawing/2010/main" xmlns="" w="9525">
+                <a14:hiddenLine xmlns="" xmlns:a14="http://schemas.microsoft.com/office/drawing/2010/main" w="9525">
                   <a:solidFill>
                     <a:srgbClr val="000000"/>
                   </a:solidFill>
@@ -1315,7 +1320,7 @@
             </a:ln>
             <a:extLst>
               <a:ext uri="{91240B29-F687-4f45-9708-019B960494DF}">
-                <a14:hiddenLine xmlns:a14="http://schemas.microsoft.com/office/drawing/2010/main" xmlns="" w="9525">
+                <a14:hiddenLine xmlns="" xmlns:a14="http://schemas.microsoft.com/office/drawing/2010/main" w="9525">
                   <a:solidFill>
                     <a:srgbClr val="000000"/>
                   </a:solidFill>
@@ -1349,7 +1354,7 @@
             </a:ln>
             <a:extLst>
               <a:ext uri="{91240B29-F687-4f45-9708-019B960494DF}">
-                <a14:hiddenLine xmlns:a14="http://schemas.microsoft.com/office/drawing/2010/main" xmlns="" w="9525">
+                <a14:hiddenLine xmlns="" xmlns:a14="http://schemas.microsoft.com/office/drawing/2010/main" w="9525">
                   <a:solidFill>
                     <a:srgbClr val="000000"/>
                   </a:solidFill>
@@ -1439,7 +1444,7 @@
             </a:ln>
             <a:extLst>
               <a:ext uri="{91240B29-F687-4f45-9708-019B960494DF}">
-                <a14:hiddenLine xmlns:a14="http://schemas.microsoft.com/office/drawing/2010/main" xmlns="" w="9525">
+                <a14:hiddenLine xmlns="" xmlns:a14="http://schemas.microsoft.com/office/drawing/2010/main" w="9525">
                   <a:solidFill>
                     <a:srgbClr val="000000"/>
                   </a:solidFill>
@@ -1501,7 +1506,7 @@
             </a:ln>
             <a:extLst>
               <a:ext uri="{91240B29-F687-4f45-9708-019B960494DF}">
-                <a14:hiddenLine xmlns:a14="http://schemas.microsoft.com/office/drawing/2010/main" xmlns="" w="9525">
+                <a14:hiddenLine xmlns="" xmlns:a14="http://schemas.microsoft.com/office/drawing/2010/main" w="9525">
                   <a:solidFill>
                     <a:srgbClr val="000000"/>
                   </a:solidFill>
@@ -1563,7 +1568,7 @@
             </a:ln>
             <a:extLst>
               <a:ext uri="{91240B29-F687-4f45-9708-019B960494DF}">
-                <a14:hiddenLine xmlns:a14="http://schemas.microsoft.com/office/drawing/2010/main" xmlns="" w="9525">
+                <a14:hiddenLine xmlns="" xmlns:a14="http://schemas.microsoft.com/office/drawing/2010/main" w="9525">
                   <a:solidFill>
                     <a:srgbClr val="000000"/>
                   </a:solidFill>
@@ -1653,7 +1658,7 @@
             </a:ln>
             <a:extLst>
               <a:ext uri="{91240B29-F687-4f45-9708-019B960494DF}">
-                <a14:hiddenLine xmlns:a14="http://schemas.microsoft.com/office/drawing/2010/main" xmlns="" w="9525">
+                <a14:hiddenLine xmlns="" xmlns:a14="http://schemas.microsoft.com/office/drawing/2010/main" w="9525">
                   <a:solidFill>
                     <a:srgbClr val="000000"/>
                   </a:solidFill>
@@ -1715,7 +1720,7 @@
             </a:ln>
             <a:extLst>
               <a:ext uri="{91240B29-F687-4f45-9708-019B960494DF}">
-                <a14:hiddenLine xmlns:a14="http://schemas.microsoft.com/office/drawing/2010/main" xmlns="" w="9525">
+                <a14:hiddenLine xmlns="" xmlns:a14="http://schemas.microsoft.com/office/drawing/2010/main" w="9525">
                   <a:solidFill>
                     <a:srgbClr val="000000"/>
                   </a:solidFill>
@@ -1777,7 +1782,7 @@
             </a:ln>
             <a:extLst>
               <a:ext uri="{91240B29-F687-4f45-9708-019B960494DF}">
-                <a14:hiddenLine xmlns:a14="http://schemas.microsoft.com/office/drawing/2010/main" xmlns="" w="9525">
+                <a14:hiddenLine xmlns="" xmlns:a14="http://schemas.microsoft.com/office/drawing/2010/main" w="9525">
                   <a:solidFill>
                     <a:srgbClr val="000000"/>
                   </a:solidFill>
@@ -1867,7 +1872,7 @@
             </a:ln>
             <a:extLst>
               <a:ext uri="{91240B29-F687-4f45-9708-019B960494DF}">
-                <a14:hiddenLine xmlns:a14="http://schemas.microsoft.com/office/drawing/2010/main" xmlns="" w="9525">
+                <a14:hiddenLine xmlns="" xmlns:a14="http://schemas.microsoft.com/office/drawing/2010/main" w="9525">
                   <a:solidFill>
                     <a:srgbClr val="000000"/>
                   </a:solidFill>
@@ -1957,7 +1962,7 @@
             </a:ln>
             <a:extLst>
               <a:ext uri="{91240B29-F687-4f45-9708-019B960494DF}">
-                <a14:hiddenLine xmlns:a14="http://schemas.microsoft.com/office/drawing/2010/main" xmlns="" w="9525">
+                <a14:hiddenLine xmlns="" xmlns:a14="http://schemas.microsoft.com/office/drawing/2010/main" w="9525">
                   <a:solidFill>
                     <a:srgbClr val="000000"/>
                   </a:solidFill>
@@ -2019,7 +2024,7 @@
             </a:ln>
             <a:extLst>
               <a:ext uri="{91240B29-F687-4f45-9708-019B960494DF}">
-                <a14:hiddenLine xmlns:a14="http://schemas.microsoft.com/office/drawing/2010/main" xmlns="" w="9525">
+                <a14:hiddenLine xmlns="" xmlns:a14="http://schemas.microsoft.com/office/drawing/2010/main" w="9525">
                   <a:solidFill>
                     <a:srgbClr val="000000"/>
                   </a:solidFill>
@@ -2129,7 +2134,7 @@
             </a:ln>
             <a:extLst>
               <a:ext uri="{91240B29-F687-4f45-9708-019B960494DF}">
-                <a14:hiddenLine xmlns:a14="http://schemas.microsoft.com/office/drawing/2010/main" xmlns="" w="9525">
+                <a14:hiddenLine xmlns="" xmlns:a14="http://schemas.microsoft.com/office/drawing/2010/main" w="9525">
                   <a:solidFill>
                     <a:srgbClr val="000000"/>
                   </a:solidFill>
@@ -2191,7 +2196,7 @@
             </a:ln>
             <a:extLst>
               <a:ext uri="{91240B29-F687-4f45-9708-019B960494DF}">
-                <a14:hiddenLine xmlns:a14="http://schemas.microsoft.com/office/drawing/2010/main" xmlns="" w="9525">
+                <a14:hiddenLine xmlns="" xmlns:a14="http://schemas.microsoft.com/office/drawing/2010/main" w="9525">
                   <a:solidFill>
                     <a:srgbClr val="000000"/>
                   </a:solidFill>
@@ -2281,7 +2286,7 @@
             </a:ln>
             <a:extLst>
               <a:ext uri="{91240B29-F687-4f45-9708-019B960494DF}">
-                <a14:hiddenLine xmlns:a14="http://schemas.microsoft.com/office/drawing/2010/main" xmlns="" w="9525">
+                <a14:hiddenLine xmlns="" xmlns:a14="http://schemas.microsoft.com/office/drawing/2010/main" w="9525">
                   <a:solidFill>
                     <a:srgbClr val="000000"/>
                   </a:solidFill>
@@ -2371,7 +2376,7 @@
             </a:ln>
             <a:extLst>
               <a:ext uri="{91240B29-F687-4f45-9708-019B960494DF}">
-                <a14:hiddenLine xmlns:a14="http://schemas.microsoft.com/office/drawing/2010/main" xmlns="" w="9525">
+                <a14:hiddenLine xmlns="" xmlns:a14="http://schemas.microsoft.com/office/drawing/2010/main" w="9525">
                   <a:solidFill>
                     <a:srgbClr val="000000"/>
                   </a:solidFill>
@@ -2433,7 +2438,7 @@
             </a:ln>
             <a:extLst>
               <a:ext uri="{91240B29-F687-4f45-9708-019B960494DF}">
-                <a14:hiddenLine xmlns:a14="http://schemas.microsoft.com/office/drawing/2010/main" xmlns="" w="9525">
+                <a14:hiddenLine xmlns="" xmlns:a14="http://schemas.microsoft.com/office/drawing/2010/main" w="9525">
                   <a:solidFill>
                     <a:srgbClr val="000000"/>
                   </a:solidFill>
@@ -2523,7 +2528,7 @@
             </a:ln>
             <a:extLst>
               <a:ext uri="{91240B29-F687-4f45-9708-019B960494DF}">
-                <a14:hiddenLine xmlns:a14="http://schemas.microsoft.com/office/drawing/2010/main" xmlns="" w="9525">
+                <a14:hiddenLine xmlns="" xmlns:a14="http://schemas.microsoft.com/office/drawing/2010/main" w="9525">
                   <a:solidFill>
                     <a:srgbClr val="000000"/>
                   </a:solidFill>
@@ -2613,7 +2618,7 @@
             </a:ln>
             <a:extLst>
               <a:ext uri="{91240B29-F687-4f45-9708-019B960494DF}">
-                <a14:hiddenLine xmlns:a14="http://schemas.microsoft.com/office/drawing/2010/main" xmlns="" w="9525">
+                <a14:hiddenLine xmlns="" xmlns:a14="http://schemas.microsoft.com/office/drawing/2010/main" w="9525">
                   <a:solidFill>
                     <a:srgbClr val="000000"/>
                   </a:solidFill>
@@ -2669,7 +2674,7 @@
             </a:ln>
             <a:extLst>
               <a:ext uri="{91240B29-F687-4f45-9708-019B960494DF}">
-                <a14:hiddenLine xmlns:a14="http://schemas.microsoft.com/office/drawing/2010/main" xmlns="" w="9525">
+                <a14:hiddenLine xmlns="" xmlns:a14="http://schemas.microsoft.com/office/drawing/2010/main" w="9525">
                   <a:solidFill>
                     <a:srgbClr val="000000"/>
                   </a:solidFill>
@@ -2759,7 +2764,7 @@
             </a:ln>
             <a:extLst>
               <a:ext uri="{91240B29-F687-4f45-9708-019B960494DF}">
-                <a14:hiddenLine xmlns:a14="http://schemas.microsoft.com/office/drawing/2010/main" xmlns="" w="9525">
+                <a14:hiddenLine xmlns="" xmlns:a14="http://schemas.microsoft.com/office/drawing/2010/main" w="9525">
                   <a:solidFill>
                     <a:srgbClr val="000000"/>
                   </a:solidFill>
@@ -2815,7 +2820,7 @@
             </a:ln>
             <a:extLst>
               <a:ext uri="{91240B29-F687-4f45-9708-019B960494DF}">
-                <a14:hiddenLine xmlns:a14="http://schemas.microsoft.com/office/drawing/2010/main" xmlns="" w="9525">
+                <a14:hiddenLine xmlns="" xmlns:a14="http://schemas.microsoft.com/office/drawing/2010/main" w="9525">
                   <a:solidFill>
                     <a:srgbClr val="000000"/>
                   </a:solidFill>
@@ -2905,7 +2910,7 @@
             </a:ln>
             <a:extLst>
               <a:ext uri="{91240B29-F687-4f45-9708-019B960494DF}">
-                <a14:hiddenLine xmlns:a14="http://schemas.microsoft.com/office/drawing/2010/main" xmlns="" w="9525">
+                <a14:hiddenLine xmlns="" xmlns:a14="http://schemas.microsoft.com/office/drawing/2010/main" w="9525">
                   <a:solidFill>
                     <a:srgbClr val="000000"/>
                   </a:solidFill>
@@ -2973,7 +2978,7 @@
             </a:ln>
             <a:extLst>
               <a:ext uri="{91240B29-F687-4f45-9708-019B960494DF}">
-                <a14:hiddenLine xmlns:a14="http://schemas.microsoft.com/office/drawing/2010/main" xmlns="" w="9525">
+                <a14:hiddenLine xmlns="" xmlns:a14="http://schemas.microsoft.com/office/drawing/2010/main" w="9525">
                   <a:solidFill>
                     <a:srgbClr val="000000"/>
                   </a:solidFill>
@@ -3063,7 +3068,7 @@
             </a:ln>
             <a:extLst>
               <a:ext uri="{91240B29-F687-4f45-9708-019B960494DF}">
-                <a14:hiddenLine xmlns:a14="http://schemas.microsoft.com/office/drawing/2010/main" xmlns="" w="9525">
+                <a14:hiddenLine xmlns="" xmlns:a14="http://schemas.microsoft.com/office/drawing/2010/main" w="9525">
                   <a:solidFill>
                     <a:srgbClr val="000000"/>
                   </a:solidFill>
@@ -3131,7 +3136,7 @@
             </a:ln>
             <a:extLst>
               <a:ext uri="{91240B29-F687-4f45-9708-019B960494DF}">
-                <a14:hiddenLine xmlns:a14="http://schemas.microsoft.com/office/drawing/2010/main" xmlns="" w="9525">
+                <a14:hiddenLine xmlns="" xmlns:a14="http://schemas.microsoft.com/office/drawing/2010/main" w="9525">
                   <a:solidFill>
                     <a:srgbClr val="000000"/>
                   </a:solidFill>
@@ -3221,7 +3226,7 @@
             </a:ln>
             <a:extLst>
               <a:ext uri="{91240B29-F687-4f45-9708-019B960494DF}">
-                <a14:hiddenLine xmlns:a14="http://schemas.microsoft.com/office/drawing/2010/main" xmlns="" w="9525">
+                <a14:hiddenLine xmlns="" xmlns:a14="http://schemas.microsoft.com/office/drawing/2010/main" w="9525">
                   <a:solidFill>
                     <a:srgbClr val="000000"/>
                   </a:solidFill>
@@ -3255,7 +3260,7 @@
             </a:ln>
             <a:extLst>
               <a:ext uri="{91240B29-F687-4f45-9708-019B960494DF}">
-                <a14:hiddenLine xmlns:a14="http://schemas.microsoft.com/office/drawing/2010/main" xmlns="" w="9525">
+                <a14:hiddenLine xmlns="" xmlns:a14="http://schemas.microsoft.com/office/drawing/2010/main" w="9525">
                   <a:solidFill>
                     <a:srgbClr val="000000"/>
                   </a:solidFill>
@@ -3345,7 +3350,7 @@
             </a:ln>
             <a:extLst>
               <a:ext uri="{91240B29-F687-4f45-9708-019B960494DF}">
-                <a14:hiddenLine xmlns:a14="http://schemas.microsoft.com/office/drawing/2010/main" xmlns="" w="9525">
+                <a14:hiddenLine xmlns="" xmlns:a14="http://schemas.microsoft.com/office/drawing/2010/main" w="9525">
                   <a:solidFill>
                     <a:srgbClr val="000000"/>
                   </a:solidFill>
@@ -3407,7 +3412,7 @@
             </a:ln>
             <a:extLst>
               <a:ext uri="{91240B29-F687-4f45-9708-019B960494DF}">
-                <a14:hiddenLine xmlns:a14="http://schemas.microsoft.com/office/drawing/2010/main" xmlns="" w="9525">
+                <a14:hiddenLine xmlns="" xmlns:a14="http://schemas.microsoft.com/office/drawing/2010/main" w="9525">
                   <a:solidFill>
                     <a:srgbClr val="000000"/>
                   </a:solidFill>
@@ -3469,7 +3474,7 @@
             </a:ln>
             <a:extLst>
               <a:ext uri="{91240B29-F687-4f45-9708-019B960494DF}">
-                <a14:hiddenLine xmlns:a14="http://schemas.microsoft.com/office/drawing/2010/main" xmlns="" w="9525">
+                <a14:hiddenLine xmlns="" xmlns:a14="http://schemas.microsoft.com/office/drawing/2010/main" w="9525">
                   <a:solidFill>
                     <a:srgbClr val="000000"/>
                   </a:solidFill>
@@ -3559,7 +3564,7 @@
             </a:ln>
             <a:extLst>
               <a:ext uri="{91240B29-F687-4f45-9708-019B960494DF}">
-                <a14:hiddenLine xmlns:a14="http://schemas.microsoft.com/office/drawing/2010/main" xmlns="" w="9525">
+                <a14:hiddenLine xmlns="" xmlns:a14="http://schemas.microsoft.com/office/drawing/2010/main" w="9525">
                   <a:solidFill>
                     <a:srgbClr val="000000"/>
                   </a:solidFill>
@@ -3627,7 +3632,7 @@
             </a:ln>
             <a:extLst>
               <a:ext uri="{91240B29-F687-4f45-9708-019B960494DF}">
-                <a14:hiddenLine xmlns:a14="http://schemas.microsoft.com/office/drawing/2010/main" xmlns="" w="9525">
+                <a14:hiddenLine xmlns="" xmlns:a14="http://schemas.microsoft.com/office/drawing/2010/main" w="9525">
                   <a:solidFill>
                     <a:srgbClr val="000000"/>
                   </a:solidFill>
@@ -3689,7 +3694,7 @@
             </a:ln>
             <a:extLst>
               <a:ext uri="{91240B29-F687-4f45-9708-019B960494DF}">
-                <a14:hiddenLine xmlns:a14="http://schemas.microsoft.com/office/drawing/2010/main" xmlns="" w="9525">
+                <a14:hiddenLine xmlns="" xmlns:a14="http://schemas.microsoft.com/office/drawing/2010/main" w="9525">
                   <a:solidFill>
                     <a:srgbClr val="000000"/>
                   </a:solidFill>
@@ -3779,7 +3784,7 @@
             </a:ln>
             <a:extLst>
               <a:ext uri="{91240B29-F687-4f45-9708-019B960494DF}">
-                <a14:hiddenLine xmlns:a14="http://schemas.microsoft.com/office/drawing/2010/main" xmlns="" w="9525">
+                <a14:hiddenLine xmlns="" xmlns:a14="http://schemas.microsoft.com/office/drawing/2010/main" w="9525">
                   <a:solidFill>
                     <a:srgbClr val="000000"/>
                   </a:solidFill>
@@ -3841,7 +3846,7 @@
             </a:ln>
             <a:extLst>
               <a:ext uri="{91240B29-F687-4f45-9708-019B960494DF}">
-                <a14:hiddenLine xmlns:a14="http://schemas.microsoft.com/office/drawing/2010/main" xmlns="" w="9525">
+                <a14:hiddenLine xmlns="" xmlns:a14="http://schemas.microsoft.com/office/drawing/2010/main" w="9525">
                   <a:solidFill>
                     <a:srgbClr val="000000"/>
                   </a:solidFill>
@@ -3931,7 +3936,7 @@
             </a:ln>
             <a:extLst>
               <a:ext uri="{91240B29-F687-4f45-9708-019B960494DF}">
-                <a14:hiddenLine xmlns:a14="http://schemas.microsoft.com/office/drawing/2010/main" xmlns="" w="9525">
+                <a14:hiddenLine xmlns="" xmlns:a14="http://schemas.microsoft.com/office/drawing/2010/main" w="9525">
                   <a:solidFill>
                     <a:srgbClr val="000000"/>
                   </a:solidFill>
@@ -3993,7 +3998,7 @@
             </a:ln>
             <a:extLst>
               <a:ext uri="{91240B29-F687-4f45-9708-019B960494DF}">
-                <a14:hiddenLine xmlns:a14="http://schemas.microsoft.com/office/drawing/2010/main" xmlns="" w="9525">
+                <a14:hiddenLine xmlns="" xmlns:a14="http://schemas.microsoft.com/office/drawing/2010/main" w="9525">
                   <a:solidFill>
                     <a:srgbClr val="000000"/>
                   </a:solidFill>
@@ -4083,7 +4088,7 @@
             </a:ln>
             <a:extLst>
               <a:ext uri="{91240B29-F687-4f45-9708-019B960494DF}">
-                <a14:hiddenLine xmlns:a14="http://schemas.microsoft.com/office/drawing/2010/main" xmlns="" w="9525">
+                <a14:hiddenLine xmlns="" xmlns:a14="http://schemas.microsoft.com/office/drawing/2010/main" w="9525">
                   <a:solidFill>
                     <a:srgbClr val="000000"/>
                   </a:solidFill>
@@ -4117,7 +4122,7 @@
             </a:ln>
             <a:extLst>
               <a:ext uri="{91240B29-F687-4f45-9708-019B960494DF}">
-                <a14:hiddenLine xmlns:a14="http://schemas.microsoft.com/office/drawing/2010/main" xmlns="" w="9525">
+                <a14:hiddenLine xmlns="" xmlns:a14="http://schemas.microsoft.com/office/drawing/2010/main" w="9525">
                   <a:solidFill>
                     <a:srgbClr val="000000"/>
                   </a:solidFill>
@@ -4182,7 +4187,7 @@
             </a:ln>
             <a:extLst>
               <a:ext uri="{91240B29-F687-4f45-9708-019B960494DF}">
-                <a14:hiddenLine xmlns:a14="http://schemas.microsoft.com/office/drawing/2010/main" xmlns="" w="9525">
+                <a14:hiddenLine xmlns="" xmlns:a14="http://schemas.microsoft.com/office/drawing/2010/main" w="9525">
                   <a:solidFill>
                     <a:srgbClr val="000000"/>
                   </a:solidFill>
@@ -4272,7 +4277,7 @@
             </a:ln>
             <a:extLst>
               <a:ext uri="{91240B29-F687-4f45-9708-019B960494DF}">
-                <a14:hiddenLine xmlns:a14="http://schemas.microsoft.com/office/drawing/2010/main" xmlns="" w="9525">
+                <a14:hiddenLine xmlns="" xmlns:a14="http://schemas.microsoft.com/office/drawing/2010/main" w="9525">
                   <a:solidFill>
                     <a:srgbClr val="000000"/>
                   </a:solidFill>
@@ -4334,7 +4339,7 @@
             </a:ln>
             <a:extLst>
               <a:ext uri="{91240B29-F687-4f45-9708-019B960494DF}">
-                <a14:hiddenLine xmlns:a14="http://schemas.microsoft.com/office/drawing/2010/main" xmlns="" w="9525">
+                <a14:hiddenLine xmlns="" xmlns:a14="http://schemas.microsoft.com/office/drawing/2010/main" w="9525">
                   <a:solidFill>
                     <a:srgbClr val="000000"/>
                   </a:solidFill>
@@ -4424,7 +4429,7 @@
             </a:ln>
             <a:extLst>
               <a:ext uri="{91240B29-F687-4f45-9708-019B960494DF}">
-                <a14:hiddenLine xmlns:a14="http://schemas.microsoft.com/office/drawing/2010/main" xmlns="" w="9525">
+                <a14:hiddenLine xmlns="" xmlns:a14="http://schemas.microsoft.com/office/drawing/2010/main" w="9525">
                   <a:solidFill>
                     <a:srgbClr val="000000"/>
                   </a:solidFill>
@@ -4514,7 +4519,7 @@
             </a:ln>
             <a:extLst>
               <a:ext uri="{91240B29-F687-4f45-9708-019B960494DF}">
-                <a14:hiddenLine xmlns:a14="http://schemas.microsoft.com/office/drawing/2010/main" xmlns="" w="9525">
+                <a14:hiddenLine xmlns="" xmlns:a14="http://schemas.microsoft.com/office/drawing/2010/main" w="9525">
                   <a:solidFill>
                     <a:srgbClr val="000000"/>
                   </a:solidFill>
@@ -4579,7 +4584,7 @@
             </a:ln>
             <a:extLst>
               <a:ext uri="{91240B29-F687-4f45-9708-019B960494DF}">
-                <a14:hiddenLine xmlns:a14="http://schemas.microsoft.com/office/drawing/2010/main" xmlns="" w="9525">
+                <a14:hiddenLine xmlns="" xmlns:a14="http://schemas.microsoft.com/office/drawing/2010/main" w="9525">
                   <a:solidFill>
                     <a:srgbClr val="000000"/>
                   </a:solidFill>
@@ -4641,7 +4646,7 @@
             </a:ln>
             <a:extLst>
               <a:ext uri="{91240B29-F687-4f45-9708-019B960494DF}">
-                <a14:hiddenLine xmlns:a14="http://schemas.microsoft.com/office/drawing/2010/main" xmlns="" w="9525">
+                <a14:hiddenLine xmlns="" xmlns:a14="http://schemas.microsoft.com/office/drawing/2010/main" w="9525">
                   <a:solidFill>
                     <a:srgbClr val="000000"/>
                   </a:solidFill>
@@ -4731,7 +4736,7 @@
             </a:ln>
             <a:extLst>
               <a:ext uri="{91240B29-F687-4f45-9708-019B960494DF}">
-                <a14:hiddenLine xmlns:a14="http://schemas.microsoft.com/office/drawing/2010/main" xmlns="" w="9525">
+                <a14:hiddenLine xmlns="" xmlns:a14="http://schemas.microsoft.com/office/drawing/2010/main" w="9525">
                   <a:solidFill>
                     <a:srgbClr val="000000"/>
                   </a:solidFill>
@@ -4821,7 +4826,7 @@
             </a:ln>
             <a:extLst>
               <a:ext uri="{91240B29-F687-4f45-9708-019B960494DF}">
-                <a14:hiddenLine xmlns:a14="http://schemas.microsoft.com/office/drawing/2010/main" xmlns="" w="9525">
+                <a14:hiddenLine xmlns="" xmlns:a14="http://schemas.microsoft.com/office/drawing/2010/main" w="9525">
                   <a:solidFill>
                     <a:srgbClr val="000000"/>
                   </a:solidFill>
@@ -4883,7 +4888,7 @@
             </a:ln>
             <a:extLst>
               <a:ext uri="{91240B29-F687-4f45-9708-019B960494DF}">
-                <a14:hiddenLine xmlns:a14="http://schemas.microsoft.com/office/drawing/2010/main" xmlns="" w="9525">
+                <a14:hiddenLine xmlns="" xmlns:a14="http://schemas.microsoft.com/office/drawing/2010/main" w="9525">
                   <a:solidFill>
                     <a:srgbClr val="000000"/>
                   </a:solidFill>
@@ -5003,7 +5008,7 @@
             </a:ln>
             <a:extLst>
               <a:ext uri="{91240B29-F687-4f45-9708-019B960494DF}">
-                <a14:hiddenLine xmlns:a14="http://schemas.microsoft.com/office/drawing/2010/main" xmlns="" w="9525">
+                <a14:hiddenLine xmlns="" xmlns:a14="http://schemas.microsoft.com/office/drawing/2010/main" w="9525">
                   <a:solidFill>
                     <a:srgbClr val="000000"/>
                   </a:solidFill>
@@ -5071,7 +5076,7 @@
             </a:ln>
             <a:extLst>
               <a:ext uri="{91240B29-F687-4f45-9708-019B960494DF}">
-                <a14:hiddenLine xmlns:a14="http://schemas.microsoft.com/office/drawing/2010/main" xmlns="" w="9525">
+                <a14:hiddenLine xmlns="" xmlns:a14="http://schemas.microsoft.com/office/drawing/2010/main" w="9525">
                   <a:solidFill>
                     <a:srgbClr val="000000"/>
                   </a:solidFill>
@@ -5161,7 +5166,7 @@
             </a:ln>
             <a:extLst>
               <a:ext uri="{91240B29-F687-4f45-9708-019B960494DF}">
-                <a14:hiddenLine xmlns:a14="http://schemas.microsoft.com/office/drawing/2010/main" xmlns="" w="9525">
+                <a14:hiddenLine xmlns="" xmlns:a14="http://schemas.microsoft.com/office/drawing/2010/main" w="9525">
                   <a:solidFill>
                     <a:srgbClr val="000000"/>
                   </a:solidFill>
@@ -5301,7 +5306,7 @@
           <a:p>
             <a:fld id="{333B76B7-5811-4114-8A95-998148FFD529}" type="datetime1">
               <a:rPr lang="en-US" smtClean="0"/>
-              <a:t>3/3/2021</a:t>
+              <a:t>3/7/2021</a:t>
             </a:fld>
             <a:endParaRPr lang="en-US" dirty="0"/>
           </a:p>
@@ -5593,7 +5598,7 @@
             <a:fld id="{5C6E67D0-0200-42BE-A0B2-78C70FBBB312}" type="datetime1">
               <a:rPr lang="en-US" smtClean="0"/>
               <a:pPr/>
-              <a:t>3/3/2021</a:t>
+              <a:t>3/7/2021</a:t>
             </a:fld>
             <a:endParaRPr lang="en-US" dirty="0"/>
           </a:p>
@@ -5803,7 +5808,7 @@
             <a:fld id="{5C6E67D0-0200-42BE-A0B2-78C70FBBB312}" type="datetime1">
               <a:rPr lang="en-US" smtClean="0"/>
               <a:pPr/>
-              <a:t>3/3/2021</a:t>
+              <a:t>3/7/2021</a:t>
             </a:fld>
             <a:endParaRPr lang="en-US" dirty="0"/>
           </a:p>
@@ -6080,7 +6085,7 @@
             <a:fld id="{5C6E67D0-0200-42BE-A0B2-78C70FBBB312}" type="datetime1">
               <a:rPr lang="en-US" smtClean="0"/>
               <a:pPr/>
-              <a:t>3/3/2021</a:t>
+              <a:t>3/7/2021</a:t>
             </a:fld>
             <a:endParaRPr lang="en-US" dirty="0"/>
           </a:p>
@@ -6528,7 +6533,7 @@
             <a:fld id="{5C6E67D0-0200-42BE-A0B2-78C70FBBB312}" type="datetime1">
               <a:rPr lang="en-US" smtClean="0"/>
               <a:pPr/>
-              <a:t>3/3/2021</a:t>
+              <a:t>3/7/2021</a:t>
             </a:fld>
             <a:endParaRPr lang="en-US" dirty="0"/>
           </a:p>
@@ -7088,7 +7093,7 @@
             <a:fld id="{5C6E67D0-0200-42BE-A0B2-78C70FBBB312}" type="datetime1">
               <a:rPr lang="en-US" smtClean="0"/>
               <a:pPr/>
-              <a:t>3/3/2021</a:t>
+              <a:t>3/7/2021</a:t>
             </a:fld>
             <a:endParaRPr lang="en-US" dirty="0"/>
           </a:p>
@@ -7822,7 +7827,7 @@
             <a:fld id="{5C6E67D0-0200-42BE-A0B2-78C70FBBB312}" type="datetime1">
               <a:rPr lang="en-US" smtClean="0"/>
               <a:pPr/>
-              <a:t>3/3/2021</a:t>
+              <a:t>3/7/2021</a:t>
             </a:fld>
             <a:endParaRPr lang="en-US" dirty="0"/>
           </a:p>
@@ -8005,7 +8010,7 @@
           <a:p>
             <a:fld id="{175C077A-EF7A-41AA-8976-110EB7416C60}" type="datetime1">
               <a:rPr lang="en-US" smtClean="0"/>
-              <a:t>3/3/2021</a:t>
+              <a:t>3/7/2021</a:t>
             </a:fld>
             <a:endParaRPr lang="en-US" dirty="0"/>
           </a:p>
@@ -8209,7 +8214,7 @@
           <a:p>
             <a:fld id="{CFF5912B-6681-4BDF-AE10-F59636249FF3}" type="datetime1">
               <a:rPr lang="en-US" smtClean="0"/>
-              <a:t>3/3/2021</a:t>
+              <a:t>3/7/2021</a:t>
             </a:fld>
             <a:endParaRPr lang="en-US" dirty="0"/>
           </a:p>
@@ -8431,7 +8436,7 @@
           <a:p>
             <a:fld id="{905C8E22-D0BA-4CB4-9C32-B27533199514}" type="datetime1">
               <a:rPr lang="en-US" smtClean="0"/>
-              <a:t>3/3/2021</a:t>
+              <a:t>3/7/2021</a:t>
             </a:fld>
             <a:endParaRPr dirty="0"/>
           </a:p>
@@ -8595,7 +8600,7 @@
           <a:p>
             <a:fld id="{FC2180A9-7A83-412D-A8AC-5AF60A8AA507}" type="datetime1">
               <a:rPr lang="en-US" smtClean="0"/>
-              <a:t>3/3/2021</a:t>
+              <a:t>3/7/2021</a:t>
             </a:fld>
             <a:endParaRPr lang="en-US" dirty="0"/>
           </a:p>
@@ -8869,7 +8874,7 @@
           <a:p>
             <a:fld id="{6A563DF0-FDDF-4143-9D8C-6AF41892E174}" type="datetime1">
               <a:rPr lang="en-US" smtClean="0"/>
-              <a:t>3/3/2021</a:t>
+              <a:t>3/7/2021</a:t>
             </a:fld>
             <a:endParaRPr lang="en-US" dirty="0"/>
           </a:p>
@@ -9125,7 +9130,7 @@
           <a:p>
             <a:fld id="{38BB83F9-4677-4C31-8407-7919061A580B}" type="datetime1">
               <a:rPr lang="en-US" smtClean="0"/>
-              <a:t>3/3/2021</a:t>
+              <a:t>3/7/2021</a:t>
             </a:fld>
             <a:endParaRPr lang="en-US" dirty="0"/>
           </a:p>
@@ -9530,7 +9535,7 @@
           <a:p>
             <a:fld id="{C33939A6-3450-434F-A872-BEE63F7EB093}" type="datetime1">
               <a:rPr lang="en-US" smtClean="0"/>
-              <a:t>3/3/2021</a:t>
+              <a:t>3/7/2021</a:t>
             </a:fld>
             <a:endParaRPr lang="en-US" dirty="0"/>
           </a:p>
@@ -9672,7 +9677,7 @@
           <a:p>
             <a:fld id="{E3BABB1C-FA00-4171-BA31-4C5E719472F3}" type="datetime1">
               <a:rPr lang="en-US" smtClean="0"/>
-              <a:t>3/3/2021</a:t>
+              <a:t>3/7/2021</a:t>
             </a:fld>
             <a:endParaRPr lang="en-US" dirty="0"/>
           </a:p>
@@ -9791,7 +9796,7 @@
           <a:p>
             <a:fld id="{D76C8610-5B57-4C6B-BF9F-F5397A1F60B8}" type="datetime1">
               <a:rPr lang="en-US" smtClean="0"/>
-              <a:t>3/3/2021</a:t>
+              <a:t>3/7/2021</a:t>
             </a:fld>
             <a:endParaRPr lang="en-US" dirty="0"/>
           </a:p>
@@ -10214,7 +10219,7 @@
           <a:p>
             <a:fld id="{BADBF3DD-8B6D-46AA-BCA9-242D4EF63DDF}" type="datetime1">
               <a:rPr lang="en-US" smtClean="0"/>
-              <a:t>3/3/2021</a:t>
+              <a:t>3/7/2021</a:t>
             </a:fld>
             <a:endParaRPr lang="en-US" dirty="0"/>
           </a:p>
@@ -10518,7 +10523,7 @@
           <a:p>
             <a:fld id="{23C41AE9-3D4A-4A08-B03D-DC6D2ADF5464}" type="datetime1">
               <a:rPr lang="en-US" smtClean="0"/>
-              <a:t>3/3/2021</a:t>
+              <a:t>3/7/2021</a:t>
             </a:fld>
             <a:endParaRPr lang="en-US" dirty="0"/>
           </a:p>
@@ -10665,7 +10670,7 @@
           <a:noFill/>
           <a:extLst>
             <a:ext uri="{909E8E84-426E-40dd-AFC4-6F175D3DCCD1}">
-              <a14:hiddenFill xmlns:a14="http://schemas.microsoft.com/office/drawing/2010/main" xmlns="">
+              <a14:hiddenFill xmlns="" xmlns:a14="http://schemas.microsoft.com/office/drawing/2010/main">
                 <a:solidFill>
                   <a:srgbClr val="FFFFFF"/>
                 </a:solidFill>
@@ -10739,7 +10744,7 @@
               </a:ln>
               <a:extLst>
                 <a:ext uri="{91240B29-F687-4f45-9708-019B960494DF}">
-                  <a14:hiddenLine xmlns:a14="http://schemas.microsoft.com/office/drawing/2010/main" xmlns="" w="9525">
+                  <a14:hiddenLine xmlns="" xmlns:a14="http://schemas.microsoft.com/office/drawing/2010/main" w="9525">
                     <a:solidFill>
                       <a:srgbClr val="000000"/>
                     </a:solidFill>
@@ -10829,7 +10834,7 @@
               </a:ln>
               <a:extLst>
                 <a:ext uri="{91240B29-F687-4f45-9708-019B960494DF}">
-                  <a14:hiddenLine xmlns:a14="http://schemas.microsoft.com/office/drawing/2010/main" xmlns="" w="9525">
+                  <a14:hiddenLine xmlns="" xmlns:a14="http://schemas.microsoft.com/office/drawing/2010/main" w="9525">
                     <a:solidFill>
                       <a:srgbClr val="000000"/>
                     </a:solidFill>
@@ -10919,7 +10924,7 @@
               </a:ln>
               <a:extLst>
                 <a:ext uri="{91240B29-F687-4f45-9708-019B960494DF}">
-                  <a14:hiddenLine xmlns:a14="http://schemas.microsoft.com/office/drawing/2010/main" xmlns="" w="9525">
+                  <a14:hiddenLine xmlns="" xmlns:a14="http://schemas.microsoft.com/office/drawing/2010/main" w="9525">
                     <a:solidFill>
                       <a:srgbClr val="000000"/>
                     </a:solidFill>
@@ -10981,7 +10986,7 @@
               </a:ln>
               <a:extLst>
                 <a:ext uri="{91240B29-F687-4f45-9708-019B960494DF}">
-                  <a14:hiddenLine xmlns:a14="http://schemas.microsoft.com/office/drawing/2010/main" xmlns="" w="9525">
+                  <a14:hiddenLine xmlns="" xmlns:a14="http://schemas.microsoft.com/office/drawing/2010/main" w="9525">
                     <a:solidFill>
                       <a:srgbClr val="000000"/>
                     </a:solidFill>
@@ -11071,7 +11076,7 @@
               </a:ln>
               <a:extLst>
                 <a:ext uri="{91240B29-F687-4f45-9708-019B960494DF}">
-                  <a14:hiddenLine xmlns:a14="http://schemas.microsoft.com/office/drawing/2010/main" xmlns="" w="9525">
+                  <a14:hiddenLine xmlns="" xmlns:a14="http://schemas.microsoft.com/office/drawing/2010/main" w="9525">
                     <a:solidFill>
                       <a:srgbClr val="000000"/>
                     </a:solidFill>
@@ -11133,7 +11138,7 @@
               </a:ln>
               <a:extLst>
                 <a:ext uri="{91240B29-F687-4f45-9708-019B960494DF}">
-                  <a14:hiddenLine xmlns:a14="http://schemas.microsoft.com/office/drawing/2010/main" xmlns="" w="9525">
+                  <a14:hiddenLine xmlns="" xmlns:a14="http://schemas.microsoft.com/office/drawing/2010/main" w="9525">
                     <a:solidFill>
                       <a:srgbClr val="000000"/>
                     </a:solidFill>
@@ -11195,7 +11200,7 @@
               </a:ln>
               <a:extLst>
                 <a:ext uri="{91240B29-F687-4f45-9708-019B960494DF}">
-                  <a14:hiddenLine xmlns:a14="http://schemas.microsoft.com/office/drawing/2010/main" xmlns="" w="9525">
+                  <a14:hiddenLine xmlns="" xmlns:a14="http://schemas.microsoft.com/office/drawing/2010/main" w="9525">
                     <a:solidFill>
                       <a:srgbClr val="000000"/>
                     </a:solidFill>
@@ -11285,7 +11290,7 @@
               </a:ln>
               <a:extLst>
                 <a:ext uri="{91240B29-F687-4f45-9708-019B960494DF}">
-                  <a14:hiddenLine xmlns:a14="http://schemas.microsoft.com/office/drawing/2010/main" xmlns="" w="9525">
+                  <a14:hiddenLine xmlns="" xmlns:a14="http://schemas.microsoft.com/office/drawing/2010/main" w="9525">
                     <a:solidFill>
                       <a:srgbClr val="000000"/>
                     </a:solidFill>
@@ -11375,7 +11380,7 @@
               </a:ln>
               <a:extLst>
                 <a:ext uri="{91240B29-F687-4f45-9708-019B960494DF}">
-                  <a14:hiddenLine xmlns:a14="http://schemas.microsoft.com/office/drawing/2010/main" xmlns="" w="9525">
+                  <a14:hiddenLine xmlns="" xmlns:a14="http://schemas.microsoft.com/office/drawing/2010/main" w="9525">
                     <a:solidFill>
                       <a:srgbClr val="000000"/>
                     </a:solidFill>
@@ -11437,7 +11442,7 @@
               </a:ln>
               <a:extLst>
                 <a:ext uri="{91240B29-F687-4f45-9708-019B960494DF}">
-                  <a14:hiddenLine xmlns:a14="http://schemas.microsoft.com/office/drawing/2010/main" xmlns="" w="9525">
+                  <a14:hiddenLine xmlns="" xmlns:a14="http://schemas.microsoft.com/office/drawing/2010/main" w="9525">
                     <a:solidFill>
                       <a:srgbClr val="000000"/>
                     </a:solidFill>
@@ -11547,7 +11552,7 @@
               </a:ln>
               <a:extLst>
                 <a:ext uri="{91240B29-F687-4f45-9708-019B960494DF}">
-                  <a14:hiddenLine xmlns:a14="http://schemas.microsoft.com/office/drawing/2010/main" xmlns="" w="9525">
+                  <a14:hiddenLine xmlns="" xmlns:a14="http://schemas.microsoft.com/office/drawing/2010/main" w="9525">
                     <a:solidFill>
                       <a:srgbClr val="000000"/>
                     </a:solidFill>
@@ -11631,7 +11636,7 @@
               </a:ln>
               <a:extLst>
                 <a:ext uri="{91240B29-F687-4f45-9708-019B960494DF}">
-                  <a14:hiddenLine xmlns:a14="http://schemas.microsoft.com/office/drawing/2010/main" xmlns="" w="9525">
+                  <a14:hiddenLine xmlns="" xmlns:a14="http://schemas.microsoft.com/office/drawing/2010/main" w="9525">
                     <a:solidFill>
                       <a:srgbClr val="000000"/>
                     </a:solidFill>
@@ -11693,7 +11698,7 @@
               </a:ln>
               <a:extLst>
                 <a:ext uri="{91240B29-F687-4f45-9708-019B960494DF}">
-                  <a14:hiddenLine xmlns:a14="http://schemas.microsoft.com/office/drawing/2010/main" xmlns="" w="9525">
+                  <a14:hiddenLine xmlns="" xmlns:a14="http://schemas.microsoft.com/office/drawing/2010/main" w="9525">
                     <a:solidFill>
                       <a:srgbClr val="000000"/>
                     </a:solidFill>
@@ -11755,7 +11760,7 @@
               </a:ln>
               <a:extLst>
                 <a:ext uri="{91240B29-F687-4f45-9708-019B960494DF}">
-                  <a14:hiddenLine xmlns:a14="http://schemas.microsoft.com/office/drawing/2010/main" xmlns="" w="9525">
+                  <a14:hiddenLine xmlns="" xmlns:a14="http://schemas.microsoft.com/office/drawing/2010/main" w="9525">
                     <a:solidFill>
                       <a:srgbClr val="000000"/>
                     </a:solidFill>
@@ -11845,7 +11850,7 @@
               </a:ln>
               <a:extLst>
                 <a:ext uri="{91240B29-F687-4f45-9708-019B960494DF}">
-                  <a14:hiddenLine xmlns:a14="http://schemas.microsoft.com/office/drawing/2010/main" xmlns="" w="9525">
+                  <a14:hiddenLine xmlns="" xmlns:a14="http://schemas.microsoft.com/office/drawing/2010/main" w="9525">
                     <a:solidFill>
                       <a:srgbClr val="000000"/>
                     </a:solidFill>
@@ -11879,7 +11884,7 @@
               </a:ln>
               <a:extLst>
                 <a:ext uri="{91240B29-F687-4f45-9708-019B960494DF}">
-                  <a14:hiddenLine xmlns:a14="http://schemas.microsoft.com/office/drawing/2010/main" xmlns="" w="9525">
+                  <a14:hiddenLine xmlns="" xmlns:a14="http://schemas.microsoft.com/office/drawing/2010/main" w="9525">
                     <a:solidFill>
                       <a:srgbClr val="000000"/>
                     </a:solidFill>
@@ -11944,7 +11949,7 @@
               </a:ln>
               <a:extLst>
                 <a:ext uri="{91240B29-F687-4f45-9708-019B960494DF}">
-                  <a14:hiddenLine xmlns:a14="http://schemas.microsoft.com/office/drawing/2010/main" xmlns="" w="9525">
+                  <a14:hiddenLine xmlns="" xmlns:a14="http://schemas.microsoft.com/office/drawing/2010/main" w="9525">
                     <a:solidFill>
                       <a:srgbClr val="000000"/>
                     </a:solidFill>
@@ -12034,7 +12039,7 @@
               </a:ln>
               <a:extLst>
                 <a:ext uri="{91240B29-F687-4f45-9708-019B960494DF}">
-                  <a14:hiddenLine xmlns:a14="http://schemas.microsoft.com/office/drawing/2010/main" xmlns="" w="9525">
+                  <a14:hiddenLine xmlns="" xmlns:a14="http://schemas.microsoft.com/office/drawing/2010/main" w="9525">
                     <a:solidFill>
                       <a:srgbClr val="000000"/>
                     </a:solidFill>
@@ -12096,7 +12101,7 @@
               </a:ln>
               <a:extLst>
                 <a:ext uri="{91240B29-F687-4f45-9708-019B960494DF}">
-                  <a14:hiddenLine xmlns:a14="http://schemas.microsoft.com/office/drawing/2010/main" xmlns="" w="9525">
+                  <a14:hiddenLine xmlns="" xmlns:a14="http://schemas.microsoft.com/office/drawing/2010/main" w="9525">
                     <a:solidFill>
                       <a:srgbClr val="000000"/>
                     </a:solidFill>
@@ -12186,7 +12191,7 @@
               </a:ln>
               <a:extLst>
                 <a:ext uri="{91240B29-F687-4f45-9708-019B960494DF}">
-                  <a14:hiddenLine xmlns:a14="http://schemas.microsoft.com/office/drawing/2010/main" xmlns="" w="9525">
+                  <a14:hiddenLine xmlns="" xmlns:a14="http://schemas.microsoft.com/office/drawing/2010/main" w="9525">
                     <a:solidFill>
                       <a:srgbClr val="000000"/>
                     </a:solidFill>
@@ -12251,7 +12256,7 @@
               </a:ln>
               <a:extLst>
                 <a:ext uri="{91240B29-F687-4f45-9708-019B960494DF}">
-                  <a14:hiddenLine xmlns:a14="http://schemas.microsoft.com/office/drawing/2010/main" xmlns="" w="9525">
+                  <a14:hiddenLine xmlns="" xmlns:a14="http://schemas.microsoft.com/office/drawing/2010/main" w="9525">
                     <a:solidFill>
                       <a:srgbClr val="000000"/>
                     </a:solidFill>
@@ -12313,7 +12318,7 @@
               </a:ln>
               <a:extLst>
                 <a:ext uri="{91240B29-F687-4f45-9708-019B960494DF}">
-                  <a14:hiddenLine xmlns:a14="http://schemas.microsoft.com/office/drawing/2010/main" xmlns="" w="9525">
+                  <a14:hiddenLine xmlns="" xmlns:a14="http://schemas.microsoft.com/office/drawing/2010/main" w="9525">
                     <a:solidFill>
                       <a:srgbClr val="000000"/>
                     </a:solidFill>
@@ -12403,7 +12408,7 @@
               </a:ln>
               <a:extLst>
                 <a:ext uri="{91240B29-F687-4f45-9708-019B960494DF}">
-                  <a14:hiddenLine xmlns:a14="http://schemas.microsoft.com/office/drawing/2010/main" xmlns="" w="9525">
+                  <a14:hiddenLine xmlns="" xmlns:a14="http://schemas.microsoft.com/office/drawing/2010/main" w="9525">
                     <a:solidFill>
                       <a:srgbClr val="000000"/>
                     </a:solidFill>
@@ -12493,7 +12498,7 @@
               </a:ln>
               <a:extLst>
                 <a:ext uri="{91240B29-F687-4f45-9708-019B960494DF}">
-                  <a14:hiddenLine xmlns:a14="http://schemas.microsoft.com/office/drawing/2010/main" xmlns="" w="9525">
+                  <a14:hiddenLine xmlns="" xmlns:a14="http://schemas.microsoft.com/office/drawing/2010/main" w="9525">
                     <a:solidFill>
                       <a:srgbClr val="000000"/>
                     </a:solidFill>
@@ -12558,7 +12563,7 @@
               </a:ln>
               <a:extLst>
                 <a:ext uri="{91240B29-F687-4f45-9708-019B960494DF}">
-                  <a14:hiddenLine xmlns:a14="http://schemas.microsoft.com/office/drawing/2010/main" xmlns="" w="9525">
+                  <a14:hiddenLine xmlns="" xmlns:a14="http://schemas.microsoft.com/office/drawing/2010/main" w="9525">
                     <a:solidFill>
                       <a:srgbClr val="000000"/>
                     </a:solidFill>
@@ -12678,7 +12683,7 @@
               </a:ln>
               <a:extLst>
                 <a:ext uri="{91240B29-F687-4f45-9708-019B960494DF}">
-                  <a14:hiddenLine xmlns:a14="http://schemas.microsoft.com/office/drawing/2010/main" xmlns="" w="9525">
+                  <a14:hiddenLine xmlns="" xmlns:a14="http://schemas.microsoft.com/office/drawing/2010/main" w="9525">
                     <a:solidFill>
                       <a:srgbClr val="000000"/>
                     </a:solidFill>
@@ -12759,7 +12764,7 @@
               </a:ln>
               <a:extLst>
                 <a:ext uri="{91240B29-F687-4f45-9708-019B960494DF}">
-                  <a14:hiddenLine xmlns:a14="http://schemas.microsoft.com/office/drawing/2010/main" xmlns="" w="9525">
+                  <a14:hiddenLine xmlns="" xmlns:a14="http://schemas.microsoft.com/office/drawing/2010/main" w="9525">
                     <a:solidFill>
                       <a:srgbClr val="000000"/>
                     </a:solidFill>
@@ -12874,7 +12879,7 @@
               </a:ln>
               <a:extLst>
                 <a:ext uri="{91240B29-F687-4f45-9708-019B960494DF}">
-                  <a14:hiddenLine xmlns:a14="http://schemas.microsoft.com/office/drawing/2010/main" xmlns="" w="9525">
+                  <a14:hiddenLine xmlns="" xmlns:a14="http://schemas.microsoft.com/office/drawing/2010/main" w="9525">
                     <a:solidFill>
                       <a:srgbClr val="000000"/>
                     </a:solidFill>
@@ -12964,7 +12969,7 @@
               </a:ln>
               <a:extLst>
                 <a:ext uri="{91240B29-F687-4f45-9708-019B960494DF}">
-                  <a14:hiddenLine xmlns:a14="http://schemas.microsoft.com/office/drawing/2010/main" xmlns="" w="9525">
+                  <a14:hiddenLine xmlns="" xmlns:a14="http://schemas.microsoft.com/office/drawing/2010/main" w="9525">
                     <a:solidFill>
                       <a:srgbClr val="000000"/>
                     </a:solidFill>
@@ -13029,7 +13034,7 @@
               </a:ln>
               <a:extLst>
                 <a:ext uri="{91240B29-F687-4f45-9708-019B960494DF}">
-                  <a14:hiddenLine xmlns:a14="http://schemas.microsoft.com/office/drawing/2010/main" xmlns="" w="9525">
+                  <a14:hiddenLine xmlns="" xmlns:a14="http://schemas.microsoft.com/office/drawing/2010/main" w="9525">
                     <a:solidFill>
                       <a:srgbClr val="000000"/>
                     </a:solidFill>
@@ -13119,7 +13124,7 @@
               </a:ln>
               <a:extLst>
                 <a:ext uri="{91240B29-F687-4f45-9708-019B960494DF}">
-                  <a14:hiddenLine xmlns:a14="http://schemas.microsoft.com/office/drawing/2010/main" xmlns="" w="9525">
+                  <a14:hiddenLine xmlns="" xmlns:a14="http://schemas.microsoft.com/office/drawing/2010/main" w="9525">
                     <a:solidFill>
                       <a:srgbClr val="000000"/>
                     </a:solidFill>
@@ -13187,7 +13192,7 @@
               </a:ln>
               <a:extLst>
                 <a:ext uri="{91240B29-F687-4f45-9708-019B960494DF}">
-                  <a14:hiddenLine xmlns:a14="http://schemas.microsoft.com/office/drawing/2010/main" xmlns="" w="9525">
+                  <a14:hiddenLine xmlns="" xmlns:a14="http://schemas.microsoft.com/office/drawing/2010/main" w="9525">
                     <a:solidFill>
                       <a:srgbClr val="000000"/>
                     </a:solidFill>
@@ -13277,7 +13282,7 @@
               </a:ln>
               <a:extLst>
                 <a:ext uri="{91240B29-F687-4f45-9708-019B960494DF}">
-                  <a14:hiddenLine xmlns:a14="http://schemas.microsoft.com/office/drawing/2010/main" xmlns="" w="9525">
+                  <a14:hiddenLine xmlns="" xmlns:a14="http://schemas.microsoft.com/office/drawing/2010/main" w="9525">
                     <a:solidFill>
                       <a:srgbClr val="000000"/>
                     </a:solidFill>
@@ -13345,7 +13350,7 @@
               </a:ln>
               <a:extLst>
                 <a:ext uri="{91240B29-F687-4f45-9708-019B960494DF}">
-                  <a14:hiddenLine xmlns:a14="http://schemas.microsoft.com/office/drawing/2010/main" xmlns="" w="9525">
+                  <a14:hiddenLine xmlns="" xmlns:a14="http://schemas.microsoft.com/office/drawing/2010/main" w="9525">
                     <a:solidFill>
                       <a:srgbClr val="000000"/>
                     </a:solidFill>
@@ -13435,7 +13440,7 @@
               </a:ln>
               <a:extLst>
                 <a:ext uri="{91240B29-F687-4f45-9708-019B960494DF}">
-                  <a14:hiddenLine xmlns:a14="http://schemas.microsoft.com/office/drawing/2010/main" xmlns="" w="9525">
+                  <a14:hiddenLine xmlns="" xmlns:a14="http://schemas.microsoft.com/office/drawing/2010/main" w="9525">
                     <a:solidFill>
                       <a:srgbClr val="000000"/>
                     </a:solidFill>
@@ -13469,7 +13474,7 @@
               </a:ln>
               <a:extLst>
                 <a:ext uri="{91240B29-F687-4f45-9708-019B960494DF}">
-                  <a14:hiddenLine xmlns:a14="http://schemas.microsoft.com/office/drawing/2010/main" xmlns="" w="9525">
+                  <a14:hiddenLine xmlns="" xmlns:a14="http://schemas.microsoft.com/office/drawing/2010/main" w="9525">
                     <a:solidFill>
                       <a:srgbClr val="000000"/>
                     </a:solidFill>
@@ -13610,7 +13615,7 @@
             <a:fld id="{5C6E67D0-0200-42BE-A0B2-78C70FBBB312}" type="datetime1">
               <a:rPr lang="en-US" smtClean="0"/>
               <a:pPr/>
-              <a:t>3/3/2021</a:t>
+              <a:t>3/7/2021</a:t>
             </a:fld>
             <a:endParaRPr lang="en-US" dirty="0"/>
           </a:p>
@@ -14388,6 +14393,741 @@
       </p:grpSpPr>
       <p:sp>
         <p:nvSpPr>
+          <p:cNvPr id="7" name="Title 6"/>
+          <p:cNvSpPr>
+            <a:spLocks noGrp="1"/>
+          </p:cNvSpPr>
+          <p:nvPr>
+            <p:ph type="title"/>
+          </p:nvPr>
+        </p:nvSpPr>
+        <p:spPr>
+          <a:xfrm>
+            <a:off x="3791588" y="980728"/>
+            <a:ext cx="4602472" cy="794258"/>
+          </a:xfrm>
+        </p:spPr>
+        <p:txBody>
+          <a:bodyPr>
+            <a:normAutofit fontScale="90000"/>
+          </a:bodyPr>
+          <a:lstStyle/>
+          <a:p>
+            <a:pPr algn="ctr"/>
+            <a:r>
+              <a:rPr lang="en-US" dirty="0" smtClean="0"/>
+              <a:t>Database and storage</a:t>
+            </a:r>
+            <a:endParaRPr lang="en-IN" dirty="0"/>
+          </a:p>
+        </p:txBody>
+      </p:sp>
+      <p:sp>
+        <p:nvSpPr>
+          <p:cNvPr id="8" name="Content Placeholder 7"/>
+          <p:cNvSpPr>
+            <a:spLocks noGrp="1"/>
+          </p:cNvSpPr>
+          <p:nvPr>
+            <p:ph idx="1"/>
+          </p:nvPr>
+        </p:nvSpPr>
+        <p:spPr/>
+        <p:txBody>
+          <a:bodyPr/>
+          <a:lstStyle/>
+          <a:p>
+            <a:pPr marL="0" indent="0">
+              <a:buNone/>
+            </a:pPr>
+            <a:r>
+              <a:rPr lang="en-US" dirty="0" smtClean="0"/>
+              <a:t>This project consist of two technologies for storing some data:-</a:t>
+            </a:r>
+          </a:p>
+          <a:p>
+            <a:pPr marL="0" indent="0">
+              <a:buNone/>
+            </a:pPr>
+            <a:r>
+              <a:rPr lang="en-US" dirty="0"/>
+              <a:t>	</a:t>
+            </a:r>
+            <a:r>
+              <a:rPr lang="en-US" dirty="0" smtClean="0"/>
+              <a:t>1. MySQL 			2. JSON</a:t>
+            </a:r>
+          </a:p>
+          <a:p>
+            <a:r>
+              <a:rPr lang="en-US" dirty="0" smtClean="0"/>
+              <a:t>Here MySQL is used for storing strong data or Records (like:- User Data, 	Movie Details, Theatre Details.)</a:t>
+            </a:r>
+          </a:p>
+          <a:p>
+            <a:r>
+              <a:rPr lang="en-US" dirty="0" smtClean="0"/>
+              <a:t>JSON is used here for storing some temporary or common data (like:- cities names only, seats availability </a:t>
+            </a:r>
+            <a:r>
+              <a:rPr lang="en-US" dirty="0" err="1" smtClean="0"/>
+              <a:t>etc</a:t>
+            </a:r>
+            <a:r>
+              <a:rPr lang="en-US" dirty="0" smtClean="0"/>
+              <a:t>)</a:t>
+            </a:r>
+            <a:endParaRPr lang="en-IN" dirty="0"/>
+          </a:p>
+        </p:txBody>
+      </p:sp>
+    </p:spTree>
+    <p:extLst>
+      <p:ext uri="{BB962C8B-B14F-4D97-AF65-F5344CB8AC3E}">
+        <p14:creationId xmlns:p14="http://schemas.microsoft.com/office/powerpoint/2010/main" val="1982750236"/>
+      </p:ext>
+    </p:extLst>
+  </p:cSld>
+  <p:clrMapOvr>
+    <a:masterClrMapping/>
+  </p:clrMapOvr>
+  <mc:AlternateContent xmlns:mc="http://schemas.openxmlformats.org/markup-compatibility/2006" xmlns:p14="http://schemas.microsoft.com/office/powerpoint/2010/main">
+    <mc:Choice Requires="p14">
+      <p:transition spd="med" p14:dur="700">
+        <p:fade/>
+      </p:transition>
+    </mc:Choice>
+    <mc:Fallback xmlns="">
+      <p:transition spd="med">
+        <p:fade/>
+      </p:transition>
+    </mc:Fallback>
+  </mc:AlternateContent>
+</p:sld>
+</file>
+
+<file path=ppt/slides/slide13.xml><?xml version="1.0" encoding="utf-8"?>
+<p:sld xmlns:a="http://schemas.openxmlformats.org/drawingml/2006/main" xmlns:r="http://schemas.openxmlformats.org/officeDocument/2006/relationships" xmlns:p="http://schemas.openxmlformats.org/presentationml/2006/main">
+  <p:cSld>
+    <p:spTree>
+      <p:nvGrpSpPr>
+        <p:cNvPr id="1" name=""/>
+        <p:cNvGrpSpPr/>
+        <p:nvPr/>
+      </p:nvGrpSpPr>
+      <p:grpSpPr>
+        <a:xfrm>
+          <a:off x="0" y="0"/>
+          <a:ext cx="0" cy="0"/>
+          <a:chOff x="0" y="0"/>
+          <a:chExt cx="0" cy="0"/>
+        </a:xfrm>
+      </p:grpSpPr>
+      <p:sp>
+        <p:nvSpPr>
+          <p:cNvPr id="2" name="Title 1"/>
+          <p:cNvSpPr>
+            <a:spLocks noGrp="1"/>
+          </p:cNvSpPr>
+          <p:nvPr>
+            <p:ph type="title"/>
+          </p:nvPr>
+        </p:nvSpPr>
+        <p:spPr/>
+        <p:txBody>
+          <a:bodyPr/>
+          <a:lstStyle/>
+          <a:p>
+            <a:r>
+              <a:rPr lang="en-US" dirty="0" smtClean="0"/>
+              <a:t>Database design		</a:t>
+            </a:r>
+            <a:endParaRPr lang="en-IN" dirty="0"/>
+          </a:p>
+        </p:txBody>
+      </p:sp>
+      <p:sp>
+        <p:nvSpPr>
+          <p:cNvPr id="3" name="Content Placeholder 2"/>
+          <p:cNvSpPr>
+            <a:spLocks noGrp="1"/>
+          </p:cNvSpPr>
+          <p:nvPr>
+            <p:ph idx="1"/>
+          </p:nvPr>
+        </p:nvSpPr>
+        <p:spPr>
+          <a:xfrm>
+            <a:off x="1141115" y="1916832"/>
+            <a:ext cx="9903419" cy="3874369"/>
+          </a:xfrm>
+        </p:spPr>
+        <p:txBody>
+          <a:bodyPr/>
+          <a:lstStyle/>
+          <a:p>
+            <a:pPr marL="0" indent="0">
+              <a:buNone/>
+            </a:pPr>
+            <a:r>
+              <a:rPr lang="en-US" dirty="0" smtClean="0"/>
+              <a:t>The Database is designed as minimal as possible. In this project, the database contains 3 different Relations (or Tables) for storing data which are as follows:-</a:t>
+            </a:r>
+          </a:p>
+          <a:p>
+            <a:pPr marL="0" indent="0">
+              <a:buNone/>
+            </a:pPr>
+            <a:r>
+              <a:rPr lang="en-US" dirty="0" smtClean="0"/>
+              <a:t>1. User Data</a:t>
+            </a:r>
+            <a:r>
+              <a:rPr lang="en-IN" dirty="0" smtClean="0"/>
+              <a:t>	</a:t>
+            </a:r>
+            <a:r>
+              <a:rPr lang="en-IN" dirty="0"/>
+              <a:t> </a:t>
+            </a:r>
+            <a:r>
+              <a:rPr lang="en-IN" dirty="0" smtClean="0"/>
+              <a:t> 	2. Movies Data		3. Theatres Data</a:t>
+            </a:r>
+          </a:p>
+          <a:p>
+            <a:pPr marL="0" indent="0">
+              <a:buNone/>
+            </a:pPr>
+            <a:endParaRPr lang="en-US" dirty="0" smtClean="0"/>
+          </a:p>
+        </p:txBody>
+      </p:sp>
+      <p:pic>
+        <p:nvPicPr>
+          <p:cNvPr id="4" name="Picture 3"/>
+          <p:cNvPicPr>
+            <a:picLocks noChangeAspect="1"/>
+          </p:cNvPicPr>
+          <p:nvPr/>
+        </p:nvPicPr>
+        <p:blipFill>
+          <a:blip r:embed="rId2">
+            <a:extLst>
+              <a:ext uri="{28A0092B-C50C-407E-A947-70E740481C1C}">
+                <a14:useLocalDpi xmlns:a14="http://schemas.microsoft.com/office/drawing/2010/main" val="0"/>
+              </a:ext>
+            </a:extLst>
+          </a:blip>
+          <a:stretch>
+            <a:fillRect/>
+          </a:stretch>
+        </p:blipFill>
+        <p:spPr>
+          <a:xfrm>
+            <a:off x="7678588" y="3573016"/>
+            <a:ext cx="2684537" cy="2092468"/>
+          </a:xfrm>
+          <a:prstGeom prst="rect">
+            <a:avLst/>
+          </a:prstGeom>
+        </p:spPr>
+      </p:pic>
+      <p:pic>
+        <p:nvPicPr>
+          <p:cNvPr id="5" name="Picture 4"/>
+          <p:cNvPicPr>
+            <a:picLocks noChangeAspect="1"/>
+          </p:cNvPicPr>
+          <p:nvPr/>
+        </p:nvPicPr>
+        <p:blipFill>
+          <a:blip r:embed="rId3">
+            <a:extLst>
+              <a:ext uri="{28A0092B-C50C-407E-A947-70E740481C1C}">
+                <a14:useLocalDpi xmlns:a14="http://schemas.microsoft.com/office/drawing/2010/main" val="0"/>
+              </a:ext>
+            </a:extLst>
+          </a:blip>
+          <a:stretch>
+            <a:fillRect/>
+          </a:stretch>
+        </p:blipFill>
+        <p:spPr>
+          <a:xfrm>
+            <a:off x="4006180" y="3428625"/>
+            <a:ext cx="2381250" cy="2381250"/>
+          </a:xfrm>
+          <a:prstGeom prst="rect">
+            <a:avLst/>
+          </a:prstGeom>
+        </p:spPr>
+      </p:pic>
+      <p:pic>
+        <p:nvPicPr>
+          <p:cNvPr id="6" name="Picture 5"/>
+          <p:cNvPicPr>
+            <a:picLocks noChangeAspect="1"/>
+          </p:cNvPicPr>
+          <p:nvPr/>
+        </p:nvPicPr>
+        <p:blipFill>
+          <a:blip r:embed="rId4">
+            <a:extLst>
+              <a:ext uri="{28A0092B-C50C-407E-A947-70E740481C1C}">
+                <a14:useLocalDpi xmlns:a14="http://schemas.microsoft.com/office/drawing/2010/main" val="0"/>
+              </a:ext>
+            </a:extLst>
+          </a:blip>
+          <a:stretch>
+            <a:fillRect/>
+          </a:stretch>
+        </p:blipFill>
+        <p:spPr>
+          <a:xfrm>
+            <a:off x="837828" y="3442321"/>
+            <a:ext cx="2348880" cy="2348880"/>
+          </a:xfrm>
+          <a:prstGeom prst="rect">
+            <a:avLst/>
+          </a:prstGeom>
+        </p:spPr>
+      </p:pic>
+    </p:spTree>
+    <p:extLst>
+      <p:ext uri="{BB962C8B-B14F-4D97-AF65-F5344CB8AC3E}">
+        <p14:creationId xmlns:p14="http://schemas.microsoft.com/office/powerpoint/2010/main" val="719412191"/>
+      </p:ext>
+    </p:extLst>
+  </p:cSld>
+  <p:clrMapOvr>
+    <a:masterClrMapping/>
+  </p:clrMapOvr>
+  <mc:AlternateContent xmlns:mc="http://schemas.openxmlformats.org/markup-compatibility/2006" xmlns:p14="http://schemas.microsoft.com/office/powerpoint/2010/main">
+    <mc:Choice Requires="p14">
+      <p:transition spd="med" p14:dur="700">
+        <p:fade/>
+      </p:transition>
+    </mc:Choice>
+    <mc:Fallback xmlns="">
+      <p:transition spd="med">
+        <p:fade/>
+      </p:transition>
+    </mc:Fallback>
+  </mc:AlternateContent>
+</p:sld>
+</file>
+
+<file path=ppt/slides/slide14.xml><?xml version="1.0" encoding="utf-8"?>
+<p:sld xmlns:a="http://schemas.openxmlformats.org/drawingml/2006/main" xmlns:r="http://schemas.openxmlformats.org/officeDocument/2006/relationships" xmlns:p="http://schemas.openxmlformats.org/presentationml/2006/main">
+  <p:cSld>
+    <p:spTree>
+      <p:nvGrpSpPr>
+        <p:cNvPr id="1" name=""/>
+        <p:cNvGrpSpPr/>
+        <p:nvPr/>
+      </p:nvGrpSpPr>
+      <p:grpSpPr>
+        <a:xfrm>
+          <a:off x="0" y="0"/>
+          <a:ext cx="0" cy="0"/>
+          <a:chOff x="0" y="0"/>
+          <a:chExt cx="0" cy="0"/>
+        </a:xfrm>
+      </p:grpSpPr>
+      <p:sp>
+        <p:nvSpPr>
+          <p:cNvPr id="2" name="Title 1"/>
+          <p:cNvSpPr>
+            <a:spLocks noGrp="1"/>
+          </p:cNvSpPr>
+          <p:nvPr>
+            <p:ph type="title"/>
+          </p:nvPr>
+        </p:nvSpPr>
+        <p:spPr>
+          <a:xfrm>
+            <a:off x="1141116" y="618518"/>
+            <a:ext cx="9903418" cy="650242"/>
+          </a:xfrm>
+        </p:spPr>
+        <p:txBody>
+          <a:bodyPr/>
+          <a:lstStyle/>
+          <a:p>
+            <a:r>
+              <a:rPr lang="en-US" dirty="0" smtClean="0"/>
+              <a:t>User data</a:t>
+            </a:r>
+            <a:endParaRPr lang="en-IN" dirty="0"/>
+          </a:p>
+        </p:txBody>
+      </p:sp>
+      <p:sp>
+        <p:nvSpPr>
+          <p:cNvPr id="3" name="Content Placeholder 2"/>
+          <p:cNvSpPr>
+            <a:spLocks noGrp="1"/>
+          </p:cNvSpPr>
+          <p:nvPr>
+            <p:ph idx="1"/>
+          </p:nvPr>
+        </p:nvSpPr>
+        <p:spPr>
+          <a:xfrm>
+            <a:off x="1106320" y="1988840"/>
+            <a:ext cx="9903419" cy="4608512"/>
+          </a:xfrm>
+        </p:spPr>
+        <p:txBody>
+          <a:bodyPr/>
+          <a:lstStyle/>
+          <a:p>
+            <a:pPr marL="0" indent="0">
+              <a:buNone/>
+            </a:pPr>
+            <a:r>
+              <a:rPr lang="en-US" dirty="0" smtClean="0"/>
+              <a:t>It consists of user details and have following attributes:-</a:t>
+            </a:r>
+          </a:p>
+          <a:p>
+            <a:r>
+              <a:rPr lang="en-US" dirty="0"/>
+              <a:t>u</a:t>
+            </a:r>
+            <a:r>
+              <a:rPr lang="en-US" dirty="0" smtClean="0"/>
+              <a:t>id (user id) (as PRIMARY KEY)</a:t>
+            </a:r>
+          </a:p>
+          <a:p>
+            <a:r>
+              <a:rPr lang="en-US" dirty="0" smtClean="0"/>
+              <a:t>user_email (email address of the user ) (as UNIQUE KEY)</a:t>
+            </a:r>
+          </a:p>
+          <a:p>
+            <a:r>
+              <a:rPr lang="en-US" dirty="0" smtClean="0"/>
+              <a:t>user_pass (password)</a:t>
+            </a:r>
+          </a:p>
+          <a:p>
+            <a:r>
+              <a:rPr lang="en-US" dirty="0" smtClean="0"/>
+              <a:t>user_name (user’s name)</a:t>
+            </a:r>
+          </a:p>
+          <a:p>
+            <a:r>
+              <a:rPr lang="en-US" dirty="0" smtClean="0"/>
+              <a:t>user_contact (user contact number)</a:t>
+            </a:r>
+          </a:p>
+          <a:p>
+            <a:r>
+              <a:rPr lang="en-US" dirty="0" smtClean="0"/>
+              <a:t>user_role (Admin or user)</a:t>
+            </a:r>
+            <a:endParaRPr lang="en-IN" dirty="0"/>
+          </a:p>
+        </p:txBody>
+      </p:sp>
+    </p:spTree>
+    <p:extLst>
+      <p:ext uri="{BB962C8B-B14F-4D97-AF65-F5344CB8AC3E}">
+        <p14:creationId xmlns:p14="http://schemas.microsoft.com/office/powerpoint/2010/main" val="1872617088"/>
+      </p:ext>
+    </p:extLst>
+  </p:cSld>
+  <p:clrMapOvr>
+    <a:masterClrMapping/>
+  </p:clrMapOvr>
+  <mc:AlternateContent xmlns:mc="http://schemas.openxmlformats.org/markup-compatibility/2006" xmlns:p14="http://schemas.microsoft.com/office/powerpoint/2010/main">
+    <mc:Choice Requires="p14">
+      <p:transition spd="med" p14:dur="700">
+        <p:fade/>
+      </p:transition>
+    </mc:Choice>
+    <mc:Fallback xmlns="">
+      <p:transition spd="med">
+        <p:fade/>
+      </p:transition>
+    </mc:Fallback>
+  </mc:AlternateContent>
+</p:sld>
+</file>
+
+<file path=ppt/slides/slide15.xml><?xml version="1.0" encoding="utf-8"?>
+<p:sld xmlns:a="http://schemas.openxmlformats.org/drawingml/2006/main" xmlns:r="http://schemas.openxmlformats.org/officeDocument/2006/relationships" xmlns:p="http://schemas.openxmlformats.org/presentationml/2006/main">
+  <p:cSld>
+    <p:spTree>
+      <p:nvGrpSpPr>
+        <p:cNvPr id="1" name=""/>
+        <p:cNvGrpSpPr/>
+        <p:nvPr/>
+      </p:nvGrpSpPr>
+      <p:grpSpPr>
+        <a:xfrm>
+          <a:off x="0" y="0"/>
+          <a:ext cx="0" cy="0"/>
+          <a:chOff x="0" y="0"/>
+          <a:chExt cx="0" cy="0"/>
+        </a:xfrm>
+      </p:grpSpPr>
+      <p:sp>
+        <p:nvSpPr>
+          <p:cNvPr id="2" name="Title 1"/>
+          <p:cNvSpPr>
+            <a:spLocks noGrp="1"/>
+          </p:cNvSpPr>
+          <p:nvPr>
+            <p:ph type="title"/>
+          </p:nvPr>
+        </p:nvSpPr>
+        <p:spPr>
+          <a:xfrm>
+            <a:off x="1141116" y="618518"/>
+            <a:ext cx="9903418" cy="650242"/>
+          </a:xfrm>
+        </p:spPr>
+        <p:txBody>
+          <a:bodyPr/>
+          <a:lstStyle/>
+          <a:p>
+            <a:r>
+              <a:rPr lang="en-US" dirty="0" smtClean="0"/>
+              <a:t>Movies data</a:t>
+            </a:r>
+            <a:endParaRPr lang="en-IN" dirty="0"/>
+          </a:p>
+        </p:txBody>
+      </p:sp>
+      <p:sp>
+        <p:nvSpPr>
+          <p:cNvPr id="3" name="Content Placeholder 2"/>
+          <p:cNvSpPr>
+            <a:spLocks noGrp="1"/>
+          </p:cNvSpPr>
+          <p:nvPr>
+            <p:ph idx="1"/>
+          </p:nvPr>
+        </p:nvSpPr>
+        <p:spPr/>
+        <p:txBody>
+          <a:bodyPr/>
+          <a:lstStyle/>
+          <a:p>
+            <a:pPr marL="0" indent="0">
+              <a:buNone/>
+            </a:pPr>
+            <a:r>
+              <a:rPr lang="en-US" dirty="0" smtClean="0"/>
+              <a:t>It consists of Movies details which are currently running in any theatre and contains following attributes:- </a:t>
+            </a:r>
+          </a:p>
+          <a:p>
+            <a:r>
+              <a:rPr lang="en-US" dirty="0" smtClean="0"/>
+              <a:t>Mov_id (movies id) (as PRIMARY KEY)</a:t>
+            </a:r>
+          </a:p>
+          <a:p>
+            <a:r>
+              <a:rPr lang="en-US" dirty="0" smtClean="0"/>
+              <a:t>Mov_name (name of the movie)</a:t>
+            </a:r>
+          </a:p>
+          <a:p>
+            <a:r>
+              <a:rPr lang="en-US" dirty="0" smtClean="0"/>
+              <a:t>Theatre (theatre id as FORIGN KEY)</a:t>
+            </a:r>
+            <a:endParaRPr lang="en-IN" dirty="0"/>
+          </a:p>
+        </p:txBody>
+      </p:sp>
+    </p:spTree>
+    <p:extLst>
+      <p:ext uri="{BB962C8B-B14F-4D97-AF65-F5344CB8AC3E}">
+        <p14:creationId xmlns:p14="http://schemas.microsoft.com/office/powerpoint/2010/main" val="1741165993"/>
+      </p:ext>
+    </p:extLst>
+  </p:cSld>
+  <p:clrMapOvr>
+    <a:masterClrMapping/>
+  </p:clrMapOvr>
+  <mc:AlternateContent xmlns:mc="http://schemas.openxmlformats.org/markup-compatibility/2006" xmlns:p14="http://schemas.microsoft.com/office/powerpoint/2010/main">
+    <mc:Choice Requires="p14">
+      <p:transition spd="med" p14:dur="700">
+        <p:fade/>
+      </p:transition>
+    </mc:Choice>
+    <mc:Fallback xmlns="">
+      <p:transition spd="med">
+        <p:fade/>
+      </p:transition>
+    </mc:Fallback>
+  </mc:AlternateContent>
+</p:sld>
+</file>
+
+<file path=ppt/slides/slide16.xml><?xml version="1.0" encoding="utf-8"?>
+<p:sld xmlns:a="http://schemas.openxmlformats.org/drawingml/2006/main" xmlns:r="http://schemas.openxmlformats.org/officeDocument/2006/relationships" xmlns:p="http://schemas.openxmlformats.org/presentationml/2006/main">
+  <p:cSld>
+    <p:spTree>
+      <p:nvGrpSpPr>
+        <p:cNvPr id="1" name=""/>
+        <p:cNvGrpSpPr/>
+        <p:nvPr/>
+      </p:nvGrpSpPr>
+      <p:grpSpPr>
+        <a:xfrm>
+          <a:off x="0" y="0"/>
+          <a:ext cx="0" cy="0"/>
+          <a:chOff x="0" y="0"/>
+          <a:chExt cx="0" cy="0"/>
+        </a:xfrm>
+      </p:grpSpPr>
+      <p:sp>
+        <p:nvSpPr>
+          <p:cNvPr id="2" name="Title 1"/>
+          <p:cNvSpPr>
+            <a:spLocks noGrp="1"/>
+          </p:cNvSpPr>
+          <p:nvPr>
+            <p:ph type="title"/>
+          </p:nvPr>
+        </p:nvSpPr>
+        <p:spPr>
+          <a:xfrm>
+            <a:off x="1141116" y="618518"/>
+            <a:ext cx="9903418" cy="650242"/>
+          </a:xfrm>
+        </p:spPr>
+        <p:txBody>
+          <a:bodyPr/>
+          <a:lstStyle/>
+          <a:p>
+            <a:r>
+              <a:rPr lang="en-US" dirty="0" smtClean="0"/>
+              <a:t>theatre</a:t>
+            </a:r>
+            <a:endParaRPr lang="en-IN" dirty="0"/>
+          </a:p>
+        </p:txBody>
+      </p:sp>
+      <p:sp>
+        <p:nvSpPr>
+          <p:cNvPr id="3" name="Content Placeholder 2"/>
+          <p:cNvSpPr>
+            <a:spLocks noGrp="1"/>
+          </p:cNvSpPr>
+          <p:nvPr>
+            <p:ph idx="1"/>
+          </p:nvPr>
+        </p:nvSpPr>
+        <p:spPr>
+          <a:xfrm>
+            <a:off x="1141115" y="2060848"/>
+            <a:ext cx="9903419" cy="4248472"/>
+          </a:xfrm>
+        </p:spPr>
+        <p:txBody>
+          <a:bodyPr>
+            <a:normAutofit/>
+          </a:bodyPr>
+          <a:lstStyle/>
+          <a:p>
+            <a:pPr marL="0" indent="0">
+              <a:buNone/>
+            </a:pPr>
+            <a:r>
+              <a:rPr lang="en-US" dirty="0" smtClean="0"/>
+              <a:t>This Relation deals with the details of the theatre which an admin owns.</a:t>
+            </a:r>
+            <a:r>
+              <a:rPr lang="en-IN" dirty="0" smtClean="0"/>
+              <a:t> There are several attributes:-</a:t>
+            </a:r>
+          </a:p>
+          <a:p>
+            <a:r>
+              <a:rPr lang="en-US" dirty="0" smtClean="0"/>
+              <a:t>Thid (theatre id) (as PRIMARY KEY)</a:t>
+            </a:r>
+          </a:p>
+          <a:p>
+            <a:r>
+              <a:rPr lang="en-US" dirty="0" smtClean="0"/>
+              <a:t>Th_name (theatre name)</a:t>
+            </a:r>
+          </a:p>
+          <a:p>
+            <a:r>
+              <a:rPr lang="en-US" dirty="0" smtClean="0"/>
+              <a:t>Th_address (address of the theatre)</a:t>
+            </a:r>
+          </a:p>
+          <a:p>
+            <a:r>
+              <a:rPr lang="en-US" dirty="0" smtClean="0"/>
+              <a:t>Th_city (city in which it is located)</a:t>
+            </a:r>
+          </a:p>
+          <a:p>
+            <a:r>
+              <a:rPr lang="en-US" dirty="0" smtClean="0"/>
+              <a:t>Th_state (state of the city)</a:t>
+            </a:r>
+          </a:p>
+        </p:txBody>
+      </p:sp>
+    </p:spTree>
+    <p:extLst>
+      <p:ext uri="{BB962C8B-B14F-4D97-AF65-F5344CB8AC3E}">
+        <p14:creationId xmlns:p14="http://schemas.microsoft.com/office/powerpoint/2010/main" val="3701615133"/>
+      </p:ext>
+    </p:extLst>
+  </p:cSld>
+  <p:clrMapOvr>
+    <a:masterClrMapping/>
+  </p:clrMapOvr>
+  <mc:AlternateContent xmlns:mc="http://schemas.openxmlformats.org/markup-compatibility/2006" xmlns:p14="http://schemas.microsoft.com/office/powerpoint/2010/main">
+    <mc:Choice Requires="p14">
+      <p:transition spd="med" p14:dur="700">
+        <p:fade/>
+      </p:transition>
+    </mc:Choice>
+    <mc:Fallback xmlns="">
+      <p:transition spd="med">
+        <p:fade/>
+      </p:transition>
+    </mc:Fallback>
+  </mc:AlternateContent>
+</p:sld>
+</file>
+
+<file path=ppt/slides/slide17.xml><?xml version="1.0" encoding="utf-8"?>
+<p:sld xmlns:a="http://schemas.openxmlformats.org/drawingml/2006/main" xmlns:r="http://schemas.openxmlformats.org/officeDocument/2006/relationships" xmlns:p="http://schemas.openxmlformats.org/presentationml/2006/main">
+  <p:cSld>
+    <p:spTree>
+      <p:nvGrpSpPr>
+        <p:cNvPr id="1" name=""/>
+        <p:cNvGrpSpPr/>
+        <p:nvPr/>
+      </p:nvGrpSpPr>
+      <p:grpSpPr>
+        <a:xfrm>
+          <a:off x="0" y="0"/>
+          <a:ext cx="0" cy="0"/>
+          <a:chOff x="0" y="0"/>
+          <a:chExt cx="0" cy="0"/>
+        </a:xfrm>
+      </p:grpSpPr>
+      <p:sp>
+        <p:nvSpPr>
           <p:cNvPr id="3" name="Title 2"/>
           <p:cNvSpPr>
             <a:spLocks noGrp="1"/>
@@ -14556,7 +15296,7 @@
 </p:sld>
 </file>
 
-<file path=ppt/slides/slide13.xml><?xml version="1.0" encoding="utf-8"?>
+<file path=ppt/slides/slide18.xml><?xml version="1.0" encoding="utf-8"?>
 <p:sld xmlns:a="http://schemas.openxmlformats.org/drawingml/2006/main" xmlns:r="http://schemas.openxmlformats.org/officeDocument/2006/relationships" xmlns:p="http://schemas.openxmlformats.org/presentationml/2006/main">
   <p:cSld>
     <p:spTree>
